--- a/TA_Contest_Fall_23/Bhawana_Agarwal/Perfect_data_size_INFO7390_TAContestFall.pptx
+++ b/TA_Contest_Fall_23/Bhawana_Agarwal/Perfect_data_size_INFO7390_TAContestFall.pptx
@@ -4,20 +4,25 @@
   <p:sldMasterIdLst>
     <p:sldMasterId id="2147483648" r:id="rId1"/>
   </p:sldMasterIdLst>
+  <p:notesMasterIdLst>
+    <p:notesMasterId r:id="rId17"/>
+  </p:notesMasterIdLst>
   <p:sldIdLst>
     <p:sldId id="257" r:id="rId2"/>
-    <p:sldId id="259" r:id="rId3"/>
-    <p:sldId id="260" r:id="rId4"/>
+    <p:sldId id="260" r:id="rId3"/>
+    <p:sldId id="259" r:id="rId4"/>
     <p:sldId id="261" r:id="rId5"/>
     <p:sldId id="262" r:id="rId6"/>
-    <p:sldId id="263" r:id="rId7"/>
+    <p:sldId id="271" r:id="rId7"/>
     <p:sldId id="264" r:id="rId8"/>
     <p:sldId id="265" r:id="rId9"/>
     <p:sldId id="266" r:id="rId10"/>
     <p:sldId id="267" r:id="rId11"/>
     <p:sldId id="268" r:id="rId12"/>
     <p:sldId id="269" r:id="rId13"/>
-    <p:sldId id="270" r:id="rId14"/>
+    <p:sldId id="272" r:id="rId14"/>
+    <p:sldId id="273" r:id="rId15"/>
+    <p:sldId id="270" r:id="rId16"/>
   </p:sldIdLst>
   <p:sldSz cx="12192000" cy="6858000"/>
   <p:notesSz cx="6858000" cy="9144000"/>
@@ -116,7 +121,633 @@
       </a:defRPr>
     </a:lvl9pPr>
   </p:defaultTextStyle>
+  <p:extLst>
+    <p:ext uri="{EFAFB233-063F-42B5-8137-9DF3F51BA10A}">
+      <p15:sldGuideLst xmlns:p15="http://schemas.microsoft.com/office/powerpoint/2012/main"/>
+    </p:ext>
+  </p:extLst>
 </p:presentation>
+</file>
+
+<file path=ppt/revisionInfo.xml><?xml version="1.0" encoding="utf-8"?>
+<p1510:revInfo xmlns:a="http://schemas.openxmlformats.org/drawingml/2006/main" xmlns:r="http://schemas.openxmlformats.org/officeDocument/2006/relationships" xmlns:p1510="http://schemas.microsoft.com/office/powerpoint/2015/10/main">
+  <p1510:revLst>
+    <p1510:client id="{8476248A-8437-4E46-9CB6-1618CB93491F}" v="2" dt="2023-08-19T16:53:28.002"/>
+  </p1510:revLst>
+</p1510:revInfo>
+</file>
+
+<file path=ppt/changesInfos/changesInfo1.xml><?xml version="1.0" encoding="utf-8"?>
+<pc:chgInfo xmlns:a="http://schemas.openxmlformats.org/drawingml/2006/main" xmlns:r="http://schemas.openxmlformats.org/officeDocument/2006/relationships" xmlns:ac="http://schemas.microsoft.com/office/drawing/2013/main/command" xmlns:pc="http://schemas.microsoft.com/office/powerpoint/2013/main/command">
+  <pc:docChgLst>
+    <pc:chgData name="bhawana agarwal" userId="e8351e6406acba59" providerId="LiveId" clId="{8476248A-8437-4E46-9CB6-1618CB93491F}"/>
+    <pc:docChg chg="undo custSel addSld delSld modSld sldOrd">
+      <pc:chgData name="bhawana agarwal" userId="e8351e6406acba59" providerId="LiveId" clId="{8476248A-8437-4E46-9CB6-1618CB93491F}" dt="2023-08-19T17:03:49.325" v="664" actId="5793"/>
+      <pc:docMkLst>
+        <pc:docMk/>
+      </pc:docMkLst>
+      <pc:sldChg chg="ord">
+        <pc:chgData name="bhawana agarwal" userId="e8351e6406acba59" providerId="LiveId" clId="{8476248A-8437-4E46-9CB6-1618CB93491F}" dt="2023-08-19T15:07:54.450" v="1"/>
+        <pc:sldMkLst>
+          <pc:docMk/>
+          <pc:sldMk cId="3820748635" sldId="260"/>
+        </pc:sldMkLst>
+      </pc:sldChg>
+      <pc:sldChg chg="del">
+        <pc:chgData name="bhawana agarwal" userId="e8351e6406acba59" providerId="LiveId" clId="{8476248A-8437-4E46-9CB6-1618CB93491F}" dt="2023-08-19T16:37:48.489" v="186" actId="47"/>
+        <pc:sldMkLst>
+          <pc:docMk/>
+          <pc:sldMk cId="298855068" sldId="263"/>
+        </pc:sldMkLst>
+      </pc:sldChg>
+      <pc:sldChg chg="addSp modSp new mod setBg">
+        <pc:chgData name="bhawana agarwal" userId="e8351e6406acba59" providerId="LiveId" clId="{8476248A-8437-4E46-9CB6-1618CB93491F}" dt="2023-08-19T16:43:07.045" v="229" actId="20577"/>
+        <pc:sldMkLst>
+          <pc:docMk/>
+          <pc:sldMk cId="228903375" sldId="271"/>
+        </pc:sldMkLst>
+        <pc:spChg chg="mod">
+          <ac:chgData name="bhawana agarwal" userId="e8351e6406acba59" providerId="LiveId" clId="{8476248A-8437-4E46-9CB6-1618CB93491F}" dt="2023-08-19T16:37:59.951" v="187" actId="26606"/>
+          <ac:spMkLst>
+            <pc:docMk/>
+            <pc:sldMk cId="228903375" sldId="271"/>
+            <ac:spMk id="2" creationId="{FF0B01F4-B259-70DA-5F7E-D2E7F7530F4D}"/>
+          </ac:spMkLst>
+        </pc:spChg>
+        <pc:spChg chg="mod">
+          <ac:chgData name="bhawana agarwal" userId="e8351e6406acba59" providerId="LiveId" clId="{8476248A-8437-4E46-9CB6-1618CB93491F}" dt="2023-08-19T16:43:07.045" v="229" actId="20577"/>
+          <ac:spMkLst>
+            <pc:docMk/>
+            <pc:sldMk cId="228903375" sldId="271"/>
+            <ac:spMk id="3" creationId="{A819B0BB-BF7C-BB81-24FF-5FFE214138D9}"/>
+          </ac:spMkLst>
+        </pc:spChg>
+        <pc:spChg chg="add">
+          <ac:chgData name="bhawana agarwal" userId="e8351e6406acba59" providerId="LiveId" clId="{8476248A-8437-4E46-9CB6-1618CB93491F}" dt="2023-08-19T16:37:59.951" v="187" actId="26606"/>
+          <ac:spMkLst>
+            <pc:docMk/>
+            <pc:sldMk cId="228903375" sldId="271"/>
+            <ac:spMk id="10" creationId="{7B831B6F-405A-4B47-B9BB-5CA88F285844}"/>
+          </ac:spMkLst>
+        </pc:spChg>
+        <pc:spChg chg="add">
+          <ac:chgData name="bhawana agarwal" userId="e8351e6406acba59" providerId="LiveId" clId="{8476248A-8437-4E46-9CB6-1618CB93491F}" dt="2023-08-19T16:37:59.951" v="187" actId="26606"/>
+          <ac:spMkLst>
+            <pc:docMk/>
+            <pc:sldMk cId="228903375" sldId="271"/>
+            <ac:spMk id="12" creationId="{15109354-9C5D-4F8C-B0E6-D1043C7BF20A}"/>
+          </ac:spMkLst>
+        </pc:spChg>
+        <pc:spChg chg="add">
+          <ac:chgData name="bhawana agarwal" userId="e8351e6406acba59" providerId="LiveId" clId="{8476248A-8437-4E46-9CB6-1618CB93491F}" dt="2023-08-19T16:37:59.951" v="187" actId="26606"/>
+          <ac:spMkLst>
+            <pc:docMk/>
+            <pc:sldMk cId="228903375" sldId="271"/>
+            <ac:spMk id="14" creationId="{49B530FE-A87D-41A0-A920-ADC6539EAA44}"/>
+          </ac:spMkLst>
+        </pc:spChg>
+        <pc:picChg chg="add">
+          <ac:chgData name="bhawana agarwal" userId="e8351e6406acba59" providerId="LiveId" clId="{8476248A-8437-4E46-9CB6-1618CB93491F}" dt="2023-08-19T16:37:59.951" v="187" actId="26606"/>
+          <ac:picMkLst>
+            <pc:docMk/>
+            <pc:sldMk cId="228903375" sldId="271"/>
+            <ac:picMk id="7" creationId="{A953FFC1-850D-6907-30AC-67A39C3BA9E0}"/>
+          </ac:picMkLst>
+        </pc:picChg>
+      </pc:sldChg>
+      <pc:sldChg chg="new del">
+        <pc:chgData name="bhawana agarwal" userId="e8351e6406acba59" providerId="LiveId" clId="{8476248A-8437-4E46-9CB6-1618CB93491F}" dt="2023-08-19T16:42:46.869" v="189" actId="47"/>
+        <pc:sldMkLst>
+          <pc:docMk/>
+          <pc:sldMk cId="617652613" sldId="272"/>
+        </pc:sldMkLst>
+      </pc:sldChg>
+      <pc:sldChg chg="addSp delSp modSp new mod setBg">
+        <pc:chgData name="bhawana agarwal" userId="e8351e6406acba59" providerId="LiveId" clId="{8476248A-8437-4E46-9CB6-1618CB93491F}" dt="2023-08-19T16:49:55.253" v="391" actId="26606"/>
+        <pc:sldMkLst>
+          <pc:docMk/>
+          <pc:sldMk cId="2577845360" sldId="272"/>
+        </pc:sldMkLst>
+        <pc:spChg chg="del">
+          <ac:chgData name="bhawana agarwal" userId="e8351e6406acba59" providerId="LiveId" clId="{8476248A-8437-4E46-9CB6-1618CB93491F}" dt="2023-08-19T16:47:29.135" v="271" actId="478"/>
+          <ac:spMkLst>
+            <pc:docMk/>
+            <pc:sldMk cId="2577845360" sldId="272"/>
+            <ac:spMk id="2" creationId="{1BEDB58C-BCED-7336-B3D4-AA1F46F2367B}"/>
+          </ac:spMkLst>
+        </pc:spChg>
+        <pc:spChg chg="mod">
+          <ac:chgData name="bhawana agarwal" userId="e8351e6406acba59" providerId="LiveId" clId="{8476248A-8437-4E46-9CB6-1618CB93491F}" dt="2023-08-19T16:49:55.253" v="391" actId="26606"/>
+          <ac:spMkLst>
+            <pc:docMk/>
+            <pc:sldMk cId="2577845360" sldId="272"/>
+            <ac:spMk id="3" creationId="{F1C98560-2160-C7AE-5B3E-E12B6522BCAA}"/>
+          </ac:spMkLst>
+        </pc:spChg>
+        <pc:spChg chg="add del">
+          <ac:chgData name="bhawana agarwal" userId="e8351e6406acba59" providerId="LiveId" clId="{8476248A-8437-4E46-9CB6-1618CB93491F}" dt="2023-08-19T16:49:53.386" v="388" actId="26606"/>
+          <ac:spMkLst>
+            <pc:docMk/>
+            <pc:sldMk cId="2577845360" sldId="272"/>
+            <ac:spMk id="8" creationId="{100EDD19-6802-4EC3-95CE-CFFAB042CFD6}"/>
+          </ac:spMkLst>
+        </pc:spChg>
+        <pc:spChg chg="add del">
+          <ac:chgData name="bhawana agarwal" userId="e8351e6406acba59" providerId="LiveId" clId="{8476248A-8437-4E46-9CB6-1618CB93491F}" dt="2023-08-19T16:49:55.245" v="390" actId="26606"/>
+          <ac:spMkLst>
+            <pc:docMk/>
+            <pc:sldMk cId="2577845360" sldId="272"/>
+            <ac:spMk id="9" creationId="{2C61293E-6EBE-43EF-A52C-9BEBFD7679D4}"/>
+          </ac:spMkLst>
+        </pc:spChg>
+        <pc:spChg chg="add del">
+          <ac:chgData name="bhawana agarwal" userId="e8351e6406acba59" providerId="LiveId" clId="{8476248A-8437-4E46-9CB6-1618CB93491F}" dt="2023-08-19T16:49:48.794" v="386" actId="26606"/>
+          <ac:spMkLst>
+            <pc:docMk/>
+            <pc:sldMk cId="2577845360" sldId="272"/>
+            <ac:spMk id="10" creationId="{7B831B6F-405A-4B47-B9BB-5CA88F285844}"/>
+          </ac:spMkLst>
+        </pc:spChg>
+        <pc:spChg chg="add del">
+          <ac:chgData name="bhawana agarwal" userId="e8351e6406acba59" providerId="LiveId" clId="{8476248A-8437-4E46-9CB6-1618CB93491F}" dt="2023-08-19T16:49:55.245" v="390" actId="26606"/>
+          <ac:spMkLst>
+            <pc:docMk/>
+            <pc:sldMk cId="2577845360" sldId="272"/>
+            <ac:spMk id="11" creationId="{21540236-BFD5-4A9D-8840-4703E7F76825}"/>
+          </ac:spMkLst>
+        </pc:spChg>
+        <pc:spChg chg="add del">
+          <ac:chgData name="bhawana agarwal" userId="e8351e6406acba59" providerId="LiveId" clId="{8476248A-8437-4E46-9CB6-1618CB93491F}" dt="2023-08-19T16:49:48.794" v="386" actId="26606"/>
+          <ac:spMkLst>
+            <pc:docMk/>
+            <pc:sldMk cId="2577845360" sldId="272"/>
+            <ac:spMk id="12" creationId="{953EE71A-6488-4203-A7C4-77102FD0DCCA}"/>
+          </ac:spMkLst>
+        </pc:spChg>
+        <pc:spChg chg="add">
+          <ac:chgData name="bhawana agarwal" userId="e8351e6406acba59" providerId="LiveId" clId="{8476248A-8437-4E46-9CB6-1618CB93491F}" dt="2023-08-19T16:49:55.253" v="391" actId="26606"/>
+          <ac:spMkLst>
+            <pc:docMk/>
+            <pc:sldMk cId="2577845360" sldId="272"/>
+            <ac:spMk id="13" creationId="{907EF6B7-1338-4443-8C46-6A318D952DFD}"/>
+          </ac:spMkLst>
+        </pc:spChg>
+        <pc:spChg chg="add del">
+          <ac:chgData name="bhawana agarwal" userId="e8351e6406acba59" providerId="LiveId" clId="{8476248A-8437-4E46-9CB6-1618CB93491F}" dt="2023-08-19T16:49:53.386" v="388" actId="26606"/>
+          <ac:spMkLst>
+            <pc:docMk/>
+            <pc:sldMk cId="2577845360" sldId="272"/>
+            <ac:spMk id="14" creationId="{DB17E863-922E-4C26-BD64-E8FD41D28661}"/>
+          </ac:spMkLst>
+        </pc:spChg>
+        <pc:spChg chg="add">
+          <ac:chgData name="bhawana agarwal" userId="e8351e6406acba59" providerId="LiveId" clId="{8476248A-8437-4E46-9CB6-1618CB93491F}" dt="2023-08-19T16:49:55.253" v="391" actId="26606"/>
+          <ac:spMkLst>
+            <pc:docMk/>
+            <pc:sldMk cId="2577845360" sldId="272"/>
+            <ac:spMk id="15" creationId="{DAAE4CDD-124C-4DCF-9584-B6033B545DD5}"/>
+          </ac:spMkLst>
+        </pc:spChg>
+        <pc:spChg chg="add">
+          <ac:chgData name="bhawana agarwal" userId="e8351e6406acba59" providerId="LiveId" clId="{8476248A-8437-4E46-9CB6-1618CB93491F}" dt="2023-08-19T16:49:55.253" v="391" actId="26606"/>
+          <ac:spMkLst>
+            <pc:docMk/>
+            <pc:sldMk cId="2577845360" sldId="272"/>
+            <ac:spMk id="16" creationId="{081E4A58-353D-44AE-B2FC-2A74E2E400F7}"/>
+          </ac:spMkLst>
+        </pc:spChg>
+        <pc:picChg chg="add del">
+          <ac:chgData name="bhawana agarwal" userId="e8351e6406acba59" providerId="LiveId" clId="{8476248A-8437-4E46-9CB6-1618CB93491F}" dt="2023-08-19T16:49:55.245" v="390" actId="26606"/>
+          <ac:picMkLst>
+            <pc:docMk/>
+            <pc:sldMk cId="2577845360" sldId="272"/>
+            <ac:picMk id="5" creationId="{47D2F690-C0CC-B3D4-C35B-6A7D9048A09B}"/>
+          </ac:picMkLst>
+        </pc:picChg>
+        <pc:picChg chg="add del">
+          <ac:chgData name="bhawana agarwal" userId="e8351e6406acba59" providerId="LiveId" clId="{8476248A-8437-4E46-9CB6-1618CB93491F}" dt="2023-08-19T16:49:48.794" v="386" actId="26606"/>
+          <ac:picMkLst>
+            <pc:docMk/>
+            <pc:sldMk cId="2577845360" sldId="272"/>
+            <ac:picMk id="7" creationId="{8A5C865B-FDB0-774B-67EA-091B351FF24A}"/>
+          </ac:picMkLst>
+        </pc:picChg>
+      </pc:sldChg>
+      <pc:sldChg chg="addSp delSp modSp new mod setBg">
+        <pc:chgData name="bhawana agarwal" userId="e8351e6406acba59" providerId="LiveId" clId="{8476248A-8437-4E46-9CB6-1618CB93491F}" dt="2023-08-19T17:03:49.325" v="664" actId="5793"/>
+        <pc:sldMkLst>
+          <pc:docMk/>
+          <pc:sldMk cId="897805237" sldId="273"/>
+        </pc:sldMkLst>
+        <pc:spChg chg="mod">
+          <ac:chgData name="bhawana agarwal" userId="e8351e6406acba59" providerId="LiveId" clId="{8476248A-8437-4E46-9CB6-1618CB93491F}" dt="2023-08-19T17:03:42.073" v="662" actId="26606"/>
+          <ac:spMkLst>
+            <pc:docMk/>
+            <pc:sldMk cId="897805237" sldId="273"/>
+            <ac:spMk id="2" creationId="{AD2F75DA-0745-02FC-27BD-DA0FB79558CE}"/>
+          </ac:spMkLst>
+        </pc:spChg>
+        <pc:spChg chg="mod">
+          <ac:chgData name="bhawana agarwal" userId="e8351e6406acba59" providerId="LiveId" clId="{8476248A-8437-4E46-9CB6-1618CB93491F}" dt="2023-08-19T17:03:46.575" v="663" actId="5793"/>
+          <ac:spMkLst>
+            <pc:docMk/>
+            <pc:sldMk cId="897805237" sldId="273"/>
+            <ac:spMk id="3" creationId="{CC8B0CAE-881C-2C1C-3B9E-0D36059B25B9}"/>
+          </ac:spMkLst>
+        </pc:spChg>
+        <pc:spChg chg="add del mod">
+          <ac:chgData name="bhawana agarwal" userId="e8351e6406acba59" providerId="LiveId" clId="{8476248A-8437-4E46-9CB6-1618CB93491F}" dt="2023-08-19T16:52:59.704" v="468" actId="478"/>
+          <ac:spMkLst>
+            <pc:docMk/>
+            <pc:sldMk cId="897805237" sldId="273"/>
+            <ac:spMk id="4" creationId="{4EED0D2A-D1A1-1FC3-4DC4-857A3F6015A0}"/>
+          </ac:spMkLst>
+        </pc:spChg>
+        <pc:spChg chg="add mod">
+          <ac:chgData name="bhawana agarwal" userId="e8351e6406acba59" providerId="LiveId" clId="{8476248A-8437-4E46-9CB6-1618CB93491F}" dt="2023-08-19T17:03:49.325" v="664" actId="5793"/>
+          <ac:spMkLst>
+            <pc:docMk/>
+            <pc:sldMk cId="897805237" sldId="273"/>
+            <ac:spMk id="5" creationId="{3F9834E3-768A-75BB-7011-B232CBEFC28F}"/>
+          </ac:spMkLst>
+        </pc:spChg>
+        <pc:spChg chg="add">
+          <ac:chgData name="bhawana agarwal" userId="e8351e6406acba59" providerId="LiveId" clId="{8476248A-8437-4E46-9CB6-1618CB93491F}" dt="2023-08-19T17:03:42.073" v="662" actId="26606"/>
+          <ac:spMkLst>
+            <pc:docMk/>
+            <pc:sldMk cId="897805237" sldId="273"/>
+            <ac:spMk id="10" creationId="{428D436F-9ACD-4C92-AFC8-C934C527A6A4}"/>
+          </ac:spMkLst>
+        </pc:spChg>
+        <pc:spChg chg="add">
+          <ac:chgData name="bhawana agarwal" userId="e8351e6406acba59" providerId="LiveId" clId="{8476248A-8437-4E46-9CB6-1618CB93491F}" dt="2023-08-19T17:03:42.073" v="662" actId="26606"/>
+          <ac:spMkLst>
+            <pc:docMk/>
+            <pc:sldMk cId="897805237" sldId="273"/>
+            <ac:spMk id="12" creationId="{090538E0-A884-4E60-A6AB-77D830E2FCED}"/>
+          </ac:spMkLst>
+        </pc:spChg>
+        <pc:spChg chg="add">
+          <ac:chgData name="bhawana agarwal" userId="e8351e6406acba59" providerId="LiveId" clId="{8476248A-8437-4E46-9CB6-1618CB93491F}" dt="2023-08-19T17:03:42.073" v="662" actId="26606"/>
+          <ac:spMkLst>
+            <pc:docMk/>
+            <pc:sldMk cId="897805237" sldId="273"/>
+            <ac:spMk id="14" creationId="{DB0D7DD0-1C67-4D4C-9E06-678233DB8468}"/>
+          </ac:spMkLst>
+        </pc:spChg>
+      </pc:sldChg>
+    </pc:docChg>
+  </pc:docChgLst>
+</pc:chgInfo>
+</file>
+
+<file path=ppt/notesMasters/notesMaster1.xml><?xml version="1.0" encoding="utf-8"?>
+<p:notesMaster xmlns:a="http://schemas.openxmlformats.org/drawingml/2006/main" xmlns:r="http://schemas.openxmlformats.org/officeDocument/2006/relationships" xmlns:p="http://schemas.openxmlformats.org/presentationml/2006/main">
+  <p:cSld>
+    <p:bg>
+      <p:bgRef idx="1001">
+        <a:schemeClr val="bg1"/>
+      </p:bgRef>
+    </p:bg>
+    <p:spTree>
+      <p:nvGrpSpPr>
+        <p:cNvPr id="1" name=""/>
+        <p:cNvGrpSpPr/>
+        <p:nvPr/>
+      </p:nvGrpSpPr>
+      <p:grpSpPr>
+        <a:xfrm>
+          <a:off x="0" y="0"/>
+          <a:ext cx="0" cy="0"/>
+          <a:chOff x="0" y="0"/>
+          <a:chExt cx="0" cy="0"/>
+        </a:xfrm>
+      </p:grpSpPr>
+      <p:sp>
+        <p:nvSpPr>
+          <p:cNvPr id="2" name="Header Placeholder 1"/>
+          <p:cNvSpPr>
+            <a:spLocks noGrp="1"/>
+          </p:cNvSpPr>
+          <p:nvPr>
+            <p:ph type="hdr" sz="quarter"/>
+          </p:nvPr>
+        </p:nvSpPr>
+        <p:spPr>
+          <a:xfrm>
+            <a:off x="0" y="0"/>
+            <a:ext cx="2971800" cy="458788"/>
+          </a:xfrm>
+          <a:prstGeom prst="rect">
+            <a:avLst/>
+          </a:prstGeom>
+        </p:spPr>
+        <p:txBody>
+          <a:bodyPr vert="horz" lIns="91440" tIns="45720" rIns="91440" bIns="45720" rtlCol="0"/>
+          <a:lstStyle>
+            <a:lvl1pPr algn="l">
+              <a:defRPr sz="1200"/>
+            </a:lvl1pPr>
+          </a:lstStyle>
+          <a:p>
+            <a:endParaRPr lang="en-US"/>
+          </a:p>
+        </p:txBody>
+      </p:sp>
+      <p:sp>
+        <p:nvSpPr>
+          <p:cNvPr id="3" name="Date Placeholder 2"/>
+          <p:cNvSpPr>
+            <a:spLocks noGrp="1"/>
+          </p:cNvSpPr>
+          <p:nvPr>
+            <p:ph type="dt" idx="1"/>
+          </p:nvPr>
+        </p:nvSpPr>
+        <p:spPr>
+          <a:xfrm>
+            <a:off x="3884613" y="0"/>
+            <a:ext cx="2971800" cy="458788"/>
+          </a:xfrm>
+          <a:prstGeom prst="rect">
+            <a:avLst/>
+          </a:prstGeom>
+        </p:spPr>
+        <p:txBody>
+          <a:bodyPr vert="horz" lIns="91440" tIns="45720" rIns="91440" bIns="45720" rtlCol="0"/>
+          <a:lstStyle>
+            <a:lvl1pPr algn="r">
+              <a:defRPr sz="1200"/>
+            </a:lvl1pPr>
+          </a:lstStyle>
+          <a:p>
+            <a:fld id="{20320AC4-ADEC-43C8-B821-513F6A8D70C0}" type="datetimeFigureOut">
+              <a:rPr lang="en-US" smtClean="0"/>
+              <a:t>8/19/2023</a:t>
+            </a:fld>
+            <a:endParaRPr lang="en-US"/>
+          </a:p>
+        </p:txBody>
+      </p:sp>
+      <p:sp>
+        <p:nvSpPr>
+          <p:cNvPr id="4" name="Slide Image Placeholder 3"/>
+          <p:cNvSpPr>
+            <a:spLocks noGrp="1" noRot="1" noChangeAspect="1"/>
+          </p:cNvSpPr>
+          <p:nvPr>
+            <p:ph type="sldImg" idx="2"/>
+          </p:nvPr>
+        </p:nvSpPr>
+        <p:spPr>
+          <a:xfrm>
+            <a:off x="685800" y="1143000"/>
+            <a:ext cx="5486400" cy="3086100"/>
+          </a:xfrm>
+          <a:prstGeom prst="rect">
+            <a:avLst/>
+          </a:prstGeom>
+          <a:noFill/>
+          <a:ln w="12700">
+            <a:solidFill>
+              <a:prstClr val="black"/>
+            </a:solidFill>
+          </a:ln>
+        </p:spPr>
+        <p:txBody>
+          <a:bodyPr vert="horz" lIns="91440" tIns="45720" rIns="91440" bIns="45720" rtlCol="0" anchor="ctr"/>
+          <a:lstStyle/>
+          <a:p>
+            <a:endParaRPr lang="en-US"/>
+          </a:p>
+        </p:txBody>
+      </p:sp>
+      <p:sp>
+        <p:nvSpPr>
+          <p:cNvPr id="5" name="Notes Placeholder 4"/>
+          <p:cNvSpPr>
+            <a:spLocks noGrp="1"/>
+          </p:cNvSpPr>
+          <p:nvPr>
+            <p:ph type="body" sz="quarter" idx="3"/>
+          </p:nvPr>
+        </p:nvSpPr>
+        <p:spPr>
+          <a:xfrm>
+            <a:off x="685800" y="4400550"/>
+            <a:ext cx="5486400" cy="3600450"/>
+          </a:xfrm>
+          <a:prstGeom prst="rect">
+            <a:avLst/>
+          </a:prstGeom>
+        </p:spPr>
+        <p:txBody>
+          <a:bodyPr vert="horz" lIns="91440" tIns="45720" rIns="91440" bIns="45720" rtlCol="0"/>
+          <a:lstStyle/>
+          <a:p>
+            <a:pPr lvl="0"/>
+            <a:r>
+              <a:rPr lang="en-US"/>
+              <a:t>Click to edit Master text styles</a:t>
+            </a:r>
+          </a:p>
+          <a:p>
+            <a:pPr lvl="1"/>
+            <a:r>
+              <a:rPr lang="en-US"/>
+              <a:t>Second level</a:t>
+            </a:r>
+          </a:p>
+          <a:p>
+            <a:pPr lvl="2"/>
+            <a:r>
+              <a:rPr lang="en-US"/>
+              <a:t>Third level</a:t>
+            </a:r>
+          </a:p>
+          <a:p>
+            <a:pPr lvl="3"/>
+            <a:r>
+              <a:rPr lang="en-US"/>
+              <a:t>Fourth level</a:t>
+            </a:r>
+          </a:p>
+          <a:p>
+            <a:pPr lvl="4"/>
+            <a:r>
+              <a:rPr lang="en-US"/>
+              <a:t>Fifth level</a:t>
+            </a:r>
+          </a:p>
+        </p:txBody>
+      </p:sp>
+      <p:sp>
+        <p:nvSpPr>
+          <p:cNvPr id="6" name="Footer Placeholder 5"/>
+          <p:cNvSpPr>
+            <a:spLocks noGrp="1"/>
+          </p:cNvSpPr>
+          <p:nvPr>
+            <p:ph type="ftr" sz="quarter" idx="4"/>
+          </p:nvPr>
+        </p:nvSpPr>
+        <p:spPr>
+          <a:xfrm>
+            <a:off x="0" y="8685213"/>
+            <a:ext cx="2971800" cy="458787"/>
+          </a:xfrm>
+          <a:prstGeom prst="rect">
+            <a:avLst/>
+          </a:prstGeom>
+        </p:spPr>
+        <p:txBody>
+          <a:bodyPr vert="horz" lIns="91440" tIns="45720" rIns="91440" bIns="45720" rtlCol="0" anchor="b"/>
+          <a:lstStyle>
+            <a:lvl1pPr algn="l">
+              <a:defRPr sz="1200"/>
+            </a:lvl1pPr>
+          </a:lstStyle>
+          <a:p>
+            <a:endParaRPr lang="en-US"/>
+          </a:p>
+        </p:txBody>
+      </p:sp>
+      <p:sp>
+        <p:nvSpPr>
+          <p:cNvPr id="7" name="Slide Number Placeholder 6"/>
+          <p:cNvSpPr>
+            <a:spLocks noGrp="1"/>
+          </p:cNvSpPr>
+          <p:nvPr>
+            <p:ph type="sldNum" sz="quarter" idx="5"/>
+          </p:nvPr>
+        </p:nvSpPr>
+        <p:spPr>
+          <a:xfrm>
+            <a:off x="3884613" y="8685213"/>
+            <a:ext cx="2971800" cy="458787"/>
+          </a:xfrm>
+          <a:prstGeom prst="rect">
+            <a:avLst/>
+          </a:prstGeom>
+        </p:spPr>
+        <p:txBody>
+          <a:bodyPr vert="horz" lIns="91440" tIns="45720" rIns="91440" bIns="45720" rtlCol="0" anchor="b"/>
+          <a:lstStyle>
+            <a:lvl1pPr algn="r">
+              <a:defRPr sz="1200"/>
+            </a:lvl1pPr>
+          </a:lstStyle>
+          <a:p>
+            <a:fld id="{24D4949A-AFA0-4E16-9D32-A823526061A8}" type="slidenum">
+              <a:rPr lang="en-US" smtClean="0"/>
+              <a:t>‹#›</a:t>
+            </a:fld>
+            <a:endParaRPr lang="en-US"/>
+          </a:p>
+        </p:txBody>
+      </p:sp>
+    </p:spTree>
+    <p:extLst>
+      <p:ext uri="{BB962C8B-B14F-4D97-AF65-F5344CB8AC3E}">
+        <p14:creationId xmlns:p14="http://schemas.microsoft.com/office/powerpoint/2010/main" val="3724211603"/>
+      </p:ext>
+    </p:extLst>
+  </p:cSld>
+  <p:clrMap bg1="lt1" tx1="dk1" bg2="lt2" tx2="dk2" accent1="accent1" accent2="accent2" accent3="accent3" accent4="accent4" accent5="accent5" accent6="accent6" hlink="hlink" folHlink="folHlink"/>
+  <p:notesStyle>
+    <a:lvl1pPr marL="0" algn="l" defTabSz="914400" rtl="0" eaLnBrk="1" latinLnBrk="0" hangingPunct="1">
+      <a:defRPr sz="1200" kern="1200">
+        <a:solidFill>
+          <a:schemeClr val="tx1"/>
+        </a:solidFill>
+        <a:latin typeface="+mn-lt"/>
+        <a:ea typeface="+mn-ea"/>
+        <a:cs typeface="+mn-cs"/>
+      </a:defRPr>
+    </a:lvl1pPr>
+    <a:lvl2pPr marL="457200" algn="l" defTabSz="914400" rtl="0" eaLnBrk="1" latinLnBrk="0" hangingPunct="1">
+      <a:defRPr sz="1200" kern="1200">
+        <a:solidFill>
+          <a:schemeClr val="tx1"/>
+        </a:solidFill>
+        <a:latin typeface="+mn-lt"/>
+        <a:ea typeface="+mn-ea"/>
+        <a:cs typeface="+mn-cs"/>
+      </a:defRPr>
+    </a:lvl2pPr>
+    <a:lvl3pPr marL="914400" algn="l" defTabSz="914400" rtl="0" eaLnBrk="1" latinLnBrk="0" hangingPunct="1">
+      <a:defRPr sz="1200" kern="1200">
+        <a:solidFill>
+          <a:schemeClr val="tx1"/>
+        </a:solidFill>
+        <a:latin typeface="+mn-lt"/>
+        <a:ea typeface="+mn-ea"/>
+        <a:cs typeface="+mn-cs"/>
+      </a:defRPr>
+    </a:lvl3pPr>
+    <a:lvl4pPr marL="1371600" algn="l" defTabSz="914400" rtl="0" eaLnBrk="1" latinLnBrk="0" hangingPunct="1">
+      <a:defRPr sz="1200" kern="1200">
+        <a:solidFill>
+          <a:schemeClr val="tx1"/>
+        </a:solidFill>
+        <a:latin typeface="+mn-lt"/>
+        <a:ea typeface="+mn-ea"/>
+        <a:cs typeface="+mn-cs"/>
+      </a:defRPr>
+    </a:lvl4pPr>
+    <a:lvl5pPr marL="1828800" algn="l" defTabSz="914400" rtl="0" eaLnBrk="1" latinLnBrk="0" hangingPunct="1">
+      <a:defRPr sz="1200" kern="1200">
+        <a:solidFill>
+          <a:schemeClr val="tx1"/>
+        </a:solidFill>
+        <a:latin typeface="+mn-lt"/>
+        <a:ea typeface="+mn-ea"/>
+        <a:cs typeface="+mn-cs"/>
+      </a:defRPr>
+    </a:lvl5pPr>
+    <a:lvl6pPr marL="2286000" algn="l" defTabSz="914400" rtl="0" eaLnBrk="1" latinLnBrk="0" hangingPunct="1">
+      <a:defRPr sz="1200" kern="1200">
+        <a:solidFill>
+          <a:schemeClr val="tx1"/>
+        </a:solidFill>
+        <a:latin typeface="+mn-lt"/>
+        <a:ea typeface="+mn-ea"/>
+        <a:cs typeface="+mn-cs"/>
+      </a:defRPr>
+    </a:lvl6pPr>
+    <a:lvl7pPr marL="2743200" algn="l" defTabSz="914400" rtl="0" eaLnBrk="1" latinLnBrk="0" hangingPunct="1">
+      <a:defRPr sz="1200" kern="1200">
+        <a:solidFill>
+          <a:schemeClr val="tx1"/>
+        </a:solidFill>
+        <a:latin typeface="+mn-lt"/>
+        <a:ea typeface="+mn-ea"/>
+        <a:cs typeface="+mn-cs"/>
+      </a:defRPr>
+    </a:lvl7pPr>
+    <a:lvl8pPr marL="3200400" algn="l" defTabSz="914400" rtl="0" eaLnBrk="1" latinLnBrk="0" hangingPunct="1">
+      <a:defRPr sz="1200" kern="1200">
+        <a:solidFill>
+          <a:schemeClr val="tx1"/>
+        </a:solidFill>
+        <a:latin typeface="+mn-lt"/>
+        <a:ea typeface="+mn-ea"/>
+        <a:cs typeface="+mn-cs"/>
+      </a:defRPr>
+    </a:lvl8pPr>
+    <a:lvl9pPr marL="3657600" algn="l" defTabSz="914400" rtl="0" eaLnBrk="1" latinLnBrk="0" hangingPunct="1">
+      <a:defRPr sz="1200" kern="1200">
+        <a:solidFill>
+          <a:schemeClr val="tx1"/>
+        </a:solidFill>
+        <a:latin typeface="+mn-lt"/>
+        <a:ea typeface="+mn-ea"/>
+        <a:cs typeface="+mn-cs"/>
+      </a:defRPr>
+    </a:lvl9pPr>
+  </p:notesStyle>
+</p:notesMaster>
 </file>
 
 <file path=ppt/slideLayouts/slideLayout1.xml><?xml version="1.0" encoding="utf-8"?>
@@ -266,7 +897,7 @@
           <a:p>
             <a:fld id="{5196AD6B-75A7-4486-9C42-98CF9B1B2C3E}" type="datetimeFigureOut">
               <a:rPr lang="en-US" smtClean="0"/>
-              <a:t>8/17/2023</a:t>
+              <a:t>8/19/2023</a:t>
             </a:fld>
             <a:endParaRPr lang="en-US"/>
           </a:p>
@@ -464,7 +1095,7 @@
           <a:p>
             <a:fld id="{5196AD6B-75A7-4486-9C42-98CF9B1B2C3E}" type="datetimeFigureOut">
               <a:rPr lang="en-US" smtClean="0"/>
-              <a:t>8/17/2023</a:t>
+              <a:t>8/19/2023</a:t>
             </a:fld>
             <a:endParaRPr lang="en-US"/>
           </a:p>
@@ -672,7 +1303,7 @@
           <a:p>
             <a:fld id="{5196AD6B-75A7-4486-9C42-98CF9B1B2C3E}" type="datetimeFigureOut">
               <a:rPr lang="en-US" smtClean="0"/>
-              <a:t>8/17/2023</a:t>
+              <a:t>8/19/2023</a:t>
             </a:fld>
             <a:endParaRPr lang="en-US"/>
           </a:p>
@@ -870,7 +1501,7 @@
           <a:p>
             <a:fld id="{5196AD6B-75A7-4486-9C42-98CF9B1B2C3E}" type="datetimeFigureOut">
               <a:rPr lang="en-US" smtClean="0"/>
-              <a:t>8/17/2023</a:t>
+              <a:t>8/19/2023</a:t>
             </a:fld>
             <a:endParaRPr lang="en-US"/>
           </a:p>
@@ -1145,7 +1776,7 @@
           <a:p>
             <a:fld id="{5196AD6B-75A7-4486-9C42-98CF9B1B2C3E}" type="datetimeFigureOut">
               <a:rPr lang="en-US" smtClean="0"/>
-              <a:t>8/17/2023</a:t>
+              <a:t>8/19/2023</a:t>
             </a:fld>
             <a:endParaRPr lang="en-US"/>
           </a:p>
@@ -1410,7 +2041,7 @@
           <a:p>
             <a:fld id="{5196AD6B-75A7-4486-9C42-98CF9B1B2C3E}" type="datetimeFigureOut">
               <a:rPr lang="en-US" smtClean="0"/>
-              <a:t>8/17/2023</a:t>
+              <a:t>8/19/2023</a:t>
             </a:fld>
             <a:endParaRPr lang="en-US"/>
           </a:p>
@@ -1822,7 +2453,7 @@
           <a:p>
             <a:fld id="{5196AD6B-75A7-4486-9C42-98CF9B1B2C3E}" type="datetimeFigureOut">
               <a:rPr lang="en-US" smtClean="0"/>
-              <a:t>8/17/2023</a:t>
+              <a:t>8/19/2023</a:t>
             </a:fld>
             <a:endParaRPr lang="en-US"/>
           </a:p>
@@ -1963,7 +2594,7 @@
           <a:p>
             <a:fld id="{5196AD6B-75A7-4486-9C42-98CF9B1B2C3E}" type="datetimeFigureOut">
               <a:rPr lang="en-US" smtClean="0"/>
-              <a:t>8/17/2023</a:t>
+              <a:t>8/19/2023</a:t>
             </a:fld>
             <a:endParaRPr lang="en-US"/>
           </a:p>
@@ -2076,7 +2707,7 @@
           <a:p>
             <a:fld id="{5196AD6B-75A7-4486-9C42-98CF9B1B2C3E}" type="datetimeFigureOut">
               <a:rPr lang="en-US" smtClean="0"/>
-              <a:t>8/17/2023</a:t>
+              <a:t>8/19/2023</a:t>
             </a:fld>
             <a:endParaRPr lang="en-US"/>
           </a:p>
@@ -2387,7 +3018,7 @@
           <a:p>
             <a:fld id="{5196AD6B-75A7-4486-9C42-98CF9B1B2C3E}" type="datetimeFigureOut">
               <a:rPr lang="en-US" smtClean="0"/>
-              <a:t>8/17/2023</a:t>
+              <a:t>8/19/2023</a:t>
             </a:fld>
             <a:endParaRPr lang="en-US"/>
           </a:p>
@@ -2675,7 +3306,7 @@
           <a:p>
             <a:fld id="{5196AD6B-75A7-4486-9C42-98CF9B1B2C3E}" type="datetimeFigureOut">
               <a:rPr lang="en-US" smtClean="0"/>
-              <a:t>8/17/2023</a:t>
+              <a:t>8/19/2023</a:t>
             </a:fld>
             <a:endParaRPr lang="en-US"/>
           </a:p>
@@ -2916,7 +3547,7 @@
           <a:p>
             <a:fld id="{5196AD6B-75A7-4486-9C42-98CF9B1B2C3E}" type="datetimeFigureOut">
               <a:rPr lang="en-US" smtClean="0"/>
-              <a:t>8/17/2023</a:t>
+              <a:t>8/19/2023</a:t>
             </a:fld>
             <a:endParaRPr lang="en-US"/>
           </a:p>
@@ -6617,6 +7248,959 @@
 <file path=ppt/slides/slide13.xml><?xml version="1.0" encoding="utf-8"?>
 <p:sld xmlns:a="http://schemas.openxmlformats.org/drawingml/2006/main" xmlns:r="http://schemas.openxmlformats.org/officeDocument/2006/relationships" xmlns:p="http://schemas.openxmlformats.org/presentationml/2006/main">
   <p:cSld>
+    <p:bg>
+      <p:bgPr>
+        <a:solidFill>
+          <a:schemeClr val="bg1"/>
+        </a:solidFill>
+        <a:effectLst/>
+      </p:bgPr>
+    </p:bg>
+    <p:spTree>
+      <p:nvGrpSpPr>
+        <p:cNvPr id="1" name=""/>
+        <p:cNvGrpSpPr/>
+        <p:nvPr/>
+      </p:nvGrpSpPr>
+      <p:grpSpPr>
+        <a:xfrm>
+          <a:off x="0" y="0"/>
+          <a:ext cx="0" cy="0"/>
+          <a:chOff x="0" y="0"/>
+          <a:chExt cx="0" cy="0"/>
+        </a:xfrm>
+      </p:grpSpPr>
+      <p:sp useBgFill="1">
+        <p:nvSpPr>
+          <p:cNvPr id="13" name="Rectangle 7">
+            <a:extLst>
+              <a:ext uri="{FF2B5EF4-FFF2-40B4-BE49-F238E27FC236}">
+                <a16:creationId xmlns:a16="http://schemas.microsoft.com/office/drawing/2014/main" id="{907EF6B7-1338-4443-8C46-6A318D952DFD}"/>
+              </a:ext>
+              <a:ext uri="{C183D7F6-B498-43B3-948B-1728B52AA6E4}">
+                <adec:decorative xmlns:adec="http://schemas.microsoft.com/office/drawing/2017/decorative" val="1"/>
+              </a:ext>
+            </a:extLst>
+          </p:cNvPr>
+          <p:cNvSpPr>
+            <a:spLocks noGrp="1" noRot="1" noChangeAspect="1" noMove="1" noResize="1" noEditPoints="1" noAdjustHandles="1" noChangeArrowheads="1" noChangeShapeType="1" noTextEdit="1"/>
+          </p:cNvSpPr>
+          <p:nvPr>
+            <p:extLst>
+              <p:ext uri="{386F3935-93C4-4BCD-93E2-E3B085C9AB24}">
+                <p16:designElem xmlns:p16="http://schemas.microsoft.com/office/powerpoint/2015/main" val="1"/>
+              </p:ext>
+            </p:extLst>
+          </p:nvPr>
+        </p:nvSpPr>
+        <p:spPr>
+          <a:xfrm>
+            <a:off x="3048" y="0"/>
+            <a:ext cx="12188952" cy="6858000"/>
+          </a:xfrm>
+          <a:prstGeom prst="rect">
+            <a:avLst/>
+          </a:prstGeom>
+          <a:ln>
+            <a:noFill/>
+          </a:ln>
+        </p:spPr>
+        <p:style>
+          <a:lnRef idx="2">
+            <a:schemeClr val="accent1">
+              <a:shade val="50000"/>
+            </a:schemeClr>
+          </a:lnRef>
+          <a:fillRef idx="1">
+            <a:schemeClr val="accent1"/>
+          </a:fillRef>
+          <a:effectRef idx="0">
+            <a:schemeClr val="accent1"/>
+          </a:effectRef>
+          <a:fontRef idx="minor">
+            <a:schemeClr val="lt1"/>
+          </a:fontRef>
+        </p:style>
+        <p:txBody>
+          <a:bodyPr rtlCol="0" anchor="ctr"/>
+          <a:lstStyle/>
+          <a:p>
+            <a:pPr algn="ctr"/>
+            <a:endParaRPr lang="en-US"/>
+          </a:p>
+        </p:txBody>
+      </p:sp>
+      <p:sp>
+        <p:nvSpPr>
+          <p:cNvPr id="15" name="Freeform: Shape 9">
+            <a:extLst>
+              <a:ext uri="{FF2B5EF4-FFF2-40B4-BE49-F238E27FC236}">
+                <a16:creationId xmlns:a16="http://schemas.microsoft.com/office/drawing/2014/main" id="{DAAE4CDD-124C-4DCF-9584-B6033B545DD5}"/>
+              </a:ext>
+              <a:ext uri="{C183D7F6-B498-43B3-948B-1728B52AA6E4}">
+                <adec:decorative xmlns:adec="http://schemas.microsoft.com/office/drawing/2017/decorative" val="1"/>
+              </a:ext>
+            </a:extLst>
+          </p:cNvPr>
+          <p:cNvSpPr>
+            <a:spLocks noGrp="1" noRot="1" noChangeAspect="1" noMove="1" noResize="1" noEditPoints="1" noAdjustHandles="1" noChangeArrowheads="1" noChangeShapeType="1" noTextEdit="1"/>
+          </p:cNvSpPr>
+          <p:nvPr>
+            <p:extLst>
+              <p:ext uri="{386F3935-93C4-4BCD-93E2-E3B085C9AB24}">
+                <p16:designElem xmlns:p16="http://schemas.microsoft.com/office/powerpoint/2015/main" val="1"/>
+              </p:ext>
+            </p:extLst>
+          </p:nvPr>
+        </p:nvSpPr>
+        <p:spPr>
+          <a:xfrm>
+            <a:off x="1" y="0"/>
+            <a:ext cx="4167271" cy="6858000"/>
+          </a:xfrm>
+          <a:custGeom>
+            <a:avLst/>
+            <a:gdLst>
+              <a:gd name="connsiteX0" fmla="*/ 0 w 4167271"/>
+              <a:gd name="connsiteY0" fmla="*/ 0 h 6858000"/>
+              <a:gd name="connsiteX1" fmla="*/ 2259550 w 4167271"/>
+              <a:gd name="connsiteY1" fmla="*/ 0 h 6858000"/>
+              <a:gd name="connsiteX2" fmla="*/ 2387803 w 4167271"/>
+              <a:gd name="connsiteY2" fmla="*/ 82222 h 6858000"/>
+              <a:gd name="connsiteX3" fmla="*/ 4167271 w 4167271"/>
+              <a:gd name="connsiteY3" fmla="*/ 3429000 h 6858000"/>
+              <a:gd name="connsiteX4" fmla="*/ 2387803 w 4167271"/>
+              <a:gd name="connsiteY4" fmla="*/ 6775779 h 6858000"/>
+              <a:gd name="connsiteX5" fmla="*/ 2259550 w 4167271"/>
+              <a:gd name="connsiteY5" fmla="*/ 6858000 h 6858000"/>
+              <a:gd name="connsiteX6" fmla="*/ 0 w 4167271"/>
+              <a:gd name="connsiteY6" fmla="*/ 6858000 h 6858000"/>
+            </a:gdLst>
+            <a:ahLst/>
+            <a:cxnLst>
+              <a:cxn ang="0">
+                <a:pos x="connsiteX0" y="connsiteY0"/>
+              </a:cxn>
+              <a:cxn ang="0">
+                <a:pos x="connsiteX1" y="connsiteY1"/>
+              </a:cxn>
+              <a:cxn ang="0">
+                <a:pos x="connsiteX2" y="connsiteY2"/>
+              </a:cxn>
+              <a:cxn ang="0">
+                <a:pos x="connsiteX3" y="connsiteY3"/>
+              </a:cxn>
+              <a:cxn ang="0">
+                <a:pos x="connsiteX4" y="connsiteY4"/>
+              </a:cxn>
+              <a:cxn ang="0">
+                <a:pos x="connsiteX5" y="connsiteY5"/>
+              </a:cxn>
+              <a:cxn ang="0">
+                <a:pos x="connsiteX6" y="connsiteY6"/>
+              </a:cxn>
+            </a:cxnLst>
+            <a:rect l="l" t="t" r="r" b="b"/>
+            <a:pathLst>
+              <a:path w="4167271" h="6858000">
+                <a:moveTo>
+                  <a:pt x="0" y="0"/>
+                </a:moveTo>
+                <a:lnTo>
+                  <a:pt x="2259550" y="0"/>
+                </a:lnTo>
+                <a:lnTo>
+                  <a:pt x="2387803" y="82222"/>
+                </a:lnTo>
+                <a:cubicBezTo>
+                  <a:pt x="3461407" y="807534"/>
+                  <a:pt x="4167271" y="2035835"/>
+                  <a:pt x="4167271" y="3429000"/>
+                </a:cubicBezTo>
+                <a:cubicBezTo>
+                  <a:pt x="4167271" y="4822165"/>
+                  <a:pt x="3461407" y="6050467"/>
+                  <a:pt x="2387803" y="6775779"/>
+                </a:cubicBezTo>
+                <a:lnTo>
+                  <a:pt x="2259550" y="6858000"/>
+                </a:lnTo>
+                <a:lnTo>
+                  <a:pt x="0" y="6858000"/>
+                </a:lnTo>
+                <a:close/>
+              </a:path>
+            </a:pathLst>
+          </a:custGeom>
+          <a:solidFill>
+            <a:schemeClr val="accent2"/>
+          </a:solidFill>
+          <a:ln>
+            <a:noFill/>
+          </a:ln>
+        </p:spPr>
+        <p:style>
+          <a:lnRef idx="2">
+            <a:schemeClr val="accent1">
+              <a:shade val="50000"/>
+            </a:schemeClr>
+          </a:lnRef>
+          <a:fillRef idx="1">
+            <a:schemeClr val="accent1"/>
+          </a:fillRef>
+          <a:effectRef idx="0">
+            <a:schemeClr val="accent1"/>
+          </a:effectRef>
+          <a:fontRef idx="minor">
+            <a:schemeClr val="lt1"/>
+          </a:fontRef>
+        </p:style>
+        <p:txBody>
+          <a:bodyPr rtlCol="0" anchor="ctr"/>
+          <a:lstStyle/>
+          <a:p>
+            <a:pPr algn="ctr"/>
+            <a:endParaRPr lang="en-US"/>
+          </a:p>
+        </p:txBody>
+      </p:sp>
+      <p:sp>
+        <p:nvSpPr>
+          <p:cNvPr id="16" name="Arc 11">
+            <a:extLst>
+              <a:ext uri="{FF2B5EF4-FFF2-40B4-BE49-F238E27FC236}">
+                <a16:creationId xmlns:a16="http://schemas.microsoft.com/office/drawing/2014/main" id="{081E4A58-353D-44AE-B2FC-2A74E2E400F7}"/>
+              </a:ext>
+              <a:ext uri="{C183D7F6-B498-43B3-948B-1728B52AA6E4}">
+                <adec:decorative xmlns:adec="http://schemas.microsoft.com/office/drawing/2017/decorative" val="1"/>
+              </a:ext>
+            </a:extLst>
+          </p:cNvPr>
+          <p:cNvSpPr>
+            <a:spLocks noGrp="1" noRot="1" noChangeAspect="1" noMove="1" noResize="1" noEditPoints="1" noAdjustHandles="1" noChangeArrowheads="1" noChangeShapeType="1" noTextEdit="1"/>
+          </p:cNvSpPr>
+          <p:nvPr>
+            <p:extLst>
+              <p:ext uri="{386F3935-93C4-4BCD-93E2-E3B085C9AB24}">
+                <p16:designElem xmlns:p16="http://schemas.microsoft.com/office/powerpoint/2015/main" val="1"/>
+              </p:ext>
+            </p:extLst>
+          </p:nvPr>
+        </p:nvSpPr>
+        <p:spPr>
+          <a:xfrm flipV="1">
+            <a:off x="7550402" y="2455479"/>
+            <a:ext cx="4083433" cy="4083433"/>
+          </a:xfrm>
+          <a:prstGeom prst="arc">
+            <a:avLst/>
+          </a:prstGeom>
+          <a:ln w="127000" cap="rnd">
+            <a:solidFill>
+              <a:schemeClr val="accent4"/>
+            </a:solidFill>
+            <a:prstDash val="dash"/>
+          </a:ln>
+        </p:spPr>
+        <p:style>
+          <a:lnRef idx="1">
+            <a:schemeClr val="accent1"/>
+          </a:lnRef>
+          <a:fillRef idx="0">
+            <a:schemeClr val="accent1"/>
+          </a:fillRef>
+          <a:effectRef idx="0">
+            <a:schemeClr val="accent1"/>
+          </a:effectRef>
+          <a:fontRef idx="minor">
+            <a:schemeClr val="tx1"/>
+          </a:fontRef>
+        </p:style>
+        <p:txBody>
+          <a:bodyPr rtlCol="0" anchor="ctr"/>
+          <a:lstStyle/>
+          <a:p>
+            <a:pPr algn="ctr"/>
+            <a:endParaRPr lang="en-US" dirty="0"/>
+          </a:p>
+        </p:txBody>
+      </p:sp>
+      <p:sp>
+        <p:nvSpPr>
+          <p:cNvPr id="3" name="Content Placeholder 2">
+            <a:extLst>
+              <a:ext uri="{FF2B5EF4-FFF2-40B4-BE49-F238E27FC236}">
+                <a16:creationId xmlns:a16="http://schemas.microsoft.com/office/drawing/2014/main" id="{F1C98560-2160-C7AE-5B3E-E12B6522BCAA}"/>
+              </a:ext>
+            </a:extLst>
+          </p:cNvPr>
+          <p:cNvSpPr>
+            <a:spLocks noGrp="1"/>
+          </p:cNvSpPr>
+          <p:nvPr>
+            <p:ph idx="1"/>
+          </p:nvPr>
+        </p:nvSpPr>
+        <p:spPr>
+          <a:xfrm>
+            <a:off x="4447308" y="591344"/>
+            <a:ext cx="6906491" cy="5585619"/>
+          </a:xfrm>
+        </p:spPr>
+        <p:txBody>
+          <a:bodyPr anchor="ctr">
+            <a:normAutofit/>
+          </a:bodyPr>
+          <a:lstStyle/>
+          <a:p>
+            <a:pPr marL="0" indent="0">
+              <a:buNone/>
+            </a:pPr>
+            <a:r>
+              <a:rPr lang="en-US" sz="1500" b="0" i="0">
+                <a:effectLst/>
+                <a:latin typeface="Söhne"/>
+              </a:rPr>
+              <a:t>The correction factor in Mead's correction is given by:</a:t>
+            </a:r>
+          </a:p>
+          <a:p>
+            <a:pPr marL="0" indent="0">
+              <a:buNone/>
+            </a:pPr>
+            <a:r>
+              <a:rPr lang="en-US" sz="1500" b="0" i="0">
+                <a:effectLst/>
+                <a:latin typeface="KaTeX_Main"/>
+              </a:rPr>
+              <a:t>Correction Factor = (</a:t>
+            </a:r>
+            <a:r>
+              <a:rPr lang="en-US" sz="1500" b="0" i="1">
+                <a:effectLst/>
+                <a:latin typeface="KaTeX_Math"/>
+              </a:rPr>
+              <a:t>n</a:t>
+            </a:r>
+            <a:r>
+              <a:rPr lang="en-US" sz="1500" b="0" i="0">
+                <a:effectLst/>
+                <a:latin typeface="KaTeX_Main"/>
+              </a:rPr>
+              <a:t>−1/6​) × Sample Kurtosis</a:t>
+            </a:r>
+            <a:endParaRPr lang="en-US" sz="1500" b="0" i="0">
+              <a:effectLst/>
+              <a:latin typeface="Söhne"/>
+            </a:endParaRPr>
+          </a:p>
+          <a:p>
+            <a:pPr marL="0" indent="0">
+              <a:buNone/>
+            </a:pPr>
+            <a:r>
+              <a:rPr lang="en-US" sz="1500" b="0" i="0">
+                <a:effectLst/>
+                <a:latin typeface="Söhne"/>
+              </a:rPr>
+              <a:t>Where:</a:t>
+            </a:r>
+          </a:p>
+          <a:p>
+            <a:pPr>
+              <a:buFont typeface="Arial" panose="020B0604020202020204" pitchFamily="34" charset="0"/>
+              <a:buChar char="•"/>
+            </a:pPr>
+            <a:r>
+              <a:rPr lang="en-US" sz="1500" b="0" i="1">
+                <a:effectLst/>
+                <a:latin typeface="KaTeX_Math"/>
+              </a:rPr>
+              <a:t>n</a:t>
+            </a:r>
+            <a:r>
+              <a:rPr lang="en-US" sz="1500" b="0" i="0">
+                <a:effectLst/>
+                <a:latin typeface="Söhne"/>
+              </a:rPr>
+              <a:t> is the sample size.</a:t>
+            </a:r>
+          </a:p>
+          <a:p>
+            <a:pPr>
+              <a:buFont typeface="Arial" panose="020B0604020202020204" pitchFamily="34" charset="0"/>
+              <a:buChar char="•"/>
+            </a:pPr>
+            <a:r>
+              <a:rPr lang="en-US" sz="1500" b="0" i="0">
+                <a:effectLst/>
+                <a:latin typeface="KaTeX_Main"/>
+              </a:rPr>
+              <a:t>Sample Kurtosis</a:t>
+            </a:r>
+            <a:r>
+              <a:rPr lang="en-US" sz="1500" b="0" i="0">
+                <a:effectLst/>
+                <a:latin typeface="Söhne"/>
+              </a:rPr>
+              <a:t> is the kurtosis calculated from the sample data.</a:t>
+            </a:r>
+          </a:p>
+          <a:p>
+            <a:pPr>
+              <a:buFont typeface="Arial" panose="020B0604020202020204" pitchFamily="34" charset="0"/>
+              <a:buChar char="•"/>
+            </a:pPr>
+            <a:endParaRPr lang="en-US" sz="1500">
+              <a:latin typeface="Söhne"/>
+            </a:endParaRPr>
+          </a:p>
+          <a:p>
+            <a:pPr marL="0" indent="0">
+              <a:buNone/>
+            </a:pPr>
+            <a:r>
+              <a:rPr lang="en-US" sz="1500" b="0" i="0">
+                <a:effectLst/>
+                <a:latin typeface="Söhne"/>
+              </a:rPr>
+              <a:t>The correction factor takes into account the kurtosis of the distribution and adjusts the sample variance accordingly. By considering the kurtosis, Mead's correction attempts to provide a more accurate estimate of the population variance, especially when the distribution deviates from normality.</a:t>
+            </a:r>
+          </a:p>
+          <a:p>
+            <a:pPr marL="0" indent="0">
+              <a:buNone/>
+            </a:pPr>
+            <a:r>
+              <a:rPr lang="en-US" sz="1500" b="0" i="0">
+                <a:effectLst/>
+                <a:latin typeface="Söhne"/>
+              </a:rPr>
+              <a:t>The formula for calculating the corrected sample variance using Mead's correction is:</a:t>
+            </a:r>
+          </a:p>
+          <a:p>
+            <a:pPr marL="0" indent="0">
+              <a:buNone/>
+            </a:pPr>
+            <a:r>
+              <a:rPr lang="en-US" sz="1500" b="0" i="0">
+                <a:effectLst/>
+                <a:latin typeface="KaTeX_Main"/>
+              </a:rPr>
+              <a:t>Corrected Sample Variance=</a:t>
+            </a:r>
+            <a:r>
+              <a:rPr lang="en-US" sz="1500" b="0" i="1">
+                <a:effectLst/>
+                <a:latin typeface="KaTeX_Math"/>
+              </a:rPr>
+              <a:t> (</a:t>
+            </a:r>
+            <a:r>
+              <a:rPr lang="en-US" sz="1500" b="0" i="0">
+                <a:effectLst/>
+                <a:latin typeface="KaTeX_Main"/>
+              </a:rPr>
+              <a:t>(</a:t>
+            </a:r>
+            <a:r>
+              <a:rPr lang="en-US" sz="1500" b="0" i="1">
+                <a:effectLst/>
+                <a:latin typeface="KaTeX_Math"/>
+              </a:rPr>
+              <a:t>n</a:t>
+            </a:r>
+            <a:r>
+              <a:rPr lang="en-US" sz="1500" b="0" i="0">
+                <a:effectLst/>
+                <a:latin typeface="KaTeX_Main"/>
+              </a:rPr>
+              <a:t>−1)(</a:t>
+            </a:r>
+            <a:r>
+              <a:rPr lang="en-US" sz="1500" b="0" i="1">
+                <a:effectLst/>
+                <a:latin typeface="KaTeX_Math"/>
+              </a:rPr>
+              <a:t>n</a:t>
+            </a:r>
+            <a:r>
+              <a:rPr lang="en-US" sz="1500" b="0" i="0">
+                <a:effectLst/>
+                <a:latin typeface="KaTeX_Main"/>
+              </a:rPr>
+              <a:t>−2)​/ </a:t>
+            </a:r>
+            <a:r>
+              <a:rPr lang="en-US" sz="1500" b="0" i="1">
+                <a:effectLst/>
+                <a:latin typeface="KaTeX_Math"/>
+              </a:rPr>
+              <a:t>n</a:t>
+            </a:r>
+            <a:r>
+              <a:rPr lang="en-US" sz="1500" b="0" i="0">
+                <a:effectLst/>
+                <a:latin typeface="KaTeX_Main"/>
+              </a:rPr>
+              <a:t>(</a:t>
+            </a:r>
+            <a:r>
+              <a:rPr lang="en-US" sz="1500" b="0" i="1">
+                <a:effectLst/>
+                <a:latin typeface="KaTeX_Math"/>
+              </a:rPr>
+              <a:t>n</a:t>
+            </a:r>
+            <a:r>
+              <a:rPr lang="en-US" sz="1500" b="0" i="0">
+                <a:effectLst/>
+                <a:latin typeface="KaTeX_Main"/>
+              </a:rPr>
+              <a:t>−3) ) × Sample Variance − Correction Factor</a:t>
+            </a:r>
+            <a:endParaRPr lang="en-US" sz="1500" b="0" i="0">
+              <a:effectLst/>
+              <a:latin typeface="Söhne"/>
+            </a:endParaRPr>
+          </a:p>
+          <a:p>
+            <a:pPr marL="0" indent="0">
+              <a:buNone/>
+            </a:pPr>
+            <a:r>
+              <a:rPr lang="en-US" sz="1500" b="0" i="0">
+                <a:effectLst/>
+                <a:latin typeface="Söhne"/>
+              </a:rPr>
+              <a:t>Where:</a:t>
+            </a:r>
+          </a:p>
+          <a:p>
+            <a:pPr>
+              <a:buFont typeface="Arial" panose="020B0604020202020204" pitchFamily="34" charset="0"/>
+              <a:buChar char="•"/>
+            </a:pPr>
+            <a:r>
+              <a:rPr lang="en-US" sz="1500" b="0" i="0">
+                <a:effectLst/>
+                <a:latin typeface="KaTeX_Main"/>
+              </a:rPr>
+              <a:t>Sample Variance</a:t>
+            </a:r>
+            <a:r>
+              <a:rPr lang="en-US" sz="1500" b="0" i="0">
+                <a:effectLst/>
+                <a:latin typeface="Söhne"/>
+              </a:rPr>
+              <a:t> is the regular sample variance calculated from the data.</a:t>
+            </a:r>
+          </a:p>
+          <a:p>
+            <a:pPr>
+              <a:buFont typeface="Arial" panose="020B0604020202020204" pitchFamily="34" charset="0"/>
+              <a:buChar char="•"/>
+            </a:pPr>
+            <a:endParaRPr lang="en-US" sz="1500" b="0" i="0">
+              <a:effectLst/>
+              <a:latin typeface="Söhne"/>
+            </a:endParaRPr>
+          </a:p>
+        </p:txBody>
+      </p:sp>
+    </p:spTree>
+    <p:extLst>
+      <p:ext uri="{BB962C8B-B14F-4D97-AF65-F5344CB8AC3E}">
+        <p14:creationId xmlns:p14="http://schemas.microsoft.com/office/powerpoint/2010/main" val="2577845360"/>
+      </p:ext>
+    </p:extLst>
+  </p:cSld>
+  <p:clrMapOvr>
+    <a:masterClrMapping/>
+  </p:clrMapOvr>
+</p:sld>
+</file>
+
+<file path=ppt/slides/slide14.xml><?xml version="1.0" encoding="utf-8"?>
+<p:sld xmlns:a="http://schemas.openxmlformats.org/drawingml/2006/main" xmlns:r="http://schemas.openxmlformats.org/officeDocument/2006/relationships" xmlns:p="http://schemas.openxmlformats.org/presentationml/2006/main">
+  <p:cSld>
+    <p:bg>
+      <p:bgPr>
+        <a:solidFill>
+          <a:schemeClr val="bg1"/>
+        </a:solidFill>
+        <a:effectLst/>
+      </p:bgPr>
+    </p:bg>
+    <p:spTree>
+      <p:nvGrpSpPr>
+        <p:cNvPr id="1" name=""/>
+        <p:cNvGrpSpPr/>
+        <p:nvPr/>
+      </p:nvGrpSpPr>
+      <p:grpSpPr>
+        <a:xfrm>
+          <a:off x="0" y="0"/>
+          <a:ext cx="0" cy="0"/>
+          <a:chOff x="0" y="0"/>
+          <a:chExt cx="0" cy="0"/>
+        </a:xfrm>
+      </p:grpSpPr>
+      <p:sp>
+        <p:nvSpPr>
+          <p:cNvPr id="10" name="Rectangle 9">
+            <a:extLst>
+              <a:ext uri="{FF2B5EF4-FFF2-40B4-BE49-F238E27FC236}">
+                <a16:creationId xmlns:a16="http://schemas.microsoft.com/office/drawing/2014/main" id="{428D436F-9ACD-4C92-AFC8-C934C527A6A4}"/>
+              </a:ext>
+              <a:ext uri="{C183D7F6-B498-43B3-948B-1728B52AA6E4}">
+                <adec:decorative xmlns:adec="http://schemas.microsoft.com/office/drawing/2017/decorative" val="1"/>
+              </a:ext>
+            </a:extLst>
+          </p:cNvPr>
+          <p:cNvSpPr>
+            <a:spLocks noGrp="1" noRot="1" noChangeAspect="1" noMove="1" noResize="1" noEditPoints="1" noAdjustHandles="1" noChangeArrowheads="1" noChangeShapeType="1" noTextEdit="1"/>
+          </p:cNvSpPr>
+          <p:nvPr>
+            <p:extLst>
+              <p:ext uri="{386F3935-93C4-4BCD-93E2-E3B085C9AB24}">
+                <p16:designElem xmlns:p16="http://schemas.microsoft.com/office/powerpoint/2015/main" val="1"/>
+              </p:ext>
+            </p:extLst>
+          </p:nvPr>
+        </p:nvSpPr>
+        <p:spPr>
+          <a:xfrm>
+            <a:off x="6096000" y="0"/>
+            <a:ext cx="6096000" cy="6858000"/>
+          </a:xfrm>
+          <a:prstGeom prst="rect">
+            <a:avLst/>
+          </a:prstGeom>
+          <a:solidFill>
+            <a:schemeClr val="tx1">
+              <a:alpha val="8000"/>
+            </a:schemeClr>
+          </a:solidFill>
+          <a:ln>
+            <a:noFill/>
+          </a:ln>
+        </p:spPr>
+        <p:style>
+          <a:lnRef idx="2">
+            <a:schemeClr val="accent1">
+              <a:shade val="50000"/>
+            </a:schemeClr>
+          </a:lnRef>
+          <a:fillRef idx="1">
+            <a:schemeClr val="accent1"/>
+          </a:fillRef>
+          <a:effectRef idx="0">
+            <a:schemeClr val="accent1"/>
+          </a:effectRef>
+          <a:fontRef idx="minor">
+            <a:schemeClr val="lt1"/>
+          </a:fontRef>
+        </p:style>
+        <p:txBody>
+          <a:bodyPr rtlCol="0" anchor="ctr"/>
+          <a:lstStyle/>
+          <a:p>
+            <a:pPr algn="ctr"/>
+            <a:endParaRPr lang="en-US"/>
+          </a:p>
+        </p:txBody>
+      </p:sp>
+      <p:sp>
+        <p:nvSpPr>
+          <p:cNvPr id="12" name="Rectangle 11">
+            <a:extLst>
+              <a:ext uri="{FF2B5EF4-FFF2-40B4-BE49-F238E27FC236}">
+                <a16:creationId xmlns:a16="http://schemas.microsoft.com/office/drawing/2014/main" id="{090538E0-A884-4E60-A6AB-77D830E2FCED}"/>
+              </a:ext>
+              <a:ext uri="{C183D7F6-B498-43B3-948B-1728B52AA6E4}">
+                <adec:decorative xmlns:adec="http://schemas.microsoft.com/office/drawing/2017/decorative" val="1"/>
+              </a:ext>
+            </a:extLst>
+          </p:cNvPr>
+          <p:cNvSpPr>
+            <a:spLocks noGrp="1" noRot="1" noChangeAspect="1" noMove="1" noResize="1" noEditPoints="1" noAdjustHandles="1" noChangeArrowheads="1" noChangeShapeType="1" noTextEdit="1"/>
+          </p:cNvSpPr>
+          <p:nvPr>
+            <p:extLst>
+              <p:ext uri="{386F3935-93C4-4BCD-93E2-E3B085C9AB24}">
+                <p16:designElem xmlns:p16="http://schemas.microsoft.com/office/powerpoint/2015/main" val="1"/>
+              </p:ext>
+            </p:extLst>
+          </p:nvPr>
+        </p:nvSpPr>
+        <p:spPr>
+          <a:xfrm>
+            <a:off x="1453478" y="0"/>
+            <a:ext cx="4657389" cy="6858000"/>
+          </a:xfrm>
+          <a:prstGeom prst="rect">
+            <a:avLst/>
+          </a:prstGeom>
+          <a:solidFill>
+            <a:schemeClr val="accent2"/>
+          </a:solidFill>
+          <a:ln>
+            <a:noFill/>
+          </a:ln>
+        </p:spPr>
+        <p:style>
+          <a:lnRef idx="2">
+            <a:schemeClr val="accent1">
+              <a:shade val="50000"/>
+            </a:schemeClr>
+          </a:lnRef>
+          <a:fillRef idx="1">
+            <a:schemeClr val="accent1"/>
+          </a:fillRef>
+          <a:effectRef idx="0">
+            <a:schemeClr val="accent1"/>
+          </a:effectRef>
+          <a:fontRef idx="minor">
+            <a:schemeClr val="lt1"/>
+          </a:fontRef>
+        </p:style>
+        <p:txBody>
+          <a:bodyPr rtlCol="0" anchor="ctr"/>
+          <a:lstStyle/>
+          <a:p>
+            <a:pPr algn="ctr"/>
+            <a:endParaRPr lang="en-US"/>
+          </a:p>
+        </p:txBody>
+      </p:sp>
+      <p:sp>
+        <p:nvSpPr>
+          <p:cNvPr id="2" name="Title 1">
+            <a:extLst>
+              <a:ext uri="{FF2B5EF4-FFF2-40B4-BE49-F238E27FC236}">
+                <a16:creationId xmlns:a16="http://schemas.microsoft.com/office/drawing/2014/main" id="{AD2F75DA-0745-02FC-27BD-DA0FB79558CE}"/>
+              </a:ext>
+            </a:extLst>
+          </p:cNvPr>
+          <p:cNvSpPr>
+            <a:spLocks noGrp="1"/>
+          </p:cNvSpPr>
+          <p:nvPr>
+            <p:ph type="title"/>
+          </p:nvPr>
+        </p:nvSpPr>
+        <p:spPr>
+          <a:xfrm>
+            <a:off x="1901162" y="3050434"/>
+            <a:ext cx="3722933" cy="757130"/>
+          </a:xfrm>
+          <a:ln w="25400" cap="sq">
+            <a:solidFill>
+              <a:srgbClr val="FFFFFF"/>
+            </a:solidFill>
+            <a:miter lim="800000"/>
+          </a:ln>
+        </p:spPr>
+        <p:txBody>
+          <a:bodyPr vert="horz" wrap="square" lIns="91440" tIns="45720" rIns="91440" bIns="45720" rtlCol="0" anchor="ctr">
+            <a:normAutofit/>
+          </a:bodyPr>
+          <a:lstStyle/>
+          <a:p>
+            <a:pPr algn="ctr"/>
+            <a:r>
+              <a:rPr lang="en-US" sz="2400" b="1" kern="1200">
+                <a:ln w="0"/>
+                <a:solidFill>
+                  <a:srgbClr val="FFFFFF"/>
+                </a:solidFill>
+                <a:effectLst>
+                  <a:outerShdw blurRad="38100" dist="25400" dir="5400000" algn="ctr" rotWithShape="0">
+                    <a:srgbClr val="6E747A">
+                      <a:alpha val="43000"/>
+                    </a:srgbClr>
+                  </a:outerShdw>
+                </a:effectLst>
+                <a:latin typeface="+mj-lt"/>
+                <a:ea typeface="+mj-ea"/>
+                <a:cs typeface="+mj-cs"/>
+              </a:rPr>
+              <a:t>Simulation using Power Analysis</a:t>
+            </a:r>
+          </a:p>
+        </p:txBody>
+      </p:sp>
+      <p:sp>
+        <p:nvSpPr>
+          <p:cNvPr id="14" name="Rectangle 13">
+            <a:extLst>
+              <a:ext uri="{FF2B5EF4-FFF2-40B4-BE49-F238E27FC236}">
+                <a16:creationId xmlns:a16="http://schemas.microsoft.com/office/drawing/2014/main" id="{DB0D7DD0-1C67-4D4C-9E06-678233DB8468}"/>
+              </a:ext>
+              <a:ext uri="{C183D7F6-B498-43B3-948B-1728B52AA6E4}">
+                <adec:decorative xmlns:adec="http://schemas.microsoft.com/office/drawing/2017/decorative" val="1"/>
+              </a:ext>
+            </a:extLst>
+          </p:cNvPr>
+          <p:cNvSpPr>
+            <a:spLocks noGrp="1" noRot="1" noChangeAspect="1" noMove="1" noResize="1" noEditPoints="1" noAdjustHandles="1" noChangeArrowheads="1" noChangeShapeType="1" noTextEdit="1"/>
+          </p:cNvSpPr>
+          <p:nvPr>
+            <p:extLst>
+              <p:ext uri="{386F3935-93C4-4BCD-93E2-E3B085C9AB24}">
+                <p16:designElem xmlns:p16="http://schemas.microsoft.com/office/powerpoint/2015/main" val="1"/>
+              </p:ext>
+            </p:extLst>
+          </p:nvPr>
+        </p:nvSpPr>
+        <p:spPr>
+          <a:xfrm>
+            <a:off x="0" y="0"/>
+            <a:ext cx="1453478" cy="6858000"/>
+          </a:xfrm>
+          <a:prstGeom prst="rect">
+            <a:avLst/>
+          </a:prstGeom>
+          <a:solidFill>
+            <a:srgbClr val="404040">
+              <a:alpha val="80000"/>
+            </a:srgbClr>
+          </a:solidFill>
+          <a:ln>
+            <a:noFill/>
+          </a:ln>
+        </p:spPr>
+        <p:style>
+          <a:lnRef idx="2">
+            <a:schemeClr val="accent1">
+              <a:shade val="50000"/>
+            </a:schemeClr>
+          </a:lnRef>
+          <a:fillRef idx="1">
+            <a:schemeClr val="accent1"/>
+          </a:fillRef>
+          <a:effectRef idx="0">
+            <a:schemeClr val="accent1"/>
+          </a:effectRef>
+          <a:fontRef idx="minor">
+            <a:schemeClr val="lt1"/>
+          </a:fontRef>
+        </p:style>
+        <p:txBody>
+          <a:bodyPr rtlCol="0" anchor="ctr"/>
+          <a:lstStyle/>
+          <a:p>
+            <a:pPr algn="ctr"/>
+            <a:endParaRPr lang="en-US"/>
+          </a:p>
+        </p:txBody>
+      </p:sp>
+      <p:sp>
+        <p:nvSpPr>
+          <p:cNvPr id="3" name="Content Placeholder 2">
+            <a:extLst>
+              <a:ext uri="{FF2B5EF4-FFF2-40B4-BE49-F238E27FC236}">
+                <a16:creationId xmlns:a16="http://schemas.microsoft.com/office/drawing/2014/main" id="{CC8B0CAE-881C-2C1C-3B9E-0D36059B25B9}"/>
+              </a:ext>
+            </a:extLst>
+          </p:cNvPr>
+          <p:cNvSpPr>
+            <a:spLocks noGrp="1"/>
+          </p:cNvSpPr>
+          <p:nvPr>
+            <p:ph idx="1"/>
+          </p:nvPr>
+        </p:nvSpPr>
+        <p:spPr>
+          <a:xfrm>
+            <a:off x="6574536" y="640080"/>
+            <a:ext cx="5053066" cy="2546604"/>
+          </a:xfrm>
+        </p:spPr>
+        <p:txBody>
+          <a:bodyPr vert="horz" lIns="91440" tIns="45720" rIns="91440" bIns="45720" rtlCol="0">
+            <a:normAutofit/>
+          </a:bodyPr>
+          <a:lstStyle/>
+          <a:p>
+            <a:pPr marL="0" indent="0">
+              <a:buNone/>
+            </a:pPr>
+            <a:r>
+              <a:rPr lang="en-US" sz="2000" b="0" i="0" dirty="0">
+                <a:effectLst/>
+              </a:rPr>
+              <a:t>If analytical solutions are complex, simulations can help us estimate the required sample size by generating data and analyzing it repeatedly</a:t>
+            </a:r>
+            <a:endParaRPr lang="en-US" sz="2000" dirty="0"/>
+          </a:p>
+        </p:txBody>
+      </p:sp>
+      <p:sp>
+        <p:nvSpPr>
+          <p:cNvPr id="5" name="TextBox 4">
+            <a:extLst>
+              <a:ext uri="{FF2B5EF4-FFF2-40B4-BE49-F238E27FC236}">
+                <a16:creationId xmlns:a16="http://schemas.microsoft.com/office/drawing/2014/main" id="{3F9834E3-768A-75BB-7011-B232CBEFC28F}"/>
+              </a:ext>
+            </a:extLst>
+          </p:cNvPr>
+          <p:cNvSpPr txBox="1"/>
+          <p:nvPr/>
+        </p:nvSpPr>
+        <p:spPr>
+          <a:xfrm>
+            <a:off x="6570204" y="3671315"/>
+            <a:ext cx="5057398" cy="2546605"/>
+          </a:xfrm>
+          <a:prstGeom prst="rect">
+            <a:avLst/>
+          </a:prstGeom>
+        </p:spPr>
+        <p:txBody>
+          <a:bodyPr vert="horz" lIns="91440" tIns="45720" rIns="91440" bIns="45720" rtlCol="0">
+            <a:normAutofit/>
+          </a:bodyPr>
+          <a:lstStyle/>
+          <a:p>
+            <a:pPr>
+              <a:lnSpc>
+                <a:spcPct val="90000"/>
+              </a:lnSpc>
+              <a:spcAft>
+                <a:spcPts val="600"/>
+              </a:spcAft>
+            </a:pPr>
+            <a:r>
+              <a:rPr lang="en-US" sz="2000" b="1" dirty="0"/>
+              <a:t>Scenario: </a:t>
+            </a:r>
+            <a:r>
+              <a:rPr lang="en-US" sz="2000" dirty="0"/>
+              <a:t>Suppose you want to conduct an experiment comparing two diets (Diet A and Diet B) to improve the overall weight loss journey of the people.</a:t>
+            </a:r>
+            <a:endParaRPr lang="en-US" sz="2000" b="1" dirty="0"/>
+          </a:p>
+        </p:txBody>
+      </p:sp>
+    </p:spTree>
+    <p:extLst>
+      <p:ext uri="{BB962C8B-B14F-4D97-AF65-F5344CB8AC3E}">
+        <p14:creationId xmlns:p14="http://schemas.microsoft.com/office/powerpoint/2010/main" val="897805237"/>
+      </p:ext>
+    </p:extLst>
+  </p:cSld>
+  <p:clrMapOvr>
+    <a:masterClrMapping/>
+  </p:clrMapOvr>
+</p:sld>
+</file>
+
+<file path=ppt/slides/slide15.xml><?xml version="1.0" encoding="utf-8"?>
+<p:sld xmlns:a="http://schemas.openxmlformats.org/drawingml/2006/main" xmlns:r="http://schemas.openxmlformats.org/officeDocument/2006/relationships" xmlns:p="http://schemas.openxmlformats.org/presentationml/2006/main">
+  <p:cSld>
     <p:spTree>
       <p:nvGrpSpPr>
         <p:cNvPr id="1" name=""/>
@@ -6878,6 +8462,460 @@
 </file>
 
 <file path=ppt/slides/slide2.xml><?xml version="1.0" encoding="utf-8"?>
+<p:sld xmlns:a="http://schemas.openxmlformats.org/drawingml/2006/main" xmlns:r="http://schemas.openxmlformats.org/officeDocument/2006/relationships" xmlns:p="http://schemas.openxmlformats.org/presentationml/2006/main">
+  <p:cSld>
+    <p:bg>
+      <p:bgPr>
+        <a:solidFill>
+          <a:schemeClr val="bg1"/>
+        </a:solidFill>
+        <a:effectLst/>
+      </p:bgPr>
+    </p:bg>
+    <p:spTree>
+      <p:nvGrpSpPr>
+        <p:cNvPr id="1" name=""/>
+        <p:cNvGrpSpPr/>
+        <p:nvPr/>
+      </p:nvGrpSpPr>
+      <p:grpSpPr>
+        <a:xfrm>
+          <a:off x="0" y="0"/>
+          <a:ext cx="0" cy="0"/>
+          <a:chOff x="0" y="0"/>
+          <a:chExt cx="0" cy="0"/>
+        </a:xfrm>
+      </p:grpSpPr>
+      <p:sp useBgFill="1">
+        <p:nvSpPr>
+          <p:cNvPr id="17" name="Rectangle 16">
+            <a:extLst>
+              <a:ext uri="{FF2B5EF4-FFF2-40B4-BE49-F238E27FC236}">
+                <a16:creationId xmlns:a16="http://schemas.microsoft.com/office/drawing/2014/main" id="{665DBBEF-238B-476B-96AB-8AAC3224ECEA}"/>
+              </a:ext>
+              <a:ext uri="{C183D7F6-B498-43B3-948B-1728B52AA6E4}">
+                <adec:decorative xmlns:adec="http://schemas.microsoft.com/office/drawing/2017/decorative" val="1"/>
+              </a:ext>
+            </a:extLst>
+          </p:cNvPr>
+          <p:cNvSpPr>
+            <a:spLocks noGrp="1" noRot="1" noChangeAspect="1" noMove="1" noResize="1" noEditPoints="1" noAdjustHandles="1" noChangeArrowheads="1" noChangeShapeType="1" noTextEdit="1"/>
+          </p:cNvSpPr>
+          <p:nvPr>
+            <p:extLst>
+              <p:ext uri="{386F3935-93C4-4BCD-93E2-E3B085C9AB24}">
+                <p16:designElem xmlns:p16="http://schemas.microsoft.com/office/powerpoint/2015/main" val="1"/>
+              </p:ext>
+            </p:extLst>
+          </p:nvPr>
+        </p:nvSpPr>
+        <p:spPr>
+          <a:xfrm>
+            <a:off x="0" y="0"/>
+            <a:ext cx="12192000" cy="6858000"/>
+          </a:xfrm>
+          <a:prstGeom prst="rect">
+            <a:avLst/>
+          </a:prstGeom>
+          <a:ln>
+            <a:noFill/>
+          </a:ln>
+        </p:spPr>
+        <p:style>
+          <a:lnRef idx="2">
+            <a:schemeClr val="accent1">
+              <a:shade val="50000"/>
+            </a:schemeClr>
+          </a:lnRef>
+          <a:fillRef idx="1">
+            <a:schemeClr val="accent1"/>
+          </a:fillRef>
+          <a:effectRef idx="0">
+            <a:schemeClr val="accent1"/>
+          </a:effectRef>
+          <a:fontRef idx="minor">
+            <a:schemeClr val="lt1"/>
+          </a:fontRef>
+        </p:style>
+        <p:txBody>
+          <a:bodyPr rtlCol="0" anchor="ctr"/>
+          <a:lstStyle/>
+          <a:p>
+            <a:pPr algn="ctr"/>
+            <a:endParaRPr lang="en-US"/>
+          </a:p>
+        </p:txBody>
+      </p:sp>
+      <p:sp>
+        <p:nvSpPr>
+          <p:cNvPr id="2" name="Title 1">
+            <a:extLst>
+              <a:ext uri="{FF2B5EF4-FFF2-40B4-BE49-F238E27FC236}">
+                <a16:creationId xmlns:a16="http://schemas.microsoft.com/office/drawing/2014/main" id="{6390F7AC-4BEB-9648-D17F-76B0BE1F6633}"/>
+              </a:ext>
+            </a:extLst>
+          </p:cNvPr>
+          <p:cNvSpPr>
+            <a:spLocks noGrp="1"/>
+          </p:cNvSpPr>
+          <p:nvPr>
+            <p:ph type="title"/>
+          </p:nvPr>
+        </p:nvSpPr>
+        <p:spPr>
+          <a:xfrm>
+            <a:off x="638882" y="639193"/>
+            <a:ext cx="3571810" cy="3573516"/>
+          </a:xfrm>
+          <a:prstGeom prst="ellipse">
+            <a:avLst/>
+          </a:prstGeom>
+        </p:spPr>
+        <p:txBody>
+          <a:bodyPr vert="horz" lIns="91440" tIns="45720" rIns="91440" bIns="45720" rtlCol="0" anchor="b">
+            <a:normAutofit/>
+          </a:bodyPr>
+          <a:lstStyle/>
+          <a:p>
+            <a:r>
+              <a:rPr lang="en-US" sz="4100" kern="1200" dirty="0">
+                <a:solidFill>
+                  <a:schemeClr val="tx1"/>
+                </a:solidFill>
+                <a:latin typeface="+mj-lt"/>
+                <a:ea typeface="+mj-ea"/>
+                <a:cs typeface="+mj-cs"/>
+              </a:rPr>
+              <a:t>MACHINE LEARNING PIPELINE</a:t>
+            </a:r>
+          </a:p>
+        </p:txBody>
+      </p:sp>
+      <p:sp>
+        <p:nvSpPr>
+          <p:cNvPr id="19" name="sketch line">
+            <a:extLst>
+              <a:ext uri="{FF2B5EF4-FFF2-40B4-BE49-F238E27FC236}">
+                <a16:creationId xmlns:a16="http://schemas.microsoft.com/office/drawing/2014/main" id="{3FCFB1DE-0B7E-48CC-BA90-B2AB0889F9D6}"/>
+              </a:ext>
+              <a:ext uri="{C183D7F6-B498-43B3-948B-1728B52AA6E4}">
+                <adec:decorative xmlns:adec="http://schemas.microsoft.com/office/drawing/2017/decorative" val="1"/>
+              </a:ext>
+            </a:extLst>
+          </p:cNvPr>
+          <p:cNvSpPr>
+            <a:spLocks noGrp="1" noRot="1" noChangeAspect="1" noMove="1" noResize="1" noEditPoints="1" noAdjustHandles="1" noChangeArrowheads="1" noChangeShapeType="1" noTextEdit="1"/>
+          </p:cNvSpPr>
+          <p:nvPr>
+            <p:extLst>
+              <p:ext uri="{386F3935-93C4-4BCD-93E2-E3B085C9AB24}">
+                <p16:designElem xmlns:p16="http://schemas.microsoft.com/office/powerpoint/2015/main" val="1"/>
+              </p:ext>
+            </p:extLst>
+          </p:nvPr>
+        </p:nvSpPr>
+        <p:spPr>
+          <a:xfrm>
+            <a:off x="643278" y="4409267"/>
+            <a:ext cx="3255095" cy="18288"/>
+          </a:xfrm>
+          <a:custGeom>
+            <a:avLst/>
+            <a:gdLst>
+              <a:gd name="connsiteX0" fmla="*/ 0 w 3255095"/>
+              <a:gd name="connsiteY0" fmla="*/ 0 h 18288"/>
+              <a:gd name="connsiteX1" fmla="*/ 618468 w 3255095"/>
+              <a:gd name="connsiteY1" fmla="*/ 0 h 18288"/>
+              <a:gd name="connsiteX2" fmla="*/ 1269487 w 3255095"/>
+              <a:gd name="connsiteY2" fmla="*/ 0 h 18288"/>
+              <a:gd name="connsiteX3" fmla="*/ 1953057 w 3255095"/>
+              <a:gd name="connsiteY3" fmla="*/ 0 h 18288"/>
+              <a:gd name="connsiteX4" fmla="*/ 2636627 w 3255095"/>
+              <a:gd name="connsiteY4" fmla="*/ 0 h 18288"/>
+              <a:gd name="connsiteX5" fmla="*/ 3255095 w 3255095"/>
+              <a:gd name="connsiteY5" fmla="*/ 0 h 18288"/>
+              <a:gd name="connsiteX6" fmla="*/ 3255095 w 3255095"/>
+              <a:gd name="connsiteY6" fmla="*/ 18288 h 18288"/>
+              <a:gd name="connsiteX7" fmla="*/ 2538974 w 3255095"/>
+              <a:gd name="connsiteY7" fmla="*/ 18288 h 18288"/>
+              <a:gd name="connsiteX8" fmla="*/ 1822853 w 3255095"/>
+              <a:gd name="connsiteY8" fmla="*/ 18288 h 18288"/>
+              <a:gd name="connsiteX9" fmla="*/ 1171834 w 3255095"/>
+              <a:gd name="connsiteY9" fmla="*/ 18288 h 18288"/>
+              <a:gd name="connsiteX10" fmla="*/ 0 w 3255095"/>
+              <a:gd name="connsiteY10" fmla="*/ 18288 h 18288"/>
+              <a:gd name="connsiteX11" fmla="*/ 0 w 3255095"/>
+              <a:gd name="connsiteY11" fmla="*/ 0 h 18288"/>
+            </a:gdLst>
+            <a:ahLst/>
+            <a:cxnLst>
+              <a:cxn ang="0">
+                <a:pos x="connsiteX0" y="connsiteY0"/>
+              </a:cxn>
+              <a:cxn ang="0">
+                <a:pos x="connsiteX1" y="connsiteY1"/>
+              </a:cxn>
+              <a:cxn ang="0">
+                <a:pos x="connsiteX2" y="connsiteY2"/>
+              </a:cxn>
+              <a:cxn ang="0">
+                <a:pos x="connsiteX3" y="connsiteY3"/>
+              </a:cxn>
+              <a:cxn ang="0">
+                <a:pos x="connsiteX4" y="connsiteY4"/>
+              </a:cxn>
+              <a:cxn ang="0">
+                <a:pos x="connsiteX5" y="connsiteY5"/>
+              </a:cxn>
+              <a:cxn ang="0">
+                <a:pos x="connsiteX6" y="connsiteY6"/>
+              </a:cxn>
+              <a:cxn ang="0">
+                <a:pos x="connsiteX7" y="connsiteY7"/>
+              </a:cxn>
+              <a:cxn ang="0">
+                <a:pos x="connsiteX8" y="connsiteY8"/>
+              </a:cxn>
+              <a:cxn ang="0">
+                <a:pos x="connsiteX9" y="connsiteY9"/>
+              </a:cxn>
+              <a:cxn ang="0">
+                <a:pos x="connsiteX10" y="connsiteY10"/>
+              </a:cxn>
+              <a:cxn ang="0">
+                <a:pos x="connsiteX11" y="connsiteY11"/>
+              </a:cxn>
+            </a:cxnLst>
+            <a:rect l="l" t="t" r="r" b="b"/>
+            <a:pathLst>
+              <a:path w="3255095" h="18288" fill="none" extrusionOk="0">
+                <a:moveTo>
+                  <a:pt x="0" y="0"/>
+                </a:moveTo>
+                <a:cubicBezTo>
+                  <a:pt x="240201" y="-22123"/>
+                  <a:pt x="462021" y="-19623"/>
+                  <a:pt x="618468" y="0"/>
+                </a:cubicBezTo>
+                <a:cubicBezTo>
+                  <a:pt x="774915" y="19623"/>
+                  <a:pt x="974734" y="2035"/>
+                  <a:pt x="1269487" y="0"/>
+                </a:cubicBezTo>
+                <a:cubicBezTo>
+                  <a:pt x="1564240" y="-2035"/>
+                  <a:pt x="1733579" y="10639"/>
+                  <a:pt x="1953057" y="0"/>
+                </a:cubicBezTo>
+                <a:cubicBezTo>
+                  <a:pt x="2172535" y="-10639"/>
+                  <a:pt x="2453962" y="14018"/>
+                  <a:pt x="2636627" y="0"/>
+                </a:cubicBezTo>
+                <a:cubicBezTo>
+                  <a:pt x="2819292" y="-14018"/>
+                  <a:pt x="3121375" y="5399"/>
+                  <a:pt x="3255095" y="0"/>
+                </a:cubicBezTo>
+                <a:cubicBezTo>
+                  <a:pt x="3254386" y="8157"/>
+                  <a:pt x="3254682" y="12125"/>
+                  <a:pt x="3255095" y="18288"/>
+                </a:cubicBezTo>
+                <a:cubicBezTo>
+                  <a:pt x="3088545" y="23203"/>
+                  <a:pt x="2687475" y="7419"/>
+                  <a:pt x="2538974" y="18288"/>
+                </a:cubicBezTo>
+                <a:cubicBezTo>
+                  <a:pt x="2390473" y="29157"/>
+                  <a:pt x="2137381" y="-8959"/>
+                  <a:pt x="1822853" y="18288"/>
+                </a:cubicBezTo>
+                <a:cubicBezTo>
+                  <a:pt x="1508325" y="45535"/>
+                  <a:pt x="1466437" y="20385"/>
+                  <a:pt x="1171834" y="18288"/>
+                </a:cubicBezTo>
+                <a:cubicBezTo>
+                  <a:pt x="877231" y="16191"/>
+                  <a:pt x="561097" y="37643"/>
+                  <a:pt x="0" y="18288"/>
+                </a:cubicBezTo>
+                <a:cubicBezTo>
+                  <a:pt x="-46" y="12483"/>
+                  <a:pt x="-203" y="6491"/>
+                  <a:pt x="0" y="0"/>
+                </a:cubicBezTo>
+                <a:close/>
+              </a:path>
+              <a:path w="3255095" h="18288" stroke="0" extrusionOk="0">
+                <a:moveTo>
+                  <a:pt x="0" y="0"/>
+                </a:moveTo>
+                <a:cubicBezTo>
+                  <a:pt x="291965" y="19429"/>
+                  <a:pt x="363155" y="8568"/>
+                  <a:pt x="618468" y="0"/>
+                </a:cubicBezTo>
+                <a:cubicBezTo>
+                  <a:pt x="873781" y="-8568"/>
+                  <a:pt x="904459" y="-19505"/>
+                  <a:pt x="1171834" y="0"/>
+                </a:cubicBezTo>
+                <a:cubicBezTo>
+                  <a:pt x="1439209" y="19505"/>
+                  <a:pt x="1744369" y="9790"/>
+                  <a:pt x="1887955" y="0"/>
+                </a:cubicBezTo>
+                <a:cubicBezTo>
+                  <a:pt x="2031541" y="-9790"/>
+                  <a:pt x="2346378" y="21240"/>
+                  <a:pt x="2506423" y="0"/>
+                </a:cubicBezTo>
+                <a:cubicBezTo>
+                  <a:pt x="2666468" y="-21240"/>
+                  <a:pt x="2990257" y="30414"/>
+                  <a:pt x="3255095" y="0"/>
+                </a:cubicBezTo>
+                <a:cubicBezTo>
+                  <a:pt x="3254831" y="4493"/>
+                  <a:pt x="3255479" y="9472"/>
+                  <a:pt x="3255095" y="18288"/>
+                </a:cubicBezTo>
+                <a:cubicBezTo>
+                  <a:pt x="3120743" y="16690"/>
+                  <a:pt x="2759628" y="42462"/>
+                  <a:pt x="2604076" y="18288"/>
+                </a:cubicBezTo>
+                <a:cubicBezTo>
+                  <a:pt x="2448524" y="-5886"/>
+                  <a:pt x="2184336" y="19599"/>
+                  <a:pt x="1887955" y="18288"/>
+                </a:cubicBezTo>
+                <a:cubicBezTo>
+                  <a:pt x="1591574" y="16977"/>
+                  <a:pt x="1548845" y="6870"/>
+                  <a:pt x="1334589" y="18288"/>
+                </a:cubicBezTo>
+                <a:cubicBezTo>
+                  <a:pt x="1120333" y="29706"/>
+                  <a:pt x="996014" y="9662"/>
+                  <a:pt x="683570" y="18288"/>
+                </a:cubicBezTo>
+                <a:cubicBezTo>
+                  <a:pt x="371126" y="26914"/>
+                  <a:pt x="198687" y="16167"/>
+                  <a:pt x="0" y="18288"/>
+                </a:cubicBezTo>
+                <a:cubicBezTo>
+                  <a:pt x="843" y="9577"/>
+                  <a:pt x="371" y="6900"/>
+                  <a:pt x="0" y="0"/>
+                </a:cubicBezTo>
+                <a:close/>
+              </a:path>
+            </a:pathLst>
+          </a:custGeom>
+          <a:solidFill>
+            <a:schemeClr val="accent2"/>
+          </a:solidFill>
+          <a:ln w="38100" cap="rnd">
+            <a:solidFill>
+              <a:schemeClr val="accent2"/>
+            </a:solidFill>
+            <a:round/>
+            <a:extLst>
+              <a:ext uri="{C807C97D-BFC1-408E-A445-0C87EB9F89A2}">
+                <ask:lineSketchStyleProps xmlns:ask="http://schemas.microsoft.com/office/drawing/2018/sketchyshapes" sd="1219033472">
+                  <a:prstGeom prst="rect">
+                    <a:avLst/>
+                  </a:prstGeom>
+                  <ask:type>
+                    <ask:lineSketchFreehand/>
+                  </ask:type>
+                </ask:lineSketchStyleProps>
+              </a:ext>
+            </a:extLst>
+          </a:ln>
+        </p:spPr>
+        <p:style>
+          <a:lnRef idx="2">
+            <a:schemeClr val="accent1">
+              <a:shade val="50000"/>
+            </a:schemeClr>
+          </a:lnRef>
+          <a:fillRef idx="1">
+            <a:schemeClr val="accent1"/>
+          </a:fillRef>
+          <a:effectRef idx="0">
+            <a:schemeClr val="accent1"/>
+          </a:effectRef>
+          <a:fontRef idx="minor">
+            <a:schemeClr val="lt1"/>
+          </a:fontRef>
+        </p:style>
+        <p:txBody>
+          <a:bodyPr rtlCol="0" anchor="ctr"/>
+          <a:lstStyle/>
+          <a:p>
+            <a:pPr algn="ctr"/>
+            <a:endParaRPr lang="en-US"/>
+          </a:p>
+        </p:txBody>
+      </p:sp>
+      <p:pic>
+        <p:nvPicPr>
+          <p:cNvPr id="5" name="Content Placeholder 4" descr="A diagram of a model&#10;&#10;Description automatically generated">
+            <a:extLst>
+              <a:ext uri="{FF2B5EF4-FFF2-40B4-BE49-F238E27FC236}">
+                <a16:creationId xmlns:a16="http://schemas.microsoft.com/office/drawing/2014/main" id="{33596AAF-4B5D-A581-A0E6-972934C273E8}"/>
+              </a:ext>
+            </a:extLst>
+          </p:cNvPr>
+          <p:cNvPicPr>
+            <a:picLocks noGrp="1" noChangeAspect="1"/>
+          </p:cNvPicPr>
+          <p:nvPr>
+            <p:ph idx="1"/>
+          </p:nvPr>
+        </p:nvPicPr>
+        <p:blipFill>
+          <a:blip r:embed="rId2">
+            <a:extLst>
+              <a:ext uri="{28A0092B-C50C-407E-A947-70E740481C1C}">
+                <a14:useLocalDpi xmlns:a14="http://schemas.microsoft.com/office/drawing/2010/main" val="0"/>
+              </a:ext>
+            </a:extLst>
+          </a:blip>
+          <a:stretch>
+            <a:fillRect/>
+          </a:stretch>
+        </p:blipFill>
+        <p:spPr>
+          <a:xfrm>
+            <a:off x="4654296" y="1959209"/>
+            <a:ext cx="7214616" cy="2912149"/>
+          </a:xfrm>
+          <a:prstGeom prst="rect">
+            <a:avLst/>
+          </a:prstGeom>
+        </p:spPr>
+      </p:pic>
+    </p:spTree>
+    <p:extLst>
+      <p:ext uri="{BB962C8B-B14F-4D97-AF65-F5344CB8AC3E}">
+        <p14:creationId xmlns:p14="http://schemas.microsoft.com/office/powerpoint/2010/main" val="3820748635"/>
+      </p:ext>
+    </p:extLst>
+  </p:cSld>
+  <p:clrMapOvr>
+    <a:masterClrMapping/>
+  </p:clrMapOvr>
+</p:sld>
+</file>
+
+<file path=ppt/slides/slide3.xml><?xml version="1.0" encoding="utf-8"?>
 <p:sld xmlns:a="http://schemas.openxmlformats.org/drawingml/2006/main" xmlns:r="http://schemas.openxmlformats.org/officeDocument/2006/relationships" xmlns:p="http://schemas.openxmlformats.org/presentationml/2006/main">
   <p:cSld>
     <p:bg>
@@ -8051,460 +10089,6 @@
       <p:bldP spid="2" grpId="0"/>
     </p:bldLst>
   </p:timing>
-</p:sld>
-</file>
-
-<file path=ppt/slides/slide3.xml><?xml version="1.0" encoding="utf-8"?>
-<p:sld xmlns:a="http://schemas.openxmlformats.org/drawingml/2006/main" xmlns:r="http://schemas.openxmlformats.org/officeDocument/2006/relationships" xmlns:p="http://schemas.openxmlformats.org/presentationml/2006/main">
-  <p:cSld>
-    <p:bg>
-      <p:bgPr>
-        <a:solidFill>
-          <a:schemeClr val="bg1"/>
-        </a:solidFill>
-        <a:effectLst/>
-      </p:bgPr>
-    </p:bg>
-    <p:spTree>
-      <p:nvGrpSpPr>
-        <p:cNvPr id="1" name=""/>
-        <p:cNvGrpSpPr/>
-        <p:nvPr/>
-      </p:nvGrpSpPr>
-      <p:grpSpPr>
-        <a:xfrm>
-          <a:off x="0" y="0"/>
-          <a:ext cx="0" cy="0"/>
-          <a:chOff x="0" y="0"/>
-          <a:chExt cx="0" cy="0"/>
-        </a:xfrm>
-      </p:grpSpPr>
-      <p:sp useBgFill="1">
-        <p:nvSpPr>
-          <p:cNvPr id="17" name="Rectangle 16">
-            <a:extLst>
-              <a:ext uri="{FF2B5EF4-FFF2-40B4-BE49-F238E27FC236}">
-                <a16:creationId xmlns:a16="http://schemas.microsoft.com/office/drawing/2014/main" id="{665DBBEF-238B-476B-96AB-8AAC3224ECEA}"/>
-              </a:ext>
-              <a:ext uri="{C183D7F6-B498-43B3-948B-1728B52AA6E4}">
-                <adec:decorative xmlns:adec="http://schemas.microsoft.com/office/drawing/2017/decorative" val="1"/>
-              </a:ext>
-            </a:extLst>
-          </p:cNvPr>
-          <p:cNvSpPr>
-            <a:spLocks noGrp="1" noRot="1" noChangeAspect="1" noMove="1" noResize="1" noEditPoints="1" noAdjustHandles="1" noChangeArrowheads="1" noChangeShapeType="1" noTextEdit="1"/>
-          </p:cNvSpPr>
-          <p:nvPr>
-            <p:extLst>
-              <p:ext uri="{386F3935-93C4-4BCD-93E2-E3B085C9AB24}">
-                <p16:designElem xmlns:p16="http://schemas.microsoft.com/office/powerpoint/2015/main" val="1"/>
-              </p:ext>
-            </p:extLst>
-          </p:nvPr>
-        </p:nvSpPr>
-        <p:spPr>
-          <a:xfrm>
-            <a:off x="0" y="0"/>
-            <a:ext cx="12192000" cy="6858000"/>
-          </a:xfrm>
-          <a:prstGeom prst="rect">
-            <a:avLst/>
-          </a:prstGeom>
-          <a:ln>
-            <a:noFill/>
-          </a:ln>
-        </p:spPr>
-        <p:style>
-          <a:lnRef idx="2">
-            <a:schemeClr val="accent1">
-              <a:shade val="50000"/>
-            </a:schemeClr>
-          </a:lnRef>
-          <a:fillRef idx="1">
-            <a:schemeClr val="accent1"/>
-          </a:fillRef>
-          <a:effectRef idx="0">
-            <a:schemeClr val="accent1"/>
-          </a:effectRef>
-          <a:fontRef idx="minor">
-            <a:schemeClr val="lt1"/>
-          </a:fontRef>
-        </p:style>
-        <p:txBody>
-          <a:bodyPr rtlCol="0" anchor="ctr"/>
-          <a:lstStyle/>
-          <a:p>
-            <a:pPr algn="ctr"/>
-            <a:endParaRPr lang="en-US"/>
-          </a:p>
-        </p:txBody>
-      </p:sp>
-      <p:sp>
-        <p:nvSpPr>
-          <p:cNvPr id="2" name="Title 1">
-            <a:extLst>
-              <a:ext uri="{FF2B5EF4-FFF2-40B4-BE49-F238E27FC236}">
-                <a16:creationId xmlns:a16="http://schemas.microsoft.com/office/drawing/2014/main" id="{6390F7AC-4BEB-9648-D17F-76B0BE1F6633}"/>
-              </a:ext>
-            </a:extLst>
-          </p:cNvPr>
-          <p:cNvSpPr>
-            <a:spLocks noGrp="1"/>
-          </p:cNvSpPr>
-          <p:nvPr>
-            <p:ph type="title"/>
-          </p:nvPr>
-        </p:nvSpPr>
-        <p:spPr>
-          <a:xfrm>
-            <a:off x="638882" y="639193"/>
-            <a:ext cx="3571810" cy="3573516"/>
-          </a:xfrm>
-          <a:prstGeom prst="ellipse">
-            <a:avLst/>
-          </a:prstGeom>
-        </p:spPr>
-        <p:txBody>
-          <a:bodyPr vert="horz" lIns="91440" tIns="45720" rIns="91440" bIns="45720" rtlCol="0" anchor="b">
-            <a:normAutofit/>
-          </a:bodyPr>
-          <a:lstStyle/>
-          <a:p>
-            <a:r>
-              <a:rPr lang="en-US" sz="4100" kern="1200" dirty="0">
-                <a:solidFill>
-                  <a:schemeClr val="tx1"/>
-                </a:solidFill>
-                <a:latin typeface="+mj-lt"/>
-                <a:ea typeface="+mj-ea"/>
-                <a:cs typeface="+mj-cs"/>
-              </a:rPr>
-              <a:t>MACHINE LEARNING PIPELINE</a:t>
-            </a:r>
-          </a:p>
-        </p:txBody>
-      </p:sp>
-      <p:sp>
-        <p:nvSpPr>
-          <p:cNvPr id="19" name="sketch line">
-            <a:extLst>
-              <a:ext uri="{FF2B5EF4-FFF2-40B4-BE49-F238E27FC236}">
-                <a16:creationId xmlns:a16="http://schemas.microsoft.com/office/drawing/2014/main" id="{3FCFB1DE-0B7E-48CC-BA90-B2AB0889F9D6}"/>
-              </a:ext>
-              <a:ext uri="{C183D7F6-B498-43B3-948B-1728B52AA6E4}">
-                <adec:decorative xmlns:adec="http://schemas.microsoft.com/office/drawing/2017/decorative" val="1"/>
-              </a:ext>
-            </a:extLst>
-          </p:cNvPr>
-          <p:cNvSpPr>
-            <a:spLocks noGrp="1" noRot="1" noChangeAspect="1" noMove="1" noResize="1" noEditPoints="1" noAdjustHandles="1" noChangeArrowheads="1" noChangeShapeType="1" noTextEdit="1"/>
-          </p:cNvSpPr>
-          <p:nvPr>
-            <p:extLst>
-              <p:ext uri="{386F3935-93C4-4BCD-93E2-E3B085C9AB24}">
-                <p16:designElem xmlns:p16="http://schemas.microsoft.com/office/powerpoint/2015/main" val="1"/>
-              </p:ext>
-            </p:extLst>
-          </p:nvPr>
-        </p:nvSpPr>
-        <p:spPr>
-          <a:xfrm>
-            <a:off x="643278" y="4409267"/>
-            <a:ext cx="3255095" cy="18288"/>
-          </a:xfrm>
-          <a:custGeom>
-            <a:avLst/>
-            <a:gdLst>
-              <a:gd name="connsiteX0" fmla="*/ 0 w 3255095"/>
-              <a:gd name="connsiteY0" fmla="*/ 0 h 18288"/>
-              <a:gd name="connsiteX1" fmla="*/ 618468 w 3255095"/>
-              <a:gd name="connsiteY1" fmla="*/ 0 h 18288"/>
-              <a:gd name="connsiteX2" fmla="*/ 1269487 w 3255095"/>
-              <a:gd name="connsiteY2" fmla="*/ 0 h 18288"/>
-              <a:gd name="connsiteX3" fmla="*/ 1953057 w 3255095"/>
-              <a:gd name="connsiteY3" fmla="*/ 0 h 18288"/>
-              <a:gd name="connsiteX4" fmla="*/ 2636627 w 3255095"/>
-              <a:gd name="connsiteY4" fmla="*/ 0 h 18288"/>
-              <a:gd name="connsiteX5" fmla="*/ 3255095 w 3255095"/>
-              <a:gd name="connsiteY5" fmla="*/ 0 h 18288"/>
-              <a:gd name="connsiteX6" fmla="*/ 3255095 w 3255095"/>
-              <a:gd name="connsiteY6" fmla="*/ 18288 h 18288"/>
-              <a:gd name="connsiteX7" fmla="*/ 2538974 w 3255095"/>
-              <a:gd name="connsiteY7" fmla="*/ 18288 h 18288"/>
-              <a:gd name="connsiteX8" fmla="*/ 1822853 w 3255095"/>
-              <a:gd name="connsiteY8" fmla="*/ 18288 h 18288"/>
-              <a:gd name="connsiteX9" fmla="*/ 1171834 w 3255095"/>
-              <a:gd name="connsiteY9" fmla="*/ 18288 h 18288"/>
-              <a:gd name="connsiteX10" fmla="*/ 0 w 3255095"/>
-              <a:gd name="connsiteY10" fmla="*/ 18288 h 18288"/>
-              <a:gd name="connsiteX11" fmla="*/ 0 w 3255095"/>
-              <a:gd name="connsiteY11" fmla="*/ 0 h 18288"/>
-            </a:gdLst>
-            <a:ahLst/>
-            <a:cxnLst>
-              <a:cxn ang="0">
-                <a:pos x="connsiteX0" y="connsiteY0"/>
-              </a:cxn>
-              <a:cxn ang="0">
-                <a:pos x="connsiteX1" y="connsiteY1"/>
-              </a:cxn>
-              <a:cxn ang="0">
-                <a:pos x="connsiteX2" y="connsiteY2"/>
-              </a:cxn>
-              <a:cxn ang="0">
-                <a:pos x="connsiteX3" y="connsiteY3"/>
-              </a:cxn>
-              <a:cxn ang="0">
-                <a:pos x="connsiteX4" y="connsiteY4"/>
-              </a:cxn>
-              <a:cxn ang="0">
-                <a:pos x="connsiteX5" y="connsiteY5"/>
-              </a:cxn>
-              <a:cxn ang="0">
-                <a:pos x="connsiteX6" y="connsiteY6"/>
-              </a:cxn>
-              <a:cxn ang="0">
-                <a:pos x="connsiteX7" y="connsiteY7"/>
-              </a:cxn>
-              <a:cxn ang="0">
-                <a:pos x="connsiteX8" y="connsiteY8"/>
-              </a:cxn>
-              <a:cxn ang="0">
-                <a:pos x="connsiteX9" y="connsiteY9"/>
-              </a:cxn>
-              <a:cxn ang="0">
-                <a:pos x="connsiteX10" y="connsiteY10"/>
-              </a:cxn>
-              <a:cxn ang="0">
-                <a:pos x="connsiteX11" y="connsiteY11"/>
-              </a:cxn>
-            </a:cxnLst>
-            <a:rect l="l" t="t" r="r" b="b"/>
-            <a:pathLst>
-              <a:path w="3255095" h="18288" fill="none" extrusionOk="0">
-                <a:moveTo>
-                  <a:pt x="0" y="0"/>
-                </a:moveTo>
-                <a:cubicBezTo>
-                  <a:pt x="240201" y="-22123"/>
-                  <a:pt x="462021" y="-19623"/>
-                  <a:pt x="618468" y="0"/>
-                </a:cubicBezTo>
-                <a:cubicBezTo>
-                  <a:pt x="774915" y="19623"/>
-                  <a:pt x="974734" y="2035"/>
-                  <a:pt x="1269487" y="0"/>
-                </a:cubicBezTo>
-                <a:cubicBezTo>
-                  <a:pt x="1564240" y="-2035"/>
-                  <a:pt x="1733579" y="10639"/>
-                  <a:pt x="1953057" y="0"/>
-                </a:cubicBezTo>
-                <a:cubicBezTo>
-                  <a:pt x="2172535" y="-10639"/>
-                  <a:pt x="2453962" y="14018"/>
-                  <a:pt x="2636627" y="0"/>
-                </a:cubicBezTo>
-                <a:cubicBezTo>
-                  <a:pt x="2819292" y="-14018"/>
-                  <a:pt x="3121375" y="5399"/>
-                  <a:pt x="3255095" y="0"/>
-                </a:cubicBezTo>
-                <a:cubicBezTo>
-                  <a:pt x="3254386" y="8157"/>
-                  <a:pt x="3254682" y="12125"/>
-                  <a:pt x="3255095" y="18288"/>
-                </a:cubicBezTo>
-                <a:cubicBezTo>
-                  <a:pt x="3088545" y="23203"/>
-                  <a:pt x="2687475" y="7419"/>
-                  <a:pt x="2538974" y="18288"/>
-                </a:cubicBezTo>
-                <a:cubicBezTo>
-                  <a:pt x="2390473" y="29157"/>
-                  <a:pt x="2137381" y="-8959"/>
-                  <a:pt x="1822853" y="18288"/>
-                </a:cubicBezTo>
-                <a:cubicBezTo>
-                  <a:pt x="1508325" y="45535"/>
-                  <a:pt x="1466437" y="20385"/>
-                  <a:pt x="1171834" y="18288"/>
-                </a:cubicBezTo>
-                <a:cubicBezTo>
-                  <a:pt x="877231" y="16191"/>
-                  <a:pt x="561097" y="37643"/>
-                  <a:pt x="0" y="18288"/>
-                </a:cubicBezTo>
-                <a:cubicBezTo>
-                  <a:pt x="-46" y="12483"/>
-                  <a:pt x="-203" y="6491"/>
-                  <a:pt x="0" y="0"/>
-                </a:cubicBezTo>
-                <a:close/>
-              </a:path>
-              <a:path w="3255095" h="18288" stroke="0" extrusionOk="0">
-                <a:moveTo>
-                  <a:pt x="0" y="0"/>
-                </a:moveTo>
-                <a:cubicBezTo>
-                  <a:pt x="291965" y="19429"/>
-                  <a:pt x="363155" y="8568"/>
-                  <a:pt x="618468" y="0"/>
-                </a:cubicBezTo>
-                <a:cubicBezTo>
-                  <a:pt x="873781" y="-8568"/>
-                  <a:pt x="904459" y="-19505"/>
-                  <a:pt x="1171834" y="0"/>
-                </a:cubicBezTo>
-                <a:cubicBezTo>
-                  <a:pt x="1439209" y="19505"/>
-                  <a:pt x="1744369" y="9790"/>
-                  <a:pt x="1887955" y="0"/>
-                </a:cubicBezTo>
-                <a:cubicBezTo>
-                  <a:pt x="2031541" y="-9790"/>
-                  <a:pt x="2346378" y="21240"/>
-                  <a:pt x="2506423" y="0"/>
-                </a:cubicBezTo>
-                <a:cubicBezTo>
-                  <a:pt x="2666468" y="-21240"/>
-                  <a:pt x="2990257" y="30414"/>
-                  <a:pt x="3255095" y="0"/>
-                </a:cubicBezTo>
-                <a:cubicBezTo>
-                  <a:pt x="3254831" y="4493"/>
-                  <a:pt x="3255479" y="9472"/>
-                  <a:pt x="3255095" y="18288"/>
-                </a:cubicBezTo>
-                <a:cubicBezTo>
-                  <a:pt x="3120743" y="16690"/>
-                  <a:pt x="2759628" y="42462"/>
-                  <a:pt x="2604076" y="18288"/>
-                </a:cubicBezTo>
-                <a:cubicBezTo>
-                  <a:pt x="2448524" y="-5886"/>
-                  <a:pt x="2184336" y="19599"/>
-                  <a:pt x="1887955" y="18288"/>
-                </a:cubicBezTo>
-                <a:cubicBezTo>
-                  <a:pt x="1591574" y="16977"/>
-                  <a:pt x="1548845" y="6870"/>
-                  <a:pt x="1334589" y="18288"/>
-                </a:cubicBezTo>
-                <a:cubicBezTo>
-                  <a:pt x="1120333" y="29706"/>
-                  <a:pt x="996014" y="9662"/>
-                  <a:pt x="683570" y="18288"/>
-                </a:cubicBezTo>
-                <a:cubicBezTo>
-                  <a:pt x="371126" y="26914"/>
-                  <a:pt x="198687" y="16167"/>
-                  <a:pt x="0" y="18288"/>
-                </a:cubicBezTo>
-                <a:cubicBezTo>
-                  <a:pt x="843" y="9577"/>
-                  <a:pt x="371" y="6900"/>
-                  <a:pt x="0" y="0"/>
-                </a:cubicBezTo>
-                <a:close/>
-              </a:path>
-            </a:pathLst>
-          </a:custGeom>
-          <a:solidFill>
-            <a:schemeClr val="accent2"/>
-          </a:solidFill>
-          <a:ln w="38100" cap="rnd">
-            <a:solidFill>
-              <a:schemeClr val="accent2"/>
-            </a:solidFill>
-            <a:round/>
-            <a:extLst>
-              <a:ext uri="{C807C97D-BFC1-408E-A445-0C87EB9F89A2}">
-                <ask:lineSketchStyleProps xmlns:ask="http://schemas.microsoft.com/office/drawing/2018/sketchyshapes" sd="1219033472">
-                  <a:prstGeom prst="rect">
-                    <a:avLst/>
-                  </a:prstGeom>
-                  <ask:type>
-                    <ask:lineSketchFreehand/>
-                  </ask:type>
-                </ask:lineSketchStyleProps>
-              </a:ext>
-            </a:extLst>
-          </a:ln>
-        </p:spPr>
-        <p:style>
-          <a:lnRef idx="2">
-            <a:schemeClr val="accent1">
-              <a:shade val="50000"/>
-            </a:schemeClr>
-          </a:lnRef>
-          <a:fillRef idx="1">
-            <a:schemeClr val="accent1"/>
-          </a:fillRef>
-          <a:effectRef idx="0">
-            <a:schemeClr val="accent1"/>
-          </a:effectRef>
-          <a:fontRef idx="minor">
-            <a:schemeClr val="lt1"/>
-          </a:fontRef>
-        </p:style>
-        <p:txBody>
-          <a:bodyPr rtlCol="0" anchor="ctr"/>
-          <a:lstStyle/>
-          <a:p>
-            <a:pPr algn="ctr"/>
-            <a:endParaRPr lang="en-US"/>
-          </a:p>
-        </p:txBody>
-      </p:sp>
-      <p:pic>
-        <p:nvPicPr>
-          <p:cNvPr id="5" name="Content Placeholder 4" descr="A diagram of a model&#10;&#10;Description automatically generated">
-            <a:extLst>
-              <a:ext uri="{FF2B5EF4-FFF2-40B4-BE49-F238E27FC236}">
-                <a16:creationId xmlns:a16="http://schemas.microsoft.com/office/drawing/2014/main" id="{33596AAF-4B5D-A581-A0E6-972934C273E8}"/>
-              </a:ext>
-            </a:extLst>
-          </p:cNvPr>
-          <p:cNvPicPr>
-            <a:picLocks noGrp="1" noChangeAspect="1"/>
-          </p:cNvPicPr>
-          <p:nvPr>
-            <p:ph idx="1"/>
-          </p:nvPr>
-        </p:nvPicPr>
-        <p:blipFill>
-          <a:blip r:embed="rId2">
-            <a:extLst>
-              <a:ext uri="{28A0092B-C50C-407E-A947-70E740481C1C}">
-                <a14:useLocalDpi xmlns:a14="http://schemas.microsoft.com/office/drawing/2010/main" val="0"/>
-              </a:ext>
-            </a:extLst>
-          </a:blip>
-          <a:stretch>
-            <a:fillRect/>
-          </a:stretch>
-        </p:blipFill>
-        <p:spPr>
-          <a:xfrm>
-            <a:off x="4654296" y="1959209"/>
-            <a:ext cx="7214616" cy="2912149"/>
-          </a:xfrm>
-          <a:prstGeom prst="rect">
-            <a:avLst/>
-          </a:prstGeom>
-        </p:spPr>
-      </p:pic>
-    </p:spTree>
-    <p:extLst>
-      <p:ext uri="{BB962C8B-B14F-4D97-AF65-F5344CB8AC3E}">
-        <p14:creationId xmlns:p14="http://schemas.microsoft.com/office/powerpoint/2010/main" val="3820748635"/>
-      </p:ext>
-    </p:extLst>
-  </p:cSld>
-  <p:clrMapOvr>
-    <a:masterClrMapping/>
-  </p:clrMapOvr>
 </p:sld>
 </file>
 
@@ -9620,10 +11204,10 @@
       </p:grpSpPr>
       <p:sp useBgFill="1">
         <p:nvSpPr>
-          <p:cNvPr id="41" name="Rectangle 40">
+          <p:cNvPr id="10" name="Rectangle 9">
             <a:extLst>
               <a:ext uri="{FF2B5EF4-FFF2-40B4-BE49-F238E27FC236}">
-                <a16:creationId xmlns:a16="http://schemas.microsoft.com/office/drawing/2014/main" id="{2D2B266D-3625-4584-A5C3-7D3F672CFF30}"/>
+                <a16:creationId xmlns:a16="http://schemas.microsoft.com/office/drawing/2014/main" id="{7B831B6F-405A-4B47-B9BB-5CA88F285844}"/>
               </a:ext>
               <a:ext uri="{C183D7F6-B498-43B3-948B-1728B52AA6E4}">
                 <adec:decorative xmlns:adec="http://schemas.microsoft.com/office/drawing/2017/decorative" val="1"/>
@@ -9644,7 +11228,7 @@
         <p:spPr>
           <a:xfrm>
             <a:off x="0" y="0"/>
-            <a:ext cx="12188952" cy="6858000"/>
+            <a:ext cx="12192000" cy="6858000"/>
           </a:xfrm>
           <a:prstGeom prst="rect">
             <a:avLst/>
@@ -9678,12 +11262,51 @@
           </a:p>
         </p:txBody>
       </p:sp>
+      <p:pic>
+        <p:nvPicPr>
+          <p:cNvPr id="7" name="Graphic 6" descr="Head with Gears">
+            <a:extLst>
+              <a:ext uri="{FF2B5EF4-FFF2-40B4-BE49-F238E27FC236}">
+                <a16:creationId xmlns:a16="http://schemas.microsoft.com/office/drawing/2014/main" id="{A953FFC1-850D-6907-30AC-67A39C3BA9E0}"/>
+              </a:ext>
+            </a:extLst>
+          </p:cNvPr>
+          <p:cNvPicPr>
+            <a:picLocks noChangeAspect="1"/>
+          </p:cNvPicPr>
+          <p:nvPr/>
+        </p:nvPicPr>
+        <p:blipFill>
+          <a:blip r:embed="rId2">
+            <a:extLst>
+              <a:ext uri="{28A0092B-C50C-407E-A947-70E740481C1C}">
+                <a14:useLocalDpi xmlns:a14="http://schemas.microsoft.com/office/drawing/2010/main" val="0"/>
+              </a:ext>
+              <a:ext uri="{96DAC541-7B7A-43D3-8B79-37D633B846F1}">
+                <asvg:svgBlip xmlns:asvg="http://schemas.microsoft.com/office/drawing/2016/SVG/main" r:embed="rId3"/>
+              </a:ext>
+            </a:extLst>
+          </a:blip>
+          <a:stretch>
+            <a:fillRect/>
+          </a:stretch>
+        </p:blipFill>
+        <p:spPr>
+          <a:xfrm>
+            <a:off x="764988" y="1744515"/>
+            <a:ext cx="3368969" cy="3368969"/>
+          </a:xfrm>
+          <a:prstGeom prst="rect">
+            <a:avLst/>
+          </a:prstGeom>
+        </p:spPr>
+      </p:pic>
       <p:sp>
         <p:nvSpPr>
-          <p:cNvPr id="43" name="Rectangle 42">
+          <p:cNvPr id="12" name="Freeform: Shape 11">
             <a:extLst>
               <a:ext uri="{FF2B5EF4-FFF2-40B4-BE49-F238E27FC236}">
-                <a16:creationId xmlns:a16="http://schemas.microsoft.com/office/drawing/2014/main" id="{C463B99A-73EE-4FBB-B7C4-F9F9BCC25C65}"/>
+                <a16:creationId xmlns:a16="http://schemas.microsoft.com/office/drawing/2014/main" id="{15109354-9C5D-4F8C-B0E6-D1043C7BF20A}"/>
               </a:ext>
               <a:ext uri="{C183D7F6-B498-43B3-948B-1728B52AA6E4}">
                 <adec:decorative xmlns:adec="http://schemas.microsoft.com/office/drawing/2017/decorative" val="1"/>
@@ -9703,17 +11326,663 @@
         </p:nvSpPr>
         <p:spPr>
           <a:xfrm>
-            <a:off x="0" y="0"/>
-            <a:ext cx="12188952" cy="6858000"/>
+            <a:off x="4629992" y="0"/>
+            <a:ext cx="7562008" cy="6858000"/>
           </a:xfrm>
-          <a:prstGeom prst="rect">
+          <a:custGeom>
             <a:avLst/>
-          </a:prstGeom>
+            <a:gdLst>
+              <a:gd name="connsiteX0" fmla="*/ 7529613 w 7529613"/>
+              <a:gd name="connsiteY0" fmla="*/ 0 h 6858000"/>
+              <a:gd name="connsiteX1" fmla="*/ 1222331 w 7529613"/>
+              <a:gd name="connsiteY1" fmla="*/ 0 h 6858000"/>
+              <a:gd name="connsiteX2" fmla="*/ 1126483 w 7529613"/>
+              <a:gd name="connsiteY2" fmla="*/ 148742 h 6858000"/>
+              <a:gd name="connsiteX3" fmla="*/ 767554 w 7529613"/>
+              <a:gd name="connsiteY3" fmla="*/ 819975 h 6858000"/>
+              <a:gd name="connsiteX4" fmla="*/ 742103 w 7529613"/>
+              <a:gd name="connsiteY4" fmla="*/ 854514 h 6858000"/>
+              <a:gd name="connsiteX5" fmla="*/ 785881 w 7529613"/>
+              <a:gd name="connsiteY5" fmla="*/ 750263 h 6858000"/>
+              <a:gd name="connsiteX6" fmla="*/ 978978 w 7529613"/>
+              <a:gd name="connsiteY6" fmla="*/ 331786 h 6858000"/>
+              <a:gd name="connsiteX7" fmla="*/ 1155717 w 7529613"/>
+              <a:gd name="connsiteY7" fmla="*/ 0 h 6858000"/>
+              <a:gd name="connsiteX8" fmla="*/ 1098249 w 7529613"/>
+              <a:gd name="connsiteY8" fmla="*/ 0 h 6858000"/>
+              <a:gd name="connsiteX9" fmla="*/ 991458 w 7529613"/>
+              <a:gd name="connsiteY9" fmla="*/ 196614 h 6858000"/>
+              <a:gd name="connsiteX10" fmla="*/ 493941 w 7529613"/>
+              <a:gd name="connsiteY10" fmla="*/ 1371196 h 6858000"/>
+              <a:gd name="connsiteX11" fmla="*/ 46485 w 7529613"/>
+              <a:gd name="connsiteY11" fmla="*/ 3331516 h 6858000"/>
+              <a:gd name="connsiteX12" fmla="*/ 12252 w 7529613"/>
+              <a:gd name="connsiteY12" fmla="*/ 4357388 h 6858000"/>
+              <a:gd name="connsiteX13" fmla="*/ 170821 w 7529613"/>
+              <a:gd name="connsiteY13" fmla="*/ 5552906 h 6858000"/>
+              <a:gd name="connsiteX14" fmla="*/ 537265 w 7529613"/>
+              <a:gd name="connsiteY14" fmla="*/ 6828295 h 6858000"/>
+              <a:gd name="connsiteX15" fmla="*/ 549692 w 7529613"/>
+              <a:gd name="connsiteY15" fmla="*/ 6858000 h 6858000"/>
+              <a:gd name="connsiteX16" fmla="*/ 602234 w 7529613"/>
+              <a:gd name="connsiteY16" fmla="*/ 6858000 h 6858000"/>
+              <a:gd name="connsiteX17" fmla="*/ 595414 w 7529613"/>
+              <a:gd name="connsiteY17" fmla="*/ 6841549 h 6858000"/>
+              <a:gd name="connsiteX18" fmla="*/ 364260 w 7529613"/>
+              <a:gd name="connsiteY18" fmla="*/ 6142729 h 6858000"/>
+              <a:gd name="connsiteX19" fmla="*/ 213071 w 7529613"/>
+              <a:gd name="connsiteY19" fmla="*/ 5513923 h 6858000"/>
+              <a:gd name="connsiteX20" fmla="*/ 211290 w 7529613"/>
+              <a:gd name="connsiteY20" fmla="*/ 5480401 h 6858000"/>
+              <a:gd name="connsiteX21" fmla="*/ 311446 w 7529613"/>
+              <a:gd name="connsiteY21" fmla="*/ 5830359 h 6858000"/>
+              <a:gd name="connsiteX22" fmla="*/ 622963 w 7529613"/>
+              <a:gd name="connsiteY22" fmla="*/ 6670527 h 6858000"/>
+              <a:gd name="connsiteX23" fmla="*/ 710464 w 7529613"/>
+              <a:gd name="connsiteY23" fmla="*/ 6858000 h 6858000"/>
+              <a:gd name="connsiteX24" fmla="*/ 7529613 w 7529613"/>
+              <a:gd name="connsiteY24" fmla="*/ 6858000 h 6858000"/>
+            </a:gdLst>
+            <a:ahLst/>
+            <a:cxnLst>
+              <a:cxn ang="0">
+                <a:pos x="connsiteX0" y="connsiteY0"/>
+              </a:cxn>
+              <a:cxn ang="0">
+                <a:pos x="connsiteX1" y="connsiteY1"/>
+              </a:cxn>
+              <a:cxn ang="0">
+                <a:pos x="connsiteX2" y="connsiteY2"/>
+              </a:cxn>
+              <a:cxn ang="0">
+                <a:pos x="connsiteX3" y="connsiteY3"/>
+              </a:cxn>
+              <a:cxn ang="0">
+                <a:pos x="connsiteX4" y="connsiteY4"/>
+              </a:cxn>
+              <a:cxn ang="0">
+                <a:pos x="connsiteX5" y="connsiteY5"/>
+              </a:cxn>
+              <a:cxn ang="0">
+                <a:pos x="connsiteX6" y="connsiteY6"/>
+              </a:cxn>
+              <a:cxn ang="0">
+                <a:pos x="connsiteX7" y="connsiteY7"/>
+              </a:cxn>
+              <a:cxn ang="0">
+                <a:pos x="connsiteX8" y="connsiteY8"/>
+              </a:cxn>
+              <a:cxn ang="0">
+                <a:pos x="connsiteX9" y="connsiteY9"/>
+              </a:cxn>
+              <a:cxn ang="0">
+                <a:pos x="connsiteX10" y="connsiteY10"/>
+              </a:cxn>
+              <a:cxn ang="0">
+                <a:pos x="connsiteX11" y="connsiteY11"/>
+              </a:cxn>
+              <a:cxn ang="0">
+                <a:pos x="connsiteX12" y="connsiteY12"/>
+              </a:cxn>
+              <a:cxn ang="0">
+                <a:pos x="connsiteX13" y="connsiteY13"/>
+              </a:cxn>
+              <a:cxn ang="0">
+                <a:pos x="connsiteX14" y="connsiteY14"/>
+              </a:cxn>
+              <a:cxn ang="0">
+                <a:pos x="connsiteX15" y="connsiteY15"/>
+              </a:cxn>
+              <a:cxn ang="0">
+                <a:pos x="connsiteX16" y="connsiteY16"/>
+              </a:cxn>
+              <a:cxn ang="0">
+                <a:pos x="connsiteX17" y="connsiteY17"/>
+              </a:cxn>
+              <a:cxn ang="0">
+                <a:pos x="connsiteX18" y="connsiteY18"/>
+              </a:cxn>
+              <a:cxn ang="0">
+                <a:pos x="connsiteX19" y="connsiteY19"/>
+              </a:cxn>
+              <a:cxn ang="0">
+                <a:pos x="connsiteX20" y="connsiteY20"/>
+              </a:cxn>
+              <a:cxn ang="0">
+                <a:pos x="connsiteX21" y="connsiteY21"/>
+              </a:cxn>
+              <a:cxn ang="0">
+                <a:pos x="connsiteX22" y="connsiteY22"/>
+              </a:cxn>
+              <a:cxn ang="0">
+                <a:pos x="connsiteX23" y="connsiteY23"/>
+              </a:cxn>
+              <a:cxn ang="0">
+                <a:pos x="connsiteX24" y="connsiteY24"/>
+              </a:cxn>
+            </a:cxnLst>
+            <a:rect l="l" t="t" r="r" b="b"/>
+            <a:pathLst>
+              <a:path w="7529613" h="6858000">
+                <a:moveTo>
+                  <a:pt x="7529613" y="0"/>
+                </a:moveTo>
+                <a:lnTo>
+                  <a:pt x="1222331" y="0"/>
+                </a:lnTo>
+                <a:lnTo>
+                  <a:pt x="1126483" y="148742"/>
+                </a:lnTo>
+                <a:cubicBezTo>
+                  <a:pt x="995323" y="365513"/>
+                  <a:pt x="876174" y="589569"/>
+                  <a:pt x="767554" y="819975"/>
+                </a:cubicBezTo>
+                <a:cubicBezTo>
+                  <a:pt x="762210" y="833492"/>
+                  <a:pt x="753441" y="845393"/>
+                  <a:pt x="742103" y="854514"/>
+                </a:cubicBezTo>
+                <a:cubicBezTo>
+                  <a:pt x="756737" y="819849"/>
+                  <a:pt x="770991" y="784928"/>
+                  <a:pt x="785881" y="750263"/>
+                </a:cubicBezTo>
+                <a:cubicBezTo>
+                  <a:pt x="846713" y="608712"/>
+                  <a:pt x="910948" y="469145"/>
+                  <a:pt x="978978" y="331786"/>
+                </a:cubicBezTo>
+                <a:lnTo>
+                  <a:pt x="1155717" y="0"/>
+                </a:lnTo>
+                <a:lnTo>
+                  <a:pt x="1098249" y="0"/>
+                </a:lnTo>
+                <a:lnTo>
+                  <a:pt x="991458" y="196614"/>
+                </a:lnTo>
+                <a:cubicBezTo>
+                  <a:pt x="797017" y="573253"/>
+                  <a:pt x="633548" y="966066"/>
+                  <a:pt x="493941" y="1371196"/>
+                </a:cubicBezTo>
+                <a:cubicBezTo>
+                  <a:pt x="276630" y="2007265"/>
+                  <a:pt x="126659" y="2664286"/>
+                  <a:pt x="46485" y="3331516"/>
+                </a:cubicBezTo>
+                <a:cubicBezTo>
+                  <a:pt x="4488" y="3672965"/>
+                  <a:pt x="-14219" y="4013908"/>
+                  <a:pt x="12252" y="4357388"/>
+                </a:cubicBezTo>
+                <a:cubicBezTo>
+                  <a:pt x="43558" y="4758899"/>
+                  <a:pt x="90773" y="5157998"/>
+                  <a:pt x="170821" y="5552906"/>
+                </a:cubicBezTo>
+                <a:cubicBezTo>
+                  <a:pt x="259109" y="5988893"/>
+                  <a:pt x="378967" y="6414594"/>
+                  <a:pt x="537265" y="6828295"/>
+                </a:cubicBezTo>
+                <a:lnTo>
+                  <a:pt x="549692" y="6858000"/>
+                </a:lnTo>
+                <a:lnTo>
+                  <a:pt x="602234" y="6858000"/>
+                </a:lnTo>
+                <a:lnTo>
+                  <a:pt x="595414" y="6841549"/>
+                </a:lnTo>
+                <a:cubicBezTo>
+                  <a:pt x="507884" y="6614016"/>
+                  <a:pt x="431296" y="6380817"/>
+                  <a:pt x="364260" y="6142729"/>
+                </a:cubicBezTo>
+                <a:cubicBezTo>
+                  <a:pt x="305974" y="5935370"/>
+                  <a:pt x="262958" y="5723695"/>
+                  <a:pt x="213071" y="5513923"/>
+                </a:cubicBezTo>
+                <a:cubicBezTo>
+                  <a:pt x="211892" y="5502788"/>
+                  <a:pt x="211299" y="5491601"/>
+                  <a:pt x="211290" y="5480401"/>
+                </a:cubicBezTo>
+                <a:cubicBezTo>
+                  <a:pt x="247814" y="5607635"/>
+                  <a:pt x="276958" y="5719759"/>
+                  <a:pt x="311446" y="5830359"/>
+                </a:cubicBezTo>
+                <a:cubicBezTo>
+                  <a:pt x="401357" y="6118381"/>
+                  <a:pt x="505060" y="6398531"/>
+                  <a:pt x="622963" y="6670527"/>
+                </a:cubicBezTo>
+                <a:lnTo>
+                  <a:pt x="710464" y="6858000"/>
+                </a:lnTo>
+                <a:lnTo>
+                  <a:pt x="7529613" y="6858000"/>
+                </a:lnTo>
+                <a:close/>
+              </a:path>
+            </a:pathLst>
+          </a:custGeom>
           <a:solidFill>
             <a:schemeClr val="accent2"/>
           </a:solidFill>
-          <a:ln>
+          <a:ln w="6857" cap="flat">
             <a:noFill/>
+            <a:prstDash val="solid"/>
+            <a:miter/>
+          </a:ln>
+        </p:spPr>
+        <p:txBody>
+          <a:bodyPr wrap="square" rtlCol="0" anchor="ctr">
+            <a:noAutofit/>
+          </a:bodyPr>
+          <a:lstStyle/>
+          <a:p>
+            <a:endParaRPr lang="en-US"/>
+          </a:p>
+        </p:txBody>
+      </p:sp>
+      <p:sp>
+        <p:nvSpPr>
+          <p:cNvPr id="2" name="Title 1">
+            <a:extLst>
+              <a:ext uri="{FF2B5EF4-FFF2-40B4-BE49-F238E27FC236}">
+                <a16:creationId xmlns:a16="http://schemas.microsoft.com/office/drawing/2014/main" id="{FF0B01F4-B259-70DA-5F7E-D2E7F7530F4D}"/>
+              </a:ext>
+            </a:extLst>
+          </p:cNvPr>
+          <p:cNvSpPr>
+            <a:spLocks noGrp="1"/>
+          </p:cNvSpPr>
+          <p:nvPr>
+            <p:ph type="title"/>
+          </p:nvPr>
+        </p:nvSpPr>
+        <p:spPr>
+          <a:xfrm>
+            <a:off x="5759354" y="457201"/>
+            <a:ext cx="5337270" cy="1835911"/>
+          </a:xfrm>
+        </p:spPr>
+        <p:txBody>
+          <a:bodyPr anchor="b">
+            <a:normAutofit/>
+          </a:bodyPr>
+          <a:lstStyle/>
+          <a:p>
+            <a:r>
+              <a:rPr lang="en-US" sz="5400" b="1">
+                <a:ln w="0"/>
+                <a:solidFill>
+                  <a:srgbClr val="FFFFFF"/>
+                </a:solidFill>
+                <a:effectLst>
+                  <a:outerShdw blurRad="38100" dist="25400" dir="5400000" algn="ctr" rotWithShape="0">
+                    <a:srgbClr val="6E747A">
+                      <a:alpha val="43000"/>
+                    </a:srgbClr>
+                  </a:outerShdw>
+                </a:effectLst>
+              </a:rPr>
+              <a:t>Possible ways</a:t>
+            </a:r>
+          </a:p>
+        </p:txBody>
+      </p:sp>
+      <p:sp>
+        <p:nvSpPr>
+          <p:cNvPr id="14" name="sketch line">
+            <a:extLst>
+              <a:ext uri="{FF2B5EF4-FFF2-40B4-BE49-F238E27FC236}">
+                <a16:creationId xmlns:a16="http://schemas.microsoft.com/office/drawing/2014/main" id="{49B530FE-A87D-41A0-A920-ADC6539EAA44}"/>
+              </a:ext>
+              <a:ext uri="{C183D7F6-B498-43B3-948B-1728B52AA6E4}">
+                <adec:decorative xmlns:adec="http://schemas.microsoft.com/office/drawing/2017/decorative" val="1"/>
+              </a:ext>
+            </a:extLst>
+          </p:cNvPr>
+          <p:cNvSpPr>
+            <a:spLocks noGrp="1" noRot="1" noChangeAspect="1" noMove="1" noResize="1" noEditPoints="1" noAdjustHandles="1" noChangeArrowheads="1" noChangeShapeType="1" noTextEdit="1"/>
+          </p:cNvSpPr>
+          <p:nvPr>
+            <p:extLst>
+              <p:ext uri="{386F3935-93C4-4BCD-93E2-E3B085C9AB24}">
+                <p16:designElem xmlns:p16="http://schemas.microsoft.com/office/powerpoint/2015/main" val="1"/>
+              </p:ext>
+            </p:extLst>
+          </p:nvPr>
+        </p:nvSpPr>
+        <p:spPr>
+          <a:xfrm>
+            <a:off x="5759353" y="2560829"/>
+            <a:ext cx="5029200" cy="18288"/>
+          </a:xfrm>
+          <a:custGeom>
+            <a:avLst/>
+            <a:gdLst>
+              <a:gd name="connsiteX0" fmla="*/ 0 w 5029200"/>
+              <a:gd name="connsiteY0" fmla="*/ 0 h 18288"/>
+              <a:gd name="connsiteX1" fmla="*/ 528066 w 5029200"/>
+              <a:gd name="connsiteY1" fmla="*/ 0 h 18288"/>
+              <a:gd name="connsiteX2" fmla="*/ 1207008 w 5029200"/>
+              <a:gd name="connsiteY2" fmla="*/ 0 h 18288"/>
+              <a:gd name="connsiteX3" fmla="*/ 1785366 w 5029200"/>
+              <a:gd name="connsiteY3" fmla="*/ 0 h 18288"/>
+              <a:gd name="connsiteX4" fmla="*/ 2313432 w 5029200"/>
+              <a:gd name="connsiteY4" fmla="*/ 0 h 18288"/>
+              <a:gd name="connsiteX5" fmla="*/ 2992374 w 5029200"/>
+              <a:gd name="connsiteY5" fmla="*/ 0 h 18288"/>
+              <a:gd name="connsiteX6" fmla="*/ 3621024 w 5029200"/>
+              <a:gd name="connsiteY6" fmla="*/ 0 h 18288"/>
+              <a:gd name="connsiteX7" fmla="*/ 4249674 w 5029200"/>
+              <a:gd name="connsiteY7" fmla="*/ 0 h 18288"/>
+              <a:gd name="connsiteX8" fmla="*/ 5029200 w 5029200"/>
+              <a:gd name="connsiteY8" fmla="*/ 0 h 18288"/>
+              <a:gd name="connsiteX9" fmla="*/ 5029200 w 5029200"/>
+              <a:gd name="connsiteY9" fmla="*/ 18288 h 18288"/>
+              <a:gd name="connsiteX10" fmla="*/ 4501134 w 5029200"/>
+              <a:gd name="connsiteY10" fmla="*/ 18288 h 18288"/>
+              <a:gd name="connsiteX11" fmla="*/ 4023360 w 5029200"/>
+              <a:gd name="connsiteY11" fmla="*/ 18288 h 18288"/>
+              <a:gd name="connsiteX12" fmla="*/ 3344418 w 5029200"/>
+              <a:gd name="connsiteY12" fmla="*/ 18288 h 18288"/>
+              <a:gd name="connsiteX13" fmla="*/ 2816352 w 5029200"/>
+              <a:gd name="connsiteY13" fmla="*/ 18288 h 18288"/>
+              <a:gd name="connsiteX14" fmla="*/ 2137410 w 5029200"/>
+              <a:gd name="connsiteY14" fmla="*/ 18288 h 18288"/>
+              <a:gd name="connsiteX15" fmla="*/ 1408176 w 5029200"/>
+              <a:gd name="connsiteY15" fmla="*/ 18288 h 18288"/>
+              <a:gd name="connsiteX16" fmla="*/ 829818 w 5029200"/>
+              <a:gd name="connsiteY16" fmla="*/ 18288 h 18288"/>
+              <a:gd name="connsiteX17" fmla="*/ 0 w 5029200"/>
+              <a:gd name="connsiteY17" fmla="*/ 18288 h 18288"/>
+              <a:gd name="connsiteX18" fmla="*/ 0 w 5029200"/>
+              <a:gd name="connsiteY18" fmla="*/ 0 h 18288"/>
+            </a:gdLst>
+            <a:ahLst/>
+            <a:cxnLst>
+              <a:cxn ang="0">
+                <a:pos x="connsiteX0" y="connsiteY0"/>
+              </a:cxn>
+              <a:cxn ang="0">
+                <a:pos x="connsiteX1" y="connsiteY1"/>
+              </a:cxn>
+              <a:cxn ang="0">
+                <a:pos x="connsiteX2" y="connsiteY2"/>
+              </a:cxn>
+              <a:cxn ang="0">
+                <a:pos x="connsiteX3" y="connsiteY3"/>
+              </a:cxn>
+              <a:cxn ang="0">
+                <a:pos x="connsiteX4" y="connsiteY4"/>
+              </a:cxn>
+              <a:cxn ang="0">
+                <a:pos x="connsiteX5" y="connsiteY5"/>
+              </a:cxn>
+              <a:cxn ang="0">
+                <a:pos x="connsiteX6" y="connsiteY6"/>
+              </a:cxn>
+              <a:cxn ang="0">
+                <a:pos x="connsiteX7" y="connsiteY7"/>
+              </a:cxn>
+              <a:cxn ang="0">
+                <a:pos x="connsiteX8" y="connsiteY8"/>
+              </a:cxn>
+              <a:cxn ang="0">
+                <a:pos x="connsiteX9" y="connsiteY9"/>
+              </a:cxn>
+              <a:cxn ang="0">
+                <a:pos x="connsiteX10" y="connsiteY10"/>
+              </a:cxn>
+              <a:cxn ang="0">
+                <a:pos x="connsiteX11" y="connsiteY11"/>
+              </a:cxn>
+              <a:cxn ang="0">
+                <a:pos x="connsiteX12" y="connsiteY12"/>
+              </a:cxn>
+              <a:cxn ang="0">
+                <a:pos x="connsiteX13" y="connsiteY13"/>
+              </a:cxn>
+              <a:cxn ang="0">
+                <a:pos x="connsiteX14" y="connsiteY14"/>
+              </a:cxn>
+              <a:cxn ang="0">
+                <a:pos x="connsiteX15" y="connsiteY15"/>
+              </a:cxn>
+              <a:cxn ang="0">
+                <a:pos x="connsiteX16" y="connsiteY16"/>
+              </a:cxn>
+              <a:cxn ang="0">
+                <a:pos x="connsiteX17" y="connsiteY17"/>
+              </a:cxn>
+              <a:cxn ang="0">
+                <a:pos x="connsiteX18" y="connsiteY18"/>
+              </a:cxn>
+            </a:cxnLst>
+            <a:rect l="l" t="t" r="r" b="b"/>
+            <a:pathLst>
+              <a:path w="5029200" h="18288" fill="none" extrusionOk="0">
+                <a:moveTo>
+                  <a:pt x="0" y="0"/>
+                </a:moveTo>
+                <a:cubicBezTo>
+                  <a:pt x="142937" y="1696"/>
+                  <a:pt x="371859" y="12840"/>
+                  <a:pt x="528066" y="0"/>
+                </a:cubicBezTo>
+                <a:cubicBezTo>
+                  <a:pt x="684273" y="-12840"/>
+                  <a:pt x="928949" y="-5725"/>
+                  <a:pt x="1207008" y="0"/>
+                </a:cubicBezTo>
+                <a:cubicBezTo>
+                  <a:pt x="1485067" y="5725"/>
+                  <a:pt x="1562886" y="-21331"/>
+                  <a:pt x="1785366" y="0"/>
+                </a:cubicBezTo>
+                <a:cubicBezTo>
+                  <a:pt x="2007846" y="21331"/>
+                  <a:pt x="2056226" y="25221"/>
+                  <a:pt x="2313432" y="0"/>
+                </a:cubicBezTo>
+                <a:cubicBezTo>
+                  <a:pt x="2570638" y="-25221"/>
+                  <a:pt x="2732455" y="16294"/>
+                  <a:pt x="2992374" y="0"/>
+                </a:cubicBezTo>
+                <a:cubicBezTo>
+                  <a:pt x="3252293" y="-16294"/>
+                  <a:pt x="3319267" y="-29774"/>
+                  <a:pt x="3621024" y="0"/>
+                </a:cubicBezTo>
+                <a:cubicBezTo>
+                  <a:pt x="3922781" y="29774"/>
+                  <a:pt x="3998107" y="-1004"/>
+                  <a:pt x="4249674" y="0"/>
+                </a:cubicBezTo>
+                <a:cubicBezTo>
+                  <a:pt x="4501241" y="1004"/>
+                  <a:pt x="4792523" y="-4510"/>
+                  <a:pt x="5029200" y="0"/>
+                </a:cubicBezTo>
+                <a:cubicBezTo>
+                  <a:pt x="5029730" y="6954"/>
+                  <a:pt x="5029934" y="12839"/>
+                  <a:pt x="5029200" y="18288"/>
+                </a:cubicBezTo>
+                <a:cubicBezTo>
+                  <a:pt x="4805432" y="23154"/>
+                  <a:pt x="4715801" y="17034"/>
+                  <a:pt x="4501134" y="18288"/>
+                </a:cubicBezTo>
+                <a:cubicBezTo>
+                  <a:pt x="4286467" y="19542"/>
+                  <a:pt x="4193719" y="41701"/>
+                  <a:pt x="4023360" y="18288"/>
+                </a:cubicBezTo>
+                <a:cubicBezTo>
+                  <a:pt x="3853001" y="-5125"/>
+                  <a:pt x="3676466" y="16909"/>
+                  <a:pt x="3344418" y="18288"/>
+                </a:cubicBezTo>
+                <a:cubicBezTo>
+                  <a:pt x="3012370" y="19667"/>
+                  <a:pt x="2945824" y="14410"/>
+                  <a:pt x="2816352" y="18288"/>
+                </a:cubicBezTo>
+                <a:cubicBezTo>
+                  <a:pt x="2686880" y="22166"/>
+                  <a:pt x="2438351" y="13507"/>
+                  <a:pt x="2137410" y="18288"/>
+                </a:cubicBezTo>
+                <a:cubicBezTo>
+                  <a:pt x="1836469" y="23069"/>
+                  <a:pt x="1581391" y="46111"/>
+                  <a:pt x="1408176" y="18288"/>
+                </a:cubicBezTo>
+                <a:cubicBezTo>
+                  <a:pt x="1234961" y="-9535"/>
+                  <a:pt x="1040489" y="-7495"/>
+                  <a:pt x="829818" y="18288"/>
+                </a:cubicBezTo>
+                <a:cubicBezTo>
+                  <a:pt x="619147" y="44071"/>
+                  <a:pt x="238626" y="37568"/>
+                  <a:pt x="0" y="18288"/>
+                </a:cubicBezTo>
+                <a:cubicBezTo>
+                  <a:pt x="-570" y="9279"/>
+                  <a:pt x="132" y="5100"/>
+                  <a:pt x="0" y="0"/>
+                </a:cubicBezTo>
+                <a:close/>
+              </a:path>
+              <a:path w="5029200" h="18288" stroke="0" extrusionOk="0">
+                <a:moveTo>
+                  <a:pt x="0" y="0"/>
+                </a:moveTo>
+                <a:cubicBezTo>
+                  <a:pt x="165412" y="-21137"/>
+                  <a:pt x="322344" y="-21985"/>
+                  <a:pt x="578358" y="0"/>
+                </a:cubicBezTo>
+                <a:cubicBezTo>
+                  <a:pt x="834372" y="21985"/>
+                  <a:pt x="907099" y="-19195"/>
+                  <a:pt x="1056132" y="0"/>
+                </a:cubicBezTo>
+                <a:cubicBezTo>
+                  <a:pt x="1205165" y="19195"/>
+                  <a:pt x="1612834" y="-24928"/>
+                  <a:pt x="1785366" y="0"/>
+                </a:cubicBezTo>
+                <a:cubicBezTo>
+                  <a:pt x="1957898" y="24928"/>
+                  <a:pt x="2149044" y="19108"/>
+                  <a:pt x="2363724" y="0"/>
+                </a:cubicBezTo>
+                <a:cubicBezTo>
+                  <a:pt x="2578404" y="-19108"/>
+                  <a:pt x="2759981" y="-21788"/>
+                  <a:pt x="2942082" y="0"/>
+                </a:cubicBezTo>
+                <a:cubicBezTo>
+                  <a:pt x="3124183" y="21788"/>
+                  <a:pt x="3482217" y="8836"/>
+                  <a:pt x="3671316" y="0"/>
+                </a:cubicBezTo>
+                <a:cubicBezTo>
+                  <a:pt x="3860415" y="-8836"/>
+                  <a:pt x="4058665" y="-25048"/>
+                  <a:pt x="4199382" y="0"/>
+                </a:cubicBezTo>
+                <a:cubicBezTo>
+                  <a:pt x="4340099" y="25048"/>
+                  <a:pt x="4735096" y="-22088"/>
+                  <a:pt x="5029200" y="0"/>
+                </a:cubicBezTo>
+                <a:cubicBezTo>
+                  <a:pt x="5028517" y="5414"/>
+                  <a:pt x="5028480" y="12510"/>
+                  <a:pt x="5029200" y="18288"/>
+                </a:cubicBezTo>
+                <a:cubicBezTo>
+                  <a:pt x="4891577" y="31493"/>
+                  <a:pt x="4684146" y="-2509"/>
+                  <a:pt x="4501134" y="18288"/>
+                </a:cubicBezTo>
+                <a:cubicBezTo>
+                  <a:pt x="4318122" y="39085"/>
+                  <a:pt x="4030703" y="3672"/>
+                  <a:pt x="3872484" y="18288"/>
+                </a:cubicBezTo>
+                <a:cubicBezTo>
+                  <a:pt x="3714265" y="32905"/>
+                  <a:pt x="3546134" y="7501"/>
+                  <a:pt x="3294126" y="18288"/>
+                </a:cubicBezTo>
+                <a:cubicBezTo>
+                  <a:pt x="3042118" y="29075"/>
+                  <a:pt x="2912116" y="11153"/>
+                  <a:pt x="2564892" y="18288"/>
+                </a:cubicBezTo>
+                <a:cubicBezTo>
+                  <a:pt x="2217668" y="25423"/>
+                  <a:pt x="2095118" y="11659"/>
+                  <a:pt x="1835658" y="18288"/>
+                </a:cubicBezTo>
+                <a:cubicBezTo>
+                  <a:pt x="1576198" y="24917"/>
+                  <a:pt x="1500897" y="19889"/>
+                  <a:pt x="1307592" y="18288"/>
+                </a:cubicBezTo>
+                <a:cubicBezTo>
+                  <a:pt x="1114287" y="16687"/>
+                  <a:pt x="961527" y="47453"/>
+                  <a:pt x="678942" y="18288"/>
+                </a:cubicBezTo>
+                <a:cubicBezTo>
+                  <a:pt x="396357" y="-10877"/>
+                  <a:pt x="271066" y="23005"/>
+                  <a:pt x="0" y="18288"/>
+                </a:cubicBezTo>
+                <a:cubicBezTo>
+                  <a:pt x="-306" y="11061"/>
+                  <a:pt x="-655" y="7751"/>
+                  <a:pt x="0" y="0"/>
+                </a:cubicBezTo>
+                <a:close/>
+              </a:path>
+            </a:pathLst>
+          </a:custGeom>
+          <a:solidFill>
+            <a:srgbClr val="FFFFFF"/>
+          </a:solidFill>
+          <a:ln w="38100" cap="rnd">
+            <a:solidFill>
+              <a:srgbClr val="FFFFFF"/>
+            </a:solidFill>
+            <a:round/>
+            <a:extLst>
+              <a:ext uri="{C807C97D-BFC1-408E-A445-0C87EB9F89A2}">
+                <ask:lineSketchStyleProps xmlns:ask="http://schemas.microsoft.com/office/drawing/2018/sketchyshapes" sd="1219033472">
+                  <a:prstGeom prst="rect">
+                    <a:avLst/>
+                  </a:prstGeom>
+                  <ask:type>
+                    <ask:lineSketchFreehand/>
+                  </ask:type>
+                </ask:lineSketchStyleProps>
+              </a:ext>
+            </a:extLst>
           </a:ln>
         </p:spPr>
         <p:style>
@@ -9743,1020 +12012,107 @@
       </p:sp>
       <p:sp>
         <p:nvSpPr>
-          <p:cNvPr id="45" name="Freeform: Shape 44">
+          <p:cNvPr id="3" name="Content Placeholder 2">
             <a:extLst>
               <a:ext uri="{FF2B5EF4-FFF2-40B4-BE49-F238E27FC236}">
-                <a16:creationId xmlns:a16="http://schemas.microsoft.com/office/drawing/2014/main" id="{A5D2A5D1-BA0D-47D3-B051-DA7743C46E28}"/>
-              </a:ext>
-              <a:ext uri="{C183D7F6-B498-43B3-948B-1728B52AA6E4}">
-                <adec:decorative xmlns:adec="http://schemas.microsoft.com/office/drawing/2017/decorative" val="1"/>
+                <a16:creationId xmlns:a16="http://schemas.microsoft.com/office/drawing/2014/main" id="{A819B0BB-BF7C-BB81-24FF-5FFE214138D9}"/>
               </a:ext>
             </a:extLst>
           </p:cNvPr>
           <p:cNvSpPr>
-            <a:spLocks noGrp="1" noRot="1" noChangeAspect="1" noMove="1" noResize="1" noEditPoints="1" noAdjustHandles="1" noChangeArrowheads="1" noChangeShapeType="1" noTextEdit="1"/>
+            <a:spLocks noGrp="1"/>
           </p:cNvSpPr>
           <p:nvPr>
-            <p:extLst>
-              <p:ext uri="{386F3935-93C4-4BCD-93E2-E3B085C9AB24}">
-                <p16:designElem xmlns:p16="http://schemas.microsoft.com/office/powerpoint/2015/main" val="1"/>
-              </p:ext>
-            </p:extLst>
+            <p:ph idx="1"/>
           </p:nvPr>
         </p:nvSpPr>
         <p:spPr>
           <a:xfrm>
-            <a:off x="0" y="0"/>
-            <a:ext cx="12192000" cy="6219825"/>
+            <a:off x="5759354" y="2798064"/>
+            <a:ext cx="5461095" cy="3417611"/>
           </a:xfrm>
-          <a:custGeom>
-            <a:avLst/>
-            <a:gdLst>
-              <a:gd name="connsiteX0" fmla="*/ 6789701 w 12192000"/>
-              <a:gd name="connsiteY0" fmla="*/ 6151588 h 6219825"/>
-              <a:gd name="connsiteX1" fmla="*/ 6788702 w 12192000"/>
-              <a:gd name="connsiteY1" fmla="*/ 6151666 h 6219825"/>
-              <a:gd name="connsiteX2" fmla="*/ 6788476 w 12192000"/>
-              <a:gd name="connsiteY2" fmla="*/ 6152200 h 6219825"/>
-              <a:gd name="connsiteX3" fmla="*/ 9834 w 12192000"/>
-              <a:gd name="connsiteY3" fmla="*/ 0 h 6219825"/>
-              <a:gd name="connsiteX4" fmla="*/ 12357 w 12192000"/>
-              <a:gd name="connsiteY4" fmla="*/ 1 h 6219825"/>
-              <a:gd name="connsiteX5" fmla="*/ 12192000 w 12192000"/>
-              <a:gd name="connsiteY5" fmla="*/ 1 h 6219825"/>
-              <a:gd name="connsiteX6" fmla="*/ 12192000 w 12192000"/>
-              <a:gd name="connsiteY6" fmla="*/ 5105401 h 6219825"/>
-              <a:gd name="connsiteX7" fmla="*/ 12191716 w 12192000"/>
-              <a:gd name="connsiteY7" fmla="*/ 5105401 h 6219825"/>
-              <a:gd name="connsiteX8" fmla="*/ 12192000 w 12192000"/>
-              <a:gd name="connsiteY8" fmla="*/ 5256977 h 6219825"/>
-              <a:gd name="connsiteX9" fmla="*/ 12061096 w 12192000"/>
-              <a:gd name="connsiteY9" fmla="*/ 5296034 h 6219825"/>
-              <a:gd name="connsiteX10" fmla="*/ 11676800 w 12192000"/>
-              <a:gd name="connsiteY10" fmla="*/ 5399652 h 6219825"/>
-              <a:gd name="connsiteX11" fmla="*/ 10425355 w 12192000"/>
-              <a:gd name="connsiteY11" fmla="*/ 5683310 h 6219825"/>
-              <a:gd name="connsiteX12" fmla="*/ 9424022 w 12192000"/>
-              <a:gd name="connsiteY12" fmla="*/ 5858546 h 6219825"/>
-              <a:gd name="connsiteX13" fmla="*/ 8458419 w 12192000"/>
-              <a:gd name="connsiteY13" fmla="*/ 5992303 h 6219825"/>
-              <a:gd name="connsiteX14" fmla="*/ 7715970 w 12192000"/>
-              <a:gd name="connsiteY14" fmla="*/ 6072283 h 6219825"/>
-              <a:gd name="connsiteX15" fmla="*/ 6951716 w 12192000"/>
-              <a:gd name="connsiteY15" fmla="*/ 6138091 h 6219825"/>
-              <a:gd name="connsiteX16" fmla="*/ 6936303 w 12192000"/>
-              <a:gd name="connsiteY16" fmla="*/ 6140163 h 6219825"/>
-              <a:gd name="connsiteX17" fmla="*/ 6790448 w 12192000"/>
-              <a:gd name="connsiteY17" fmla="*/ 6151529 h 6219825"/>
-              <a:gd name="connsiteX18" fmla="*/ 6799941 w 12192000"/>
-              <a:gd name="connsiteY18" fmla="*/ 6153349 h 6219825"/>
-              <a:gd name="connsiteX19" fmla="*/ 6835432 w 12192000"/>
-              <a:gd name="connsiteY19" fmla="*/ 6151642 h 6219825"/>
-              <a:gd name="connsiteX20" fmla="*/ 6884003 w 12192000"/>
-              <a:gd name="connsiteY20" fmla="*/ 6148662 h 6219825"/>
-              <a:gd name="connsiteX21" fmla="*/ 7578771 w 12192000"/>
-              <a:gd name="connsiteY21" fmla="*/ 6116122 h 6219825"/>
-              <a:gd name="connsiteX22" fmla="*/ 8623845 w 12192000"/>
-              <a:gd name="connsiteY22" fmla="*/ 6029188 h 6219825"/>
-              <a:gd name="connsiteX23" fmla="*/ 9479970 w 12192000"/>
-              <a:gd name="connsiteY23" fmla="*/ 5925239 h 6219825"/>
-              <a:gd name="connsiteX24" fmla="*/ 10629308 w 12192000"/>
-              <a:gd name="connsiteY24" fmla="*/ 5731000 h 6219825"/>
-              <a:gd name="connsiteX25" fmla="*/ 11998498 w 12192000"/>
-              <a:gd name="connsiteY25" fmla="*/ 5404869 h 6219825"/>
-              <a:gd name="connsiteX26" fmla="*/ 12192000 w 12192000"/>
-              <a:gd name="connsiteY26" fmla="*/ 5347846 h 6219825"/>
-              <a:gd name="connsiteX27" fmla="*/ 12192000 w 12192000"/>
-              <a:gd name="connsiteY27" fmla="*/ 5402606 h 6219825"/>
-              <a:gd name="connsiteX28" fmla="*/ 11829257 w 12192000"/>
-              <a:gd name="connsiteY28" fmla="*/ 5507950 h 6219825"/>
-              <a:gd name="connsiteX29" fmla="*/ 10939183 w 12192000"/>
-              <a:gd name="connsiteY29" fmla="*/ 5722555 h 6219825"/>
-              <a:gd name="connsiteX30" fmla="*/ 9985530 w 12192000"/>
-              <a:gd name="connsiteY30" fmla="*/ 5902635 h 6219825"/>
-              <a:gd name="connsiteX31" fmla="*/ 9186882 w 12192000"/>
-              <a:gd name="connsiteY31" fmla="*/ 6018631 h 6219825"/>
-              <a:gd name="connsiteX32" fmla="*/ 8578198 w 12192000"/>
-              <a:gd name="connsiteY32" fmla="*/ 6088179 h 6219825"/>
-              <a:gd name="connsiteX33" fmla="*/ 7864358 w 12192000"/>
-              <a:gd name="connsiteY33" fmla="*/ 6149656 h 6219825"/>
-              <a:gd name="connsiteX34" fmla="*/ 6935502 w 12192000"/>
-              <a:gd name="connsiteY34" fmla="*/ 6201071 h 6219825"/>
-              <a:gd name="connsiteX35" fmla="*/ 6477750 w 12192000"/>
-              <a:gd name="connsiteY35" fmla="*/ 6214980 h 6219825"/>
-              <a:gd name="connsiteX36" fmla="*/ 6362294 w 12192000"/>
-              <a:gd name="connsiteY36" fmla="*/ 6219825 h 6219825"/>
-              <a:gd name="connsiteX37" fmla="*/ 6057129 w 12192000"/>
-              <a:gd name="connsiteY37" fmla="*/ 6219825 h 6219825"/>
-              <a:gd name="connsiteX38" fmla="*/ 5977784 w 12192000"/>
-              <a:gd name="connsiteY38" fmla="*/ 6215229 h 6219825"/>
-              <a:gd name="connsiteX39" fmla="*/ 5265087 w 12192000"/>
-              <a:gd name="connsiteY39" fmla="*/ 6178965 h 6219825"/>
-              <a:gd name="connsiteX40" fmla="*/ 4346277 w 12192000"/>
-              <a:gd name="connsiteY40" fmla="*/ 6116869 h 6219825"/>
-              <a:gd name="connsiteX41" fmla="*/ 3373045 w 12192000"/>
-              <a:gd name="connsiteY41" fmla="*/ 6018259 h 6219825"/>
-              <a:gd name="connsiteX42" fmla="*/ 2362173 w 12192000"/>
-              <a:gd name="connsiteY42" fmla="*/ 5899282 h 6219825"/>
-              <a:gd name="connsiteX43" fmla="*/ 1233178 w 12192000"/>
-              <a:gd name="connsiteY43" fmla="*/ 5726033 h 6219825"/>
-              <a:gd name="connsiteX44" fmla="*/ 68500 w 12192000"/>
-              <a:gd name="connsiteY44" fmla="*/ 5486226 h 6219825"/>
-              <a:gd name="connsiteX45" fmla="*/ 0 w 12192000"/>
-              <a:gd name="connsiteY45" fmla="*/ 5468863 h 6219825"/>
-              <a:gd name="connsiteX46" fmla="*/ 0 w 12192000"/>
-              <a:gd name="connsiteY46" fmla="*/ 5412351 h 6219825"/>
-              <a:gd name="connsiteX47" fmla="*/ 72441 w 12192000"/>
-              <a:gd name="connsiteY47" fmla="*/ 5431135 h 6219825"/>
-              <a:gd name="connsiteX48" fmla="*/ 600716 w 12192000"/>
-              <a:gd name="connsiteY48" fmla="*/ 5549555 h 6219825"/>
-              <a:gd name="connsiteX49" fmla="*/ 1769512 w 12192000"/>
-              <a:gd name="connsiteY49" fmla="*/ 5759811 h 6219825"/>
-              <a:gd name="connsiteX50" fmla="*/ 2613554 w 12192000"/>
-              <a:gd name="connsiteY50" fmla="*/ 5876802 h 6219825"/>
-              <a:gd name="connsiteX51" fmla="*/ 2581134 w 12192000"/>
-              <a:gd name="connsiteY51" fmla="*/ 5866867 h 6219825"/>
-              <a:gd name="connsiteX52" fmla="*/ 1112635 w 12192000"/>
-              <a:gd name="connsiteY52" fmla="*/ 5534031 h 6219825"/>
-              <a:gd name="connsiteX53" fmla="*/ 420412 w 12192000"/>
-              <a:gd name="connsiteY53" fmla="*/ 5334514 h 6219825"/>
-              <a:gd name="connsiteX54" fmla="*/ 0 w 12192000"/>
-              <a:gd name="connsiteY54" fmla="*/ 5195539 h 6219825"/>
-              <a:gd name="connsiteX55" fmla="*/ 60 w 12192000"/>
-              <a:gd name="connsiteY55" fmla="*/ 5105401 h 6219825"/>
-              <a:gd name="connsiteX56" fmla="*/ 0 w 12192000"/>
-              <a:gd name="connsiteY56" fmla="*/ 5105401 h 6219825"/>
-              <a:gd name="connsiteX57" fmla="*/ 0 w 12192000"/>
-              <a:gd name="connsiteY57" fmla="*/ 1 h 6219825"/>
-              <a:gd name="connsiteX58" fmla="*/ 9834 w 12192000"/>
-              <a:gd name="connsiteY58" fmla="*/ 1 h 6219825"/>
-            </a:gdLst>
-            <a:ahLst/>
-            <a:cxnLst>
-              <a:cxn ang="0">
-                <a:pos x="connsiteX0" y="connsiteY0"/>
-              </a:cxn>
-              <a:cxn ang="0">
-                <a:pos x="connsiteX1" y="connsiteY1"/>
-              </a:cxn>
-              <a:cxn ang="0">
-                <a:pos x="connsiteX2" y="connsiteY2"/>
-              </a:cxn>
-              <a:cxn ang="0">
-                <a:pos x="connsiteX3" y="connsiteY3"/>
-              </a:cxn>
-              <a:cxn ang="0">
-                <a:pos x="connsiteX4" y="connsiteY4"/>
-              </a:cxn>
-              <a:cxn ang="0">
-                <a:pos x="connsiteX5" y="connsiteY5"/>
-              </a:cxn>
-              <a:cxn ang="0">
-                <a:pos x="connsiteX6" y="connsiteY6"/>
-              </a:cxn>
-              <a:cxn ang="0">
-                <a:pos x="connsiteX7" y="connsiteY7"/>
-              </a:cxn>
-              <a:cxn ang="0">
-                <a:pos x="connsiteX8" y="connsiteY8"/>
-              </a:cxn>
-              <a:cxn ang="0">
-                <a:pos x="connsiteX9" y="connsiteY9"/>
-              </a:cxn>
-              <a:cxn ang="0">
-                <a:pos x="connsiteX10" y="connsiteY10"/>
-              </a:cxn>
-              <a:cxn ang="0">
-                <a:pos x="connsiteX11" y="connsiteY11"/>
-              </a:cxn>
-              <a:cxn ang="0">
-                <a:pos x="connsiteX12" y="connsiteY12"/>
-              </a:cxn>
-              <a:cxn ang="0">
-                <a:pos x="connsiteX13" y="connsiteY13"/>
-              </a:cxn>
-              <a:cxn ang="0">
-                <a:pos x="connsiteX14" y="connsiteY14"/>
-              </a:cxn>
-              <a:cxn ang="0">
-                <a:pos x="connsiteX15" y="connsiteY15"/>
-              </a:cxn>
-              <a:cxn ang="0">
-                <a:pos x="connsiteX16" y="connsiteY16"/>
-              </a:cxn>
-              <a:cxn ang="0">
-                <a:pos x="connsiteX17" y="connsiteY17"/>
-              </a:cxn>
-              <a:cxn ang="0">
-                <a:pos x="connsiteX18" y="connsiteY18"/>
-              </a:cxn>
-              <a:cxn ang="0">
-                <a:pos x="connsiteX19" y="connsiteY19"/>
-              </a:cxn>
-              <a:cxn ang="0">
-                <a:pos x="connsiteX20" y="connsiteY20"/>
-              </a:cxn>
-              <a:cxn ang="0">
-                <a:pos x="connsiteX21" y="connsiteY21"/>
-              </a:cxn>
-              <a:cxn ang="0">
-                <a:pos x="connsiteX22" y="connsiteY22"/>
-              </a:cxn>
-              <a:cxn ang="0">
-                <a:pos x="connsiteX23" y="connsiteY23"/>
-              </a:cxn>
-              <a:cxn ang="0">
-                <a:pos x="connsiteX24" y="connsiteY24"/>
-              </a:cxn>
-              <a:cxn ang="0">
-                <a:pos x="connsiteX25" y="connsiteY25"/>
-              </a:cxn>
-              <a:cxn ang="0">
-                <a:pos x="connsiteX26" y="connsiteY26"/>
-              </a:cxn>
-              <a:cxn ang="0">
-                <a:pos x="connsiteX27" y="connsiteY27"/>
-              </a:cxn>
-              <a:cxn ang="0">
-                <a:pos x="connsiteX28" y="connsiteY28"/>
-              </a:cxn>
-              <a:cxn ang="0">
-                <a:pos x="connsiteX29" y="connsiteY29"/>
-              </a:cxn>
-              <a:cxn ang="0">
-                <a:pos x="connsiteX30" y="connsiteY30"/>
-              </a:cxn>
-              <a:cxn ang="0">
-                <a:pos x="connsiteX31" y="connsiteY31"/>
-              </a:cxn>
-              <a:cxn ang="0">
-                <a:pos x="connsiteX32" y="connsiteY32"/>
-              </a:cxn>
-              <a:cxn ang="0">
-                <a:pos x="connsiteX33" y="connsiteY33"/>
-              </a:cxn>
-              <a:cxn ang="0">
-                <a:pos x="connsiteX34" y="connsiteY34"/>
-              </a:cxn>
-              <a:cxn ang="0">
-                <a:pos x="connsiteX35" y="connsiteY35"/>
-              </a:cxn>
-              <a:cxn ang="0">
-                <a:pos x="connsiteX36" y="connsiteY36"/>
-              </a:cxn>
-              <a:cxn ang="0">
-                <a:pos x="connsiteX37" y="connsiteY37"/>
-              </a:cxn>
-              <a:cxn ang="0">
-                <a:pos x="connsiteX38" y="connsiteY38"/>
-              </a:cxn>
-              <a:cxn ang="0">
-                <a:pos x="connsiteX39" y="connsiteY39"/>
-              </a:cxn>
-              <a:cxn ang="0">
-                <a:pos x="connsiteX40" y="connsiteY40"/>
-              </a:cxn>
-              <a:cxn ang="0">
-                <a:pos x="connsiteX41" y="connsiteY41"/>
-              </a:cxn>
-              <a:cxn ang="0">
-                <a:pos x="connsiteX42" y="connsiteY42"/>
-              </a:cxn>
-              <a:cxn ang="0">
-                <a:pos x="connsiteX43" y="connsiteY43"/>
-              </a:cxn>
-              <a:cxn ang="0">
-                <a:pos x="connsiteX44" y="connsiteY44"/>
-              </a:cxn>
-              <a:cxn ang="0">
-                <a:pos x="connsiteX45" y="connsiteY45"/>
-              </a:cxn>
-              <a:cxn ang="0">
-                <a:pos x="connsiteX46" y="connsiteY46"/>
-              </a:cxn>
-              <a:cxn ang="0">
-                <a:pos x="connsiteX47" y="connsiteY47"/>
-              </a:cxn>
-              <a:cxn ang="0">
-                <a:pos x="connsiteX48" y="connsiteY48"/>
-              </a:cxn>
-              <a:cxn ang="0">
-                <a:pos x="connsiteX49" y="connsiteY49"/>
-              </a:cxn>
-              <a:cxn ang="0">
-                <a:pos x="connsiteX50" y="connsiteY50"/>
-              </a:cxn>
-              <a:cxn ang="0">
-                <a:pos x="connsiteX51" y="connsiteY51"/>
-              </a:cxn>
-              <a:cxn ang="0">
-                <a:pos x="connsiteX52" y="connsiteY52"/>
-              </a:cxn>
-              <a:cxn ang="0">
-                <a:pos x="connsiteX53" y="connsiteY53"/>
-              </a:cxn>
-              <a:cxn ang="0">
-                <a:pos x="connsiteX54" y="connsiteY54"/>
-              </a:cxn>
-              <a:cxn ang="0">
-                <a:pos x="connsiteX55" y="connsiteY55"/>
-              </a:cxn>
-              <a:cxn ang="0">
-                <a:pos x="connsiteX56" y="connsiteY56"/>
-              </a:cxn>
-              <a:cxn ang="0">
-                <a:pos x="connsiteX57" y="connsiteY57"/>
-              </a:cxn>
-              <a:cxn ang="0">
-                <a:pos x="connsiteX58" y="connsiteY58"/>
-              </a:cxn>
-            </a:cxnLst>
-            <a:rect l="l" t="t" r="r" b="b"/>
-            <a:pathLst>
-              <a:path w="12192000" h="6219825">
-                <a:moveTo>
-                  <a:pt x="6789701" y="6151588"/>
-                </a:moveTo>
-                <a:lnTo>
-                  <a:pt x="6788702" y="6151666"/>
-                </a:lnTo>
-                <a:cubicBezTo>
-                  <a:pt x="6788627" y="6151844"/>
-                  <a:pt x="6788551" y="6152022"/>
-                  <a:pt x="6788476" y="6152200"/>
-                </a:cubicBezTo>
-                <a:close/>
-                <a:moveTo>
-                  <a:pt x="9834" y="0"/>
-                </a:moveTo>
-                <a:lnTo>
-                  <a:pt x="12357" y="1"/>
-                </a:lnTo>
-                <a:lnTo>
-                  <a:pt x="12192000" y="1"/>
-                </a:lnTo>
-                <a:lnTo>
-                  <a:pt x="12192000" y="5105401"/>
-                </a:lnTo>
-                <a:lnTo>
-                  <a:pt x="12191716" y="5105401"/>
-                </a:lnTo>
-                <a:lnTo>
-                  <a:pt x="12192000" y="5256977"/>
-                </a:lnTo>
-                <a:lnTo>
-                  <a:pt x="12061096" y="5296034"/>
-                </a:lnTo>
-                <a:cubicBezTo>
-                  <a:pt x="11933500" y="5332263"/>
-                  <a:pt x="11805390" y="5366806"/>
-                  <a:pt x="11676800" y="5399652"/>
-                </a:cubicBezTo>
-                <a:cubicBezTo>
-                  <a:pt x="11262789" y="5507204"/>
-                  <a:pt x="10845343" y="5600846"/>
-                  <a:pt x="10425355" y="5683310"/>
-                </a:cubicBezTo>
-                <a:cubicBezTo>
-                  <a:pt x="10092810" y="5748549"/>
-                  <a:pt x="9759033" y="5806970"/>
-                  <a:pt x="9424022" y="5858546"/>
-                </a:cubicBezTo>
-                <a:cubicBezTo>
-                  <a:pt x="9102997" y="5908224"/>
-                  <a:pt x="8781133" y="5952809"/>
-                  <a:pt x="8458419" y="5992303"/>
-                </a:cubicBezTo>
-                <a:cubicBezTo>
-                  <a:pt x="8211360" y="6022481"/>
-                  <a:pt x="7963792" y="6048065"/>
-                  <a:pt x="7715970" y="6072283"/>
-                </a:cubicBezTo>
-                <a:lnTo>
-                  <a:pt x="6951716" y="6138091"/>
-                </a:lnTo>
-                <a:lnTo>
-                  <a:pt x="6936303" y="6140163"/>
-                </a:lnTo>
-                <a:lnTo>
-                  <a:pt x="6790448" y="6151529"/>
-                </a:lnTo>
-                <a:lnTo>
-                  <a:pt x="6799941" y="6153349"/>
-                </a:lnTo>
-                <a:cubicBezTo>
-                  <a:pt x="6811623" y="6153816"/>
-                  <a:pt x="6823734" y="6151642"/>
-                  <a:pt x="6835432" y="6151642"/>
-                </a:cubicBezTo>
-                <a:cubicBezTo>
-                  <a:pt x="6851580" y="6151642"/>
-                  <a:pt x="6867729" y="6149034"/>
-                  <a:pt x="6884003" y="6148662"/>
-                </a:cubicBezTo>
-                <a:cubicBezTo>
-                  <a:pt x="7115805" y="6143198"/>
-                  <a:pt x="7347351" y="6131026"/>
-                  <a:pt x="7578771" y="6116122"/>
-                </a:cubicBezTo>
-                <a:cubicBezTo>
-                  <a:pt x="7927552" y="6093644"/>
-                  <a:pt x="8276080" y="6065453"/>
-                  <a:pt x="8623845" y="6029188"/>
-                </a:cubicBezTo>
-                <a:cubicBezTo>
-                  <a:pt x="8909939" y="5999878"/>
-                  <a:pt x="9195310" y="5965228"/>
-                  <a:pt x="9479970" y="5925239"/>
-                </a:cubicBezTo>
-                <a:cubicBezTo>
-                  <a:pt x="9864901" y="5870842"/>
-                  <a:pt x="10248014" y="5806101"/>
-                  <a:pt x="10629308" y="5731000"/>
-                </a:cubicBezTo>
-                <a:cubicBezTo>
-                  <a:pt x="11090114" y="5639842"/>
-                  <a:pt x="11546975" y="5532291"/>
-                  <a:pt x="11998498" y="5404869"/>
-                </a:cubicBezTo>
-                <a:lnTo>
-                  <a:pt x="12192000" y="5347846"/>
-                </a:lnTo>
-                <a:lnTo>
-                  <a:pt x="12192000" y="5402606"/>
-                </a:lnTo>
-                <a:lnTo>
-                  <a:pt x="11829257" y="5507950"/>
-                </a:lnTo>
-                <a:cubicBezTo>
-                  <a:pt x="11534769" y="5587680"/>
-                  <a:pt x="11238120" y="5658596"/>
-                  <a:pt x="10939183" y="5722555"/>
-                </a:cubicBezTo>
-                <a:cubicBezTo>
-                  <a:pt x="10622824" y="5790365"/>
-                  <a:pt x="10304941" y="5850387"/>
-                  <a:pt x="9985530" y="5902635"/>
-                </a:cubicBezTo>
-                <a:cubicBezTo>
-                  <a:pt x="9720036" y="5946102"/>
-                  <a:pt x="9453814" y="5984764"/>
-                  <a:pt x="9186882" y="6018631"/>
-                </a:cubicBezTo>
-                <a:cubicBezTo>
-                  <a:pt x="8984197" y="6044216"/>
-                  <a:pt x="8781514" y="6068309"/>
-                  <a:pt x="8578198" y="6088179"/>
-                </a:cubicBezTo>
-                <a:lnTo>
-                  <a:pt x="7864358" y="6149656"/>
-                </a:lnTo>
-                <a:cubicBezTo>
-                  <a:pt x="7554994" y="6172009"/>
-                  <a:pt x="7245502" y="6189895"/>
-                  <a:pt x="6935502" y="6201071"/>
-                </a:cubicBezTo>
-                <a:lnTo>
-                  <a:pt x="6477750" y="6214980"/>
-                </a:lnTo>
-                <a:cubicBezTo>
-                  <a:pt x="6439195" y="6212895"/>
-                  <a:pt x="6400529" y="6214521"/>
-                  <a:pt x="6362294" y="6219825"/>
-                </a:cubicBezTo>
-                <a:lnTo>
-                  <a:pt x="6057129" y="6219825"/>
-                </a:lnTo>
-                <a:lnTo>
-                  <a:pt x="5977784" y="6215229"/>
-                </a:lnTo>
-                <a:lnTo>
-                  <a:pt x="5265087" y="6178965"/>
-                </a:lnTo>
-                <a:cubicBezTo>
-                  <a:pt x="4958267" y="6166544"/>
-                  <a:pt x="4651826" y="6146055"/>
-                  <a:pt x="4346277" y="6116869"/>
-                </a:cubicBezTo>
-                <a:lnTo>
-                  <a:pt x="3373045" y="6018259"/>
-                </a:lnTo>
-                <a:cubicBezTo>
-                  <a:pt x="3035412" y="5983982"/>
-                  <a:pt x="2698456" y="5944327"/>
-                  <a:pt x="2362173" y="5899282"/>
-                </a:cubicBezTo>
-                <a:cubicBezTo>
-                  <a:pt x="1984692" y="5849108"/>
-                  <a:pt x="1608364" y="5791358"/>
-                  <a:pt x="1233178" y="5726033"/>
-                </a:cubicBezTo>
-                <a:cubicBezTo>
-                  <a:pt x="842181" y="5657291"/>
-                  <a:pt x="453758" y="5578770"/>
-                  <a:pt x="68500" y="5486226"/>
-                </a:cubicBezTo>
-                <a:lnTo>
-                  <a:pt x="0" y="5468863"/>
-                </a:lnTo>
-                <a:lnTo>
-                  <a:pt x="0" y="5412351"/>
-                </a:lnTo>
-                <a:lnTo>
-                  <a:pt x="72441" y="5431135"/>
-                </a:lnTo>
-                <a:cubicBezTo>
-                  <a:pt x="247961" y="5473331"/>
-                  <a:pt x="424164" y="5512608"/>
-                  <a:pt x="600716" y="5549555"/>
-                </a:cubicBezTo>
-                <a:cubicBezTo>
-                  <a:pt x="988279" y="5630403"/>
-                  <a:pt x="1378133" y="5699330"/>
-                  <a:pt x="1769512" y="5759811"/>
-                </a:cubicBezTo>
-                <a:cubicBezTo>
-                  <a:pt x="2052426" y="5803406"/>
-                  <a:pt x="2335725" y="5843519"/>
-                  <a:pt x="2613554" y="5876802"/>
-                </a:cubicBezTo>
-                <a:cubicBezTo>
-                  <a:pt x="2605544" y="5879410"/>
-                  <a:pt x="2594611" y="5869350"/>
-                  <a:pt x="2581134" y="5866867"/>
-                </a:cubicBezTo>
-                <a:cubicBezTo>
-                  <a:pt x="2087178" y="5774877"/>
-                  <a:pt x="1597684" y="5663937"/>
-                  <a:pt x="1112635" y="5534031"/>
-                </a:cubicBezTo>
-                <a:cubicBezTo>
-                  <a:pt x="880453" y="5471934"/>
-                  <a:pt x="649713" y="5405428"/>
-                  <a:pt x="420412" y="5334514"/>
-                </a:cubicBezTo>
-                <a:lnTo>
-                  <a:pt x="0" y="5195539"/>
-                </a:lnTo>
-                <a:lnTo>
-                  <a:pt x="60" y="5105401"/>
-                </a:lnTo>
-                <a:lnTo>
-                  <a:pt x="0" y="5105401"/>
-                </a:lnTo>
-                <a:lnTo>
-                  <a:pt x="0" y="1"/>
-                </a:lnTo>
-                <a:lnTo>
-                  <a:pt x="9834" y="1"/>
-                </a:lnTo>
-                <a:close/>
-              </a:path>
-            </a:pathLst>
-          </a:custGeom>
-          <a:solidFill>
-            <a:schemeClr val="bg1"/>
-          </a:solidFill>
-          <a:ln>
-            <a:noFill/>
-          </a:ln>
         </p:spPr>
-        <p:style>
-          <a:lnRef idx="2">
-            <a:schemeClr val="accent1">
-              <a:shade val="50000"/>
-            </a:schemeClr>
-          </a:lnRef>
-          <a:fillRef idx="1">
-            <a:schemeClr val="accent1"/>
-          </a:fillRef>
-          <a:effectRef idx="0">
-            <a:schemeClr val="accent1"/>
-          </a:effectRef>
-          <a:fontRef idx="minor">
-            <a:schemeClr val="lt1"/>
-          </a:fontRef>
-        </p:style>
         <p:txBody>
-          <a:bodyPr wrap="square" rtlCol="0" anchor="ctr">
-            <a:noAutofit/>
+          <a:bodyPr anchor="t">
+            <a:normAutofit/>
           </a:bodyPr>
           <a:lstStyle/>
           <a:p>
-            <a:pPr algn="ctr"/>
-            <a:endParaRPr lang="en-US"/>
+            <a:r>
+              <a:rPr lang="en-US" sz="2200" dirty="0">
+                <a:solidFill>
+                  <a:srgbClr val="FFFFFF"/>
+                </a:solidFill>
+              </a:rPr>
+              <a:t>Rule of thumb</a:t>
+            </a:r>
+          </a:p>
+          <a:p>
+            <a:r>
+              <a:rPr lang="en-US" sz="2200" dirty="0">
+                <a:solidFill>
+                  <a:srgbClr val="FFFFFF"/>
+                </a:solidFill>
+              </a:rPr>
+              <a:t>Cross-validation method</a:t>
+            </a:r>
+          </a:p>
+          <a:p>
+            <a:r>
+              <a:rPr lang="en-US" sz="2200" dirty="0">
+                <a:solidFill>
+                  <a:srgbClr val="FFFFFF"/>
+                </a:solidFill>
+              </a:rPr>
+              <a:t>Learning curve</a:t>
+            </a:r>
+          </a:p>
+          <a:p>
+            <a:r>
+              <a:rPr lang="en-US" sz="2200" dirty="0">
+                <a:solidFill>
+                  <a:srgbClr val="FFFFFF"/>
+                </a:solidFill>
+              </a:rPr>
+              <a:t>Power analysis</a:t>
+            </a:r>
+          </a:p>
+          <a:p>
+            <a:r>
+              <a:rPr lang="en-US" sz="2200" dirty="0">
+                <a:solidFill>
+                  <a:srgbClr val="FFFFFF"/>
+                </a:solidFill>
+              </a:rPr>
+              <a:t>Mead’s correction using Power analysis</a:t>
+            </a:r>
+          </a:p>
+          <a:p>
+            <a:r>
+              <a:rPr lang="en-US" sz="2200" dirty="0">
+                <a:solidFill>
+                  <a:srgbClr val="FFFFFF"/>
+                </a:solidFill>
+              </a:rPr>
+              <a:t>Simulation using Power analysis</a:t>
+            </a:r>
+          </a:p>
+          <a:p>
+            <a:r>
+              <a:rPr lang="en-US" sz="2200" dirty="0">
+                <a:solidFill>
+                  <a:srgbClr val="FFFFFF"/>
+                </a:solidFill>
+              </a:rPr>
+              <a:t>Consulting with the experts</a:t>
+            </a:r>
           </a:p>
         </p:txBody>
       </p:sp>
-      <p:grpSp>
-        <p:nvGrpSpPr>
-          <p:cNvPr id="15" name="Group 14">
-            <a:extLst>
-              <a:ext uri="{FF2B5EF4-FFF2-40B4-BE49-F238E27FC236}">
-                <a16:creationId xmlns:a16="http://schemas.microsoft.com/office/drawing/2014/main" id="{A4DC082F-9737-D6EC-9A6A-E2072C0D51B6}"/>
-              </a:ext>
-            </a:extLst>
-          </p:cNvPr>
-          <p:cNvGrpSpPr/>
-          <p:nvPr/>
-        </p:nvGrpSpPr>
-        <p:grpSpPr>
-          <a:xfrm>
-            <a:off x="531387" y="228600"/>
-            <a:ext cx="11053026" cy="4953000"/>
-            <a:chOff x="2105479" y="1447444"/>
-            <a:chExt cx="8289424" cy="3714593"/>
-          </a:xfrm>
-        </p:grpSpPr>
-        <p:sp>
-          <p:nvSpPr>
-            <p:cNvPr id="4" name="TextBox 3">
-              <a:extLst>
-                <a:ext uri="{FF2B5EF4-FFF2-40B4-BE49-F238E27FC236}">
-                  <a16:creationId xmlns:a16="http://schemas.microsoft.com/office/drawing/2014/main" id="{9D633522-A65B-1F25-093D-E23E67D4062E}"/>
-                </a:ext>
-              </a:extLst>
-            </p:cNvPr>
-            <p:cNvSpPr txBox="1"/>
-            <p:nvPr/>
-          </p:nvSpPr>
-          <p:spPr>
-            <a:xfrm>
-              <a:off x="2105479" y="1447444"/>
-              <a:ext cx="3471333" cy="721128"/>
-            </a:xfrm>
-            <a:prstGeom prst="rect">
-              <a:avLst/>
-            </a:prstGeom>
-            <a:solidFill>
-              <a:schemeClr val="accent1"/>
-            </a:solidFill>
-          </p:spPr>
-          <p:txBody>
-            <a:bodyPr wrap="square" rtlCol="0">
-              <a:spAutoFit/>
-            </a:bodyPr>
-            <a:lstStyle/>
-            <a:p>
-              <a:pPr algn="ctr" defTabSz="1434381">
-                <a:spcAft>
-                  <a:spcPts val="791"/>
-                </a:spcAft>
-              </a:pPr>
-              <a:r>
-                <a:rPr lang="en-US" sz="2824" b="1" kern="1200" dirty="0">
-                  <a:solidFill>
-                    <a:schemeClr val="bg1"/>
-                  </a:solidFill>
-                  <a:latin typeface="+mj-lt"/>
-                  <a:ea typeface="+mn-ea"/>
-                  <a:cs typeface="+mn-cs"/>
-                </a:rPr>
-                <a:t>A practical approach using code</a:t>
-              </a:r>
-              <a:endParaRPr lang="en-US" b="1" dirty="0">
-                <a:solidFill>
-                  <a:schemeClr val="bg1"/>
-                </a:solidFill>
-                <a:latin typeface="+mj-lt"/>
-              </a:endParaRPr>
-            </a:p>
-          </p:txBody>
-        </p:sp>
-        <p:sp>
-          <p:nvSpPr>
-            <p:cNvPr id="5" name="TextBox 4">
-              <a:extLst>
-                <a:ext uri="{FF2B5EF4-FFF2-40B4-BE49-F238E27FC236}">
-                  <a16:creationId xmlns:a16="http://schemas.microsoft.com/office/drawing/2014/main" id="{75440446-870C-A62B-C370-2A8890E843F8}"/>
-                </a:ext>
-              </a:extLst>
-            </p:cNvPr>
-            <p:cNvSpPr txBox="1"/>
-            <p:nvPr/>
-          </p:nvSpPr>
-          <p:spPr>
-            <a:xfrm>
-              <a:off x="7000906" y="1447444"/>
-              <a:ext cx="3393997" cy="721128"/>
-            </a:xfrm>
-            <a:prstGeom prst="rect">
-              <a:avLst/>
-            </a:prstGeom>
-            <a:solidFill>
-              <a:schemeClr val="accent1"/>
-            </a:solidFill>
-          </p:spPr>
-          <p:txBody>
-            <a:bodyPr wrap="square" rtlCol="0">
-              <a:spAutoFit/>
-            </a:bodyPr>
-            <a:lstStyle/>
-            <a:p>
-              <a:pPr algn="ctr" defTabSz="1434381">
-                <a:spcAft>
-                  <a:spcPts val="791"/>
-                </a:spcAft>
-              </a:pPr>
-              <a:r>
-                <a:rPr lang="en-US" sz="2824" b="1" kern="1200" dirty="0">
-                  <a:solidFill>
-                    <a:schemeClr val="bg1"/>
-                  </a:solidFill>
-                  <a:latin typeface="+mj-lt"/>
-                  <a:ea typeface="+mn-ea"/>
-                  <a:cs typeface="+mn-cs"/>
-                </a:rPr>
-                <a:t>A statistical approach using the formula</a:t>
-              </a:r>
-              <a:endParaRPr lang="en-US" b="1" dirty="0">
-                <a:solidFill>
-                  <a:schemeClr val="bg1"/>
-                </a:solidFill>
-                <a:latin typeface="+mj-lt"/>
-              </a:endParaRPr>
-            </a:p>
-          </p:txBody>
-        </p:sp>
-        <p:sp>
-          <p:nvSpPr>
-            <p:cNvPr id="6" name="TextBox 5">
-              <a:extLst>
-                <a:ext uri="{FF2B5EF4-FFF2-40B4-BE49-F238E27FC236}">
-                  <a16:creationId xmlns:a16="http://schemas.microsoft.com/office/drawing/2014/main" id="{E66D1F50-412A-66DC-4414-1EC1F1B2D83F}"/>
-                </a:ext>
-              </a:extLst>
-            </p:cNvPr>
-            <p:cNvSpPr txBox="1"/>
-            <p:nvPr/>
-          </p:nvSpPr>
-          <p:spPr>
-            <a:xfrm>
-              <a:off x="2722809" y="2861022"/>
-              <a:ext cx="2493817" cy="2301015"/>
-            </a:xfrm>
-            <a:prstGeom prst="rect">
-              <a:avLst/>
-            </a:prstGeom>
-            <a:solidFill>
-              <a:schemeClr val="accent2">
-                <a:lumMod val="20000"/>
-                <a:lumOff val="80000"/>
-              </a:schemeClr>
-            </a:solidFill>
-          </p:spPr>
-          <p:txBody>
-            <a:bodyPr wrap="square" rtlCol="0">
-              <a:spAutoFit/>
-            </a:bodyPr>
-            <a:lstStyle/>
-            <a:p>
-              <a:pPr algn="ctr" defTabSz="1434381">
-                <a:spcAft>
-                  <a:spcPts val="791"/>
-                </a:spcAft>
-              </a:pPr>
-              <a:r>
-                <a:rPr lang="en-US" sz="2824" b="1" kern="1200" dirty="0">
-                  <a:solidFill>
-                    <a:schemeClr val="tx1"/>
-                  </a:solidFill>
-                  <a:latin typeface="+mj-lt"/>
-                  <a:ea typeface="+mn-ea"/>
-                  <a:cs typeface="+mn-cs"/>
-                </a:rPr>
-                <a:t>Rule of thumb</a:t>
-              </a:r>
-            </a:p>
-            <a:p>
-              <a:pPr algn="ctr" defTabSz="1434381">
-                <a:spcAft>
-                  <a:spcPts val="791"/>
-                </a:spcAft>
-              </a:pPr>
-              <a:r>
-                <a:rPr lang="en-US" sz="2824" b="1" kern="1200" dirty="0">
-                  <a:solidFill>
-                    <a:schemeClr val="tx1"/>
-                  </a:solidFill>
-                  <a:latin typeface="+mj-lt"/>
-                  <a:ea typeface="+mn-ea"/>
-                  <a:cs typeface="+mn-cs"/>
-                </a:rPr>
-                <a:t>Cross-validation method</a:t>
-              </a:r>
-            </a:p>
-            <a:p>
-              <a:pPr algn="ctr" defTabSz="1434381">
-                <a:spcAft>
-                  <a:spcPts val="791"/>
-                </a:spcAft>
-              </a:pPr>
-              <a:r>
-                <a:rPr lang="en-US" sz="2824" b="1" kern="1200" dirty="0">
-                  <a:solidFill>
-                    <a:schemeClr val="tx1"/>
-                  </a:solidFill>
-                  <a:latin typeface="+mj-lt"/>
-                  <a:ea typeface="+mn-ea"/>
-                  <a:cs typeface="+mn-cs"/>
-                </a:rPr>
-                <a:t>Learning curve</a:t>
-              </a:r>
-            </a:p>
-            <a:p>
-              <a:pPr algn="ctr" defTabSz="1434381">
-                <a:spcAft>
-                  <a:spcPts val="791"/>
-                </a:spcAft>
-              </a:pPr>
-              <a:r>
-                <a:rPr lang="en-US" sz="2824" b="1" kern="1200" dirty="0">
-                  <a:solidFill>
-                    <a:schemeClr val="tx1"/>
-                  </a:solidFill>
-                  <a:latin typeface="+mj-lt"/>
-                  <a:ea typeface="+mn-ea"/>
-                  <a:cs typeface="+mn-cs"/>
-                </a:rPr>
-                <a:t>Optimal stopping theory</a:t>
-              </a:r>
-              <a:endParaRPr lang="en-US" b="1" dirty="0">
-                <a:latin typeface="+mj-lt"/>
-              </a:endParaRPr>
-            </a:p>
-          </p:txBody>
-        </p:sp>
-        <p:sp>
-          <p:nvSpPr>
-            <p:cNvPr id="8" name="TextBox 7">
-              <a:extLst>
-                <a:ext uri="{FF2B5EF4-FFF2-40B4-BE49-F238E27FC236}">
-                  <a16:creationId xmlns:a16="http://schemas.microsoft.com/office/drawing/2014/main" id="{3BC13DFE-9366-D432-9BA8-5245D71FC91A}"/>
-                </a:ext>
-              </a:extLst>
-            </p:cNvPr>
-            <p:cNvSpPr txBox="1"/>
-            <p:nvPr/>
-          </p:nvSpPr>
-          <p:spPr>
-            <a:xfrm>
-              <a:off x="7453293" y="2861022"/>
-              <a:ext cx="2661090" cy="1158202"/>
-            </a:xfrm>
-            <a:prstGeom prst="rect">
-              <a:avLst/>
-            </a:prstGeom>
-            <a:solidFill>
-              <a:schemeClr val="accent2">
-                <a:lumMod val="20000"/>
-                <a:lumOff val="80000"/>
-              </a:schemeClr>
-            </a:solidFill>
-          </p:spPr>
-          <p:txBody>
-            <a:bodyPr wrap="square" rtlCol="0">
-              <a:spAutoFit/>
-            </a:bodyPr>
-            <a:lstStyle/>
-            <a:p>
-              <a:pPr algn="ctr" defTabSz="1434381">
-                <a:spcAft>
-                  <a:spcPts val="791"/>
-                </a:spcAft>
-              </a:pPr>
-              <a:r>
-                <a:rPr lang="en-US" sz="2824" b="1" kern="1200" dirty="0">
-                  <a:solidFill>
-                    <a:schemeClr val="tx1"/>
-                  </a:solidFill>
-                  <a:latin typeface="+mj-lt"/>
-                  <a:ea typeface="+mn-ea"/>
-                  <a:cs typeface="+mn-cs"/>
-                </a:rPr>
-                <a:t>Power analysis</a:t>
-              </a:r>
-            </a:p>
-            <a:p>
-              <a:pPr algn="ctr" defTabSz="1434381">
-                <a:spcAft>
-                  <a:spcPts val="791"/>
-                </a:spcAft>
-              </a:pPr>
-              <a:r>
-                <a:rPr lang="en-US" sz="2824" b="1" kern="1200" dirty="0">
-                  <a:solidFill>
-                    <a:schemeClr val="tx1"/>
-                  </a:solidFill>
-                  <a:latin typeface="+mj-lt"/>
-                  <a:ea typeface="+mn-ea"/>
-                  <a:cs typeface="+mn-cs"/>
-                </a:rPr>
-                <a:t>Mead’s correction method</a:t>
-              </a:r>
-              <a:endParaRPr lang="en-US" b="1" dirty="0">
-                <a:latin typeface="+mj-lt"/>
-              </a:endParaRPr>
-            </a:p>
-          </p:txBody>
-        </p:sp>
-        <p:sp>
-          <p:nvSpPr>
-            <p:cNvPr id="9" name="Arrow: Down 8">
-              <a:extLst>
-                <a:ext uri="{FF2B5EF4-FFF2-40B4-BE49-F238E27FC236}">
-                  <a16:creationId xmlns:a16="http://schemas.microsoft.com/office/drawing/2014/main" id="{E20F8A3C-8645-AEBC-E018-B0EDD0A72C6D}"/>
-                </a:ext>
-              </a:extLst>
-            </p:cNvPr>
-            <p:cNvSpPr/>
-            <p:nvPr/>
-          </p:nvSpPr>
-          <p:spPr>
-            <a:xfrm>
-              <a:off x="3813447" y="2358660"/>
-              <a:ext cx="238548" cy="255703"/>
-            </a:xfrm>
-            <a:prstGeom prst="downArrow">
-              <a:avLst/>
-            </a:prstGeom>
-          </p:spPr>
-          <p:style>
-            <a:lnRef idx="2">
-              <a:schemeClr val="accent1">
-                <a:shade val="15000"/>
-              </a:schemeClr>
-            </a:lnRef>
-            <a:fillRef idx="1">
-              <a:schemeClr val="accent1"/>
-            </a:fillRef>
-            <a:effectRef idx="0">
-              <a:schemeClr val="accent1"/>
-            </a:effectRef>
-            <a:fontRef idx="minor">
-              <a:schemeClr val="lt1"/>
-            </a:fontRef>
-          </p:style>
-          <p:txBody>
-            <a:bodyPr rtlCol="0" anchor="ctr"/>
-            <a:lstStyle/>
-            <a:p>
-              <a:pPr algn="ctr"/>
-              <a:endParaRPr lang="en-US"/>
-            </a:p>
-          </p:txBody>
-        </p:sp>
-        <p:sp>
-          <p:nvSpPr>
-            <p:cNvPr id="10" name="Arrow: Down 9">
-              <a:extLst>
-                <a:ext uri="{FF2B5EF4-FFF2-40B4-BE49-F238E27FC236}">
-                  <a16:creationId xmlns:a16="http://schemas.microsoft.com/office/drawing/2014/main" id="{BD5E3012-EB0C-EB5B-89D6-D2684F17DE93}"/>
-                </a:ext>
-              </a:extLst>
-            </p:cNvPr>
-            <p:cNvSpPr/>
-            <p:nvPr/>
-          </p:nvSpPr>
-          <p:spPr>
-            <a:xfrm>
-              <a:off x="8664564" y="2358659"/>
-              <a:ext cx="238548" cy="255703"/>
-            </a:xfrm>
-            <a:prstGeom prst="downArrow">
-              <a:avLst/>
-            </a:prstGeom>
-          </p:spPr>
-          <p:style>
-            <a:lnRef idx="2">
-              <a:schemeClr val="accent1">
-                <a:shade val="15000"/>
-              </a:schemeClr>
-            </a:lnRef>
-            <a:fillRef idx="1">
-              <a:schemeClr val="accent1"/>
-            </a:fillRef>
-            <a:effectRef idx="0">
-              <a:schemeClr val="accent1"/>
-            </a:effectRef>
-            <a:fontRef idx="minor">
-              <a:schemeClr val="lt1"/>
-            </a:fontRef>
-          </p:style>
-          <p:txBody>
-            <a:bodyPr rtlCol="0" anchor="ctr"/>
-            <a:lstStyle/>
-            <a:p>
-              <a:pPr algn="ctr"/>
-              <a:endParaRPr lang="en-US"/>
-            </a:p>
-          </p:txBody>
-        </p:sp>
-      </p:grpSp>
     </p:spTree>
     <p:extLst>
       <p:ext uri="{BB962C8B-B14F-4D97-AF65-F5344CB8AC3E}">
-        <p14:creationId xmlns:p14="http://schemas.microsoft.com/office/powerpoint/2010/main" val="298855068"/>
+        <p14:creationId xmlns:p14="http://schemas.microsoft.com/office/powerpoint/2010/main" val="228903375"/>
       </p:ext>
     </p:extLst>
   </p:cSld>
@@ -13004,4 +14360,299 @@
     </a:ext>
   </a:extLst>
 </a:theme>
+</file>
+
+<file path=ppt/theme/theme2.xml><?xml version="1.0" encoding="utf-8"?>
+<a:theme xmlns:a="http://schemas.openxmlformats.org/drawingml/2006/main" name="Office Theme">
+  <a:themeElements>
+    <a:clrScheme name="Office">
+      <a:dk1>
+        <a:sysClr val="windowText" lastClr="000000"/>
+      </a:dk1>
+      <a:lt1>
+        <a:sysClr val="window" lastClr="FFFFFF"/>
+      </a:lt1>
+      <a:dk2>
+        <a:srgbClr val="44546A"/>
+      </a:dk2>
+      <a:lt2>
+        <a:srgbClr val="E7E6E6"/>
+      </a:lt2>
+      <a:accent1>
+        <a:srgbClr val="4472C4"/>
+      </a:accent1>
+      <a:accent2>
+        <a:srgbClr val="ED7D31"/>
+      </a:accent2>
+      <a:accent3>
+        <a:srgbClr val="A5A5A5"/>
+      </a:accent3>
+      <a:accent4>
+        <a:srgbClr val="FFC000"/>
+      </a:accent4>
+      <a:accent5>
+        <a:srgbClr val="5B9BD5"/>
+      </a:accent5>
+      <a:accent6>
+        <a:srgbClr val="70AD47"/>
+      </a:accent6>
+      <a:hlink>
+        <a:srgbClr val="0563C1"/>
+      </a:hlink>
+      <a:folHlink>
+        <a:srgbClr val="954F72"/>
+      </a:folHlink>
+    </a:clrScheme>
+    <a:fontScheme name="Office">
+      <a:majorFont>
+        <a:latin typeface="Calibri Light" panose="020F0302020204030204"/>
+        <a:ea typeface=""/>
+        <a:cs typeface=""/>
+        <a:font script="Jpan" typeface="游ゴシック Light"/>
+        <a:font script="Hang" typeface="맑은 고딕"/>
+        <a:font script="Hans" typeface="等线 Light"/>
+        <a:font script="Hant" typeface="新細明體"/>
+        <a:font script="Arab" typeface="Times New Roman"/>
+        <a:font script="Hebr" typeface="Times New Roman"/>
+        <a:font script="Thai" typeface="Angsana New"/>
+        <a:font script="Ethi" typeface="Nyala"/>
+        <a:font script="Beng" typeface="Vrinda"/>
+        <a:font script="Gujr" typeface="Shruti"/>
+        <a:font script="Khmr" typeface="MoolBoran"/>
+        <a:font script="Knda" typeface="Tunga"/>
+        <a:font script="Guru" typeface="Raavi"/>
+        <a:font script="Cans" typeface="Euphemia"/>
+        <a:font script="Cher" typeface="Plantagenet Cherokee"/>
+        <a:font script="Yiii" typeface="Microsoft Yi Baiti"/>
+        <a:font script="Tibt" typeface="Microsoft Himalaya"/>
+        <a:font script="Thaa" typeface="MV Boli"/>
+        <a:font script="Deva" typeface="Mangal"/>
+        <a:font script="Telu" typeface="Gautami"/>
+        <a:font script="Taml" typeface="Latha"/>
+        <a:font script="Syrc" typeface="Estrangelo Edessa"/>
+        <a:font script="Orya" typeface="Kalinga"/>
+        <a:font script="Mlym" typeface="Kartika"/>
+        <a:font script="Laoo" typeface="DokChampa"/>
+        <a:font script="Sinh" typeface="Iskoola Pota"/>
+        <a:font script="Mong" typeface="Mongolian Baiti"/>
+        <a:font script="Viet" typeface="Times New Roman"/>
+        <a:font script="Uigh" typeface="Microsoft Uighur"/>
+        <a:font script="Geor" typeface="Sylfaen"/>
+        <a:font script="Armn" typeface="Arial"/>
+        <a:font script="Bugi" typeface="Leelawadee UI"/>
+        <a:font script="Bopo" typeface="Microsoft JhengHei"/>
+        <a:font script="Java" typeface="Javanese Text"/>
+        <a:font script="Lisu" typeface="Segoe UI"/>
+        <a:font script="Mymr" typeface="Myanmar Text"/>
+        <a:font script="Nkoo" typeface="Ebrima"/>
+        <a:font script="Olck" typeface="Nirmala UI"/>
+        <a:font script="Osma" typeface="Ebrima"/>
+        <a:font script="Phag" typeface="Phagspa"/>
+        <a:font script="Syrn" typeface="Estrangelo Edessa"/>
+        <a:font script="Syrj" typeface="Estrangelo Edessa"/>
+        <a:font script="Syre" typeface="Estrangelo Edessa"/>
+        <a:font script="Sora" typeface="Nirmala UI"/>
+        <a:font script="Tale" typeface="Microsoft Tai Le"/>
+        <a:font script="Talu" typeface="Microsoft New Tai Lue"/>
+        <a:font script="Tfng" typeface="Ebrima"/>
+      </a:majorFont>
+      <a:minorFont>
+        <a:latin typeface="Calibri" panose="020F0502020204030204"/>
+        <a:ea typeface=""/>
+        <a:cs typeface=""/>
+        <a:font script="Jpan" typeface="游ゴシック"/>
+        <a:font script="Hang" typeface="맑은 고딕"/>
+        <a:font script="Hans" typeface="等线"/>
+        <a:font script="Hant" typeface="新細明體"/>
+        <a:font script="Arab" typeface="Arial"/>
+        <a:font script="Hebr" typeface="Arial"/>
+        <a:font script="Thai" typeface="Cordia New"/>
+        <a:font script="Ethi" typeface="Nyala"/>
+        <a:font script="Beng" typeface="Vrinda"/>
+        <a:font script="Gujr" typeface="Shruti"/>
+        <a:font script="Khmr" typeface="DaunPenh"/>
+        <a:font script="Knda" typeface="Tunga"/>
+        <a:font script="Guru" typeface="Raavi"/>
+        <a:font script="Cans" typeface="Euphemia"/>
+        <a:font script="Cher" typeface="Plantagenet Cherokee"/>
+        <a:font script="Yiii" typeface="Microsoft Yi Baiti"/>
+        <a:font script="Tibt" typeface="Microsoft Himalaya"/>
+        <a:font script="Thaa" typeface="MV Boli"/>
+        <a:font script="Deva" typeface="Mangal"/>
+        <a:font script="Telu" typeface="Gautami"/>
+        <a:font script="Taml" typeface="Latha"/>
+        <a:font script="Syrc" typeface="Estrangelo Edessa"/>
+        <a:font script="Orya" typeface="Kalinga"/>
+        <a:font script="Mlym" typeface="Kartika"/>
+        <a:font script="Laoo" typeface="DokChampa"/>
+        <a:font script="Sinh" typeface="Iskoola Pota"/>
+        <a:font script="Mong" typeface="Mongolian Baiti"/>
+        <a:font script="Viet" typeface="Arial"/>
+        <a:font script="Uigh" typeface="Microsoft Uighur"/>
+        <a:font script="Geor" typeface="Sylfaen"/>
+        <a:font script="Armn" typeface="Arial"/>
+        <a:font script="Bugi" typeface="Leelawadee UI"/>
+        <a:font script="Bopo" typeface="Microsoft JhengHei"/>
+        <a:font script="Java" typeface="Javanese Text"/>
+        <a:font script="Lisu" typeface="Segoe UI"/>
+        <a:font script="Mymr" typeface="Myanmar Text"/>
+        <a:font script="Nkoo" typeface="Ebrima"/>
+        <a:font script="Olck" typeface="Nirmala UI"/>
+        <a:font script="Osma" typeface="Ebrima"/>
+        <a:font script="Phag" typeface="Phagspa"/>
+        <a:font script="Syrn" typeface="Estrangelo Edessa"/>
+        <a:font script="Syrj" typeface="Estrangelo Edessa"/>
+        <a:font script="Syre" typeface="Estrangelo Edessa"/>
+        <a:font script="Sora" typeface="Nirmala UI"/>
+        <a:font script="Tale" typeface="Microsoft Tai Le"/>
+        <a:font script="Talu" typeface="Microsoft New Tai Lue"/>
+        <a:font script="Tfng" typeface="Ebrima"/>
+      </a:minorFont>
+    </a:fontScheme>
+    <a:fmtScheme name="Office">
+      <a:fillStyleLst>
+        <a:solidFill>
+          <a:schemeClr val="phClr"/>
+        </a:solidFill>
+        <a:gradFill rotWithShape="1">
+          <a:gsLst>
+            <a:gs pos="0">
+              <a:schemeClr val="phClr">
+                <a:lumMod val="110000"/>
+                <a:satMod val="105000"/>
+                <a:tint val="67000"/>
+              </a:schemeClr>
+            </a:gs>
+            <a:gs pos="50000">
+              <a:schemeClr val="phClr">
+                <a:lumMod val="105000"/>
+                <a:satMod val="103000"/>
+                <a:tint val="73000"/>
+              </a:schemeClr>
+            </a:gs>
+            <a:gs pos="100000">
+              <a:schemeClr val="phClr">
+                <a:lumMod val="105000"/>
+                <a:satMod val="109000"/>
+                <a:tint val="81000"/>
+              </a:schemeClr>
+            </a:gs>
+          </a:gsLst>
+          <a:lin ang="5400000" scaled="0"/>
+        </a:gradFill>
+        <a:gradFill rotWithShape="1">
+          <a:gsLst>
+            <a:gs pos="0">
+              <a:schemeClr val="phClr">
+                <a:satMod val="103000"/>
+                <a:lumMod val="102000"/>
+                <a:tint val="94000"/>
+              </a:schemeClr>
+            </a:gs>
+            <a:gs pos="50000">
+              <a:schemeClr val="phClr">
+                <a:satMod val="110000"/>
+                <a:lumMod val="100000"/>
+                <a:shade val="100000"/>
+              </a:schemeClr>
+            </a:gs>
+            <a:gs pos="100000">
+              <a:schemeClr val="phClr">
+                <a:lumMod val="99000"/>
+                <a:satMod val="120000"/>
+                <a:shade val="78000"/>
+              </a:schemeClr>
+            </a:gs>
+          </a:gsLst>
+          <a:lin ang="5400000" scaled="0"/>
+        </a:gradFill>
+      </a:fillStyleLst>
+      <a:lnStyleLst>
+        <a:ln w="6350" cap="flat" cmpd="sng" algn="ctr">
+          <a:solidFill>
+            <a:schemeClr val="phClr"/>
+          </a:solidFill>
+          <a:prstDash val="solid"/>
+          <a:miter lim="800000"/>
+        </a:ln>
+        <a:ln w="12700" cap="flat" cmpd="sng" algn="ctr">
+          <a:solidFill>
+            <a:schemeClr val="phClr"/>
+          </a:solidFill>
+          <a:prstDash val="solid"/>
+          <a:miter lim="800000"/>
+        </a:ln>
+        <a:ln w="19050" cap="flat" cmpd="sng" algn="ctr">
+          <a:solidFill>
+            <a:schemeClr val="phClr"/>
+          </a:solidFill>
+          <a:prstDash val="solid"/>
+          <a:miter lim="800000"/>
+        </a:ln>
+      </a:lnStyleLst>
+      <a:effectStyleLst>
+        <a:effectStyle>
+          <a:effectLst/>
+        </a:effectStyle>
+        <a:effectStyle>
+          <a:effectLst/>
+        </a:effectStyle>
+        <a:effectStyle>
+          <a:effectLst>
+            <a:outerShdw blurRad="57150" dist="19050" dir="5400000" algn="ctr" rotWithShape="0">
+              <a:srgbClr val="000000">
+                <a:alpha val="63000"/>
+              </a:srgbClr>
+            </a:outerShdw>
+          </a:effectLst>
+        </a:effectStyle>
+      </a:effectStyleLst>
+      <a:bgFillStyleLst>
+        <a:solidFill>
+          <a:schemeClr val="phClr"/>
+        </a:solidFill>
+        <a:solidFill>
+          <a:schemeClr val="phClr">
+            <a:tint val="95000"/>
+            <a:satMod val="170000"/>
+          </a:schemeClr>
+        </a:solidFill>
+        <a:gradFill rotWithShape="1">
+          <a:gsLst>
+            <a:gs pos="0">
+              <a:schemeClr val="phClr">
+                <a:tint val="93000"/>
+                <a:satMod val="150000"/>
+                <a:shade val="98000"/>
+                <a:lumMod val="102000"/>
+              </a:schemeClr>
+            </a:gs>
+            <a:gs pos="50000">
+              <a:schemeClr val="phClr">
+                <a:tint val="98000"/>
+                <a:satMod val="130000"/>
+                <a:shade val="90000"/>
+                <a:lumMod val="103000"/>
+              </a:schemeClr>
+            </a:gs>
+            <a:gs pos="100000">
+              <a:schemeClr val="phClr">
+                <a:shade val="63000"/>
+                <a:satMod val="120000"/>
+              </a:schemeClr>
+            </a:gs>
+          </a:gsLst>
+          <a:lin ang="5400000" scaled="0"/>
+        </a:gradFill>
+      </a:bgFillStyleLst>
+    </a:fmtScheme>
+  </a:themeElements>
+  <a:objectDefaults/>
+  <a:extraClrSchemeLst/>
+  <a:extLst>
+    <a:ext uri="{05A4C25C-085E-4340-85A3-A5531E510DB2}">
+      <thm15:themeFamily xmlns:thm15="http://schemas.microsoft.com/office/thememl/2012/main" name="Office Theme" id="{62F939B6-93AF-4DB8-9C6B-D6C7DFDC589F}" vid="{4A3C46E8-61CC-4603-A589-7422A47A8E4A}"/>
+    </a:ext>
+  </a:extLst>
+</a:theme>
 </file>